--- a/Presentation/Data Mining in clustering.pptx
+++ b/Presentation/Data Mining in clustering.pptx
@@ -26,9 +26,10 @@
     <p:sldId id="278" r:id="rId20"/>
     <p:sldId id="277" r:id="rId21"/>
     <p:sldId id="274" r:id="rId22"/>
-    <p:sldId id="264" r:id="rId23"/>
-    <p:sldId id="265" r:id="rId24"/>
-    <p:sldId id="279" r:id="rId25"/>
+    <p:sldId id="280" r:id="rId23"/>
+    <p:sldId id="264" r:id="rId24"/>
+    <p:sldId id="265" r:id="rId25"/>
+    <p:sldId id="279" r:id="rId26"/>
   </p:sldIdLst>
   <p:sldSz cx="12192000" cy="6858000"/>
   <p:notesSz cx="6858000" cy="9144000"/>
@@ -637,7 +638,7 @@
           <a:p>
             <a:fld id="{EE5836F5-1E6B-4492-88E9-2DB89131BE1F}" type="datetimeFigureOut">
               <a:rPr lang="en-US" smtClean="0"/>
-              <a:t>06-Dec-23</a:t>
+              <a:t>12/8/2023</a:t>
             </a:fld>
             <a:endParaRPr lang="en-US"/>
           </a:p>
@@ -933,7 +934,7 @@
           <a:p>
             <a:fld id="{EE5836F5-1E6B-4492-88E9-2DB89131BE1F}" type="datetimeFigureOut">
               <a:rPr lang="en-US" smtClean="0"/>
-              <a:t>06-Dec-23</a:t>
+              <a:t>12/8/2023</a:t>
             </a:fld>
             <a:endParaRPr lang="en-US"/>
           </a:p>
@@ -1181,7 +1182,7 @@
           <a:p>
             <a:fld id="{EE5836F5-1E6B-4492-88E9-2DB89131BE1F}" type="datetimeFigureOut">
               <a:rPr lang="en-US" smtClean="0"/>
-              <a:t>06-Dec-23</a:t>
+              <a:t>12/8/2023</a:t>
             </a:fld>
             <a:endParaRPr lang="en-US"/>
           </a:p>
@@ -1721,7 +1722,7 @@
           <a:p>
             <a:fld id="{EE5836F5-1E6B-4492-88E9-2DB89131BE1F}" type="datetimeFigureOut">
               <a:rPr lang="en-US" smtClean="0"/>
-              <a:t>06-Dec-23</a:t>
+              <a:t>12/8/2023</a:t>
             </a:fld>
             <a:endParaRPr lang="en-US"/>
           </a:p>
@@ -1969,7 +1970,7 @@
           <a:p>
             <a:fld id="{EE5836F5-1E6B-4492-88E9-2DB89131BE1F}" type="datetimeFigureOut">
               <a:rPr lang="en-US" smtClean="0"/>
-              <a:t>06-Dec-23</a:t>
+              <a:t>12/8/2023</a:t>
             </a:fld>
             <a:endParaRPr lang="en-US"/>
           </a:p>
@@ -2501,7 +2502,7 @@
           <a:p>
             <a:fld id="{EE5836F5-1E6B-4492-88E9-2DB89131BE1F}" type="datetimeFigureOut">
               <a:rPr lang="en-US" smtClean="0"/>
-              <a:t>06-Dec-23</a:t>
+              <a:t>12/8/2023</a:t>
             </a:fld>
             <a:endParaRPr lang="en-US"/>
           </a:p>
@@ -2798,7 +2799,7 @@
           <a:p>
             <a:fld id="{EE5836F5-1E6B-4492-88E9-2DB89131BE1F}" type="datetimeFigureOut">
               <a:rPr lang="en-US" smtClean="0"/>
-              <a:t>06-Dec-23</a:t>
+              <a:t>12/8/2023</a:t>
             </a:fld>
             <a:endParaRPr lang="en-US"/>
           </a:p>
@@ -2972,7 +2973,7 @@
           <a:p>
             <a:fld id="{EE5836F5-1E6B-4492-88E9-2DB89131BE1F}" type="datetimeFigureOut">
               <a:rPr lang="en-US" smtClean="0"/>
-              <a:t>06-Dec-23</a:t>
+              <a:t>12/8/2023</a:t>
             </a:fld>
             <a:endParaRPr lang="en-US"/>
           </a:p>
@@ -3152,7 +3153,7 @@
           <a:p>
             <a:fld id="{EE5836F5-1E6B-4492-88E9-2DB89131BE1F}" type="datetimeFigureOut">
               <a:rPr lang="en-US" smtClean="0"/>
-              <a:t>06-Dec-23</a:t>
+              <a:t>12/8/2023</a:t>
             </a:fld>
             <a:endParaRPr lang="en-US"/>
           </a:p>
@@ -3322,7 +3323,7 @@
           <a:p>
             <a:fld id="{EE5836F5-1E6B-4492-88E9-2DB89131BE1F}" type="datetimeFigureOut">
               <a:rPr lang="en-US" smtClean="0"/>
-              <a:t>06-Dec-23</a:t>
+              <a:t>12/8/2023</a:t>
             </a:fld>
             <a:endParaRPr lang="en-US"/>
           </a:p>
@@ -3573,7 +3574,7 @@
           <a:p>
             <a:fld id="{EE5836F5-1E6B-4492-88E9-2DB89131BE1F}" type="datetimeFigureOut">
               <a:rPr lang="en-US" smtClean="0"/>
-              <a:t>06-Dec-23</a:t>
+              <a:t>12/8/2023</a:t>
             </a:fld>
             <a:endParaRPr lang="en-US"/>
           </a:p>
@@ -3870,7 +3871,7 @@
           <a:p>
             <a:fld id="{EE5836F5-1E6B-4492-88E9-2DB89131BE1F}" type="datetimeFigureOut">
               <a:rPr lang="en-US" smtClean="0"/>
-              <a:t>06-Dec-23</a:t>
+              <a:t>12/8/2023</a:t>
             </a:fld>
             <a:endParaRPr lang="en-US"/>
           </a:p>
@@ -4312,7 +4313,7 @@
           <a:p>
             <a:fld id="{EE5836F5-1E6B-4492-88E9-2DB89131BE1F}" type="datetimeFigureOut">
               <a:rPr lang="en-US" smtClean="0"/>
-              <a:t>06-Dec-23</a:t>
+              <a:t>12/8/2023</a:t>
             </a:fld>
             <a:endParaRPr lang="en-US"/>
           </a:p>
@@ -4430,7 +4431,7 @@
           <a:p>
             <a:fld id="{EE5836F5-1E6B-4492-88E9-2DB89131BE1F}" type="datetimeFigureOut">
               <a:rPr lang="en-US" smtClean="0"/>
-              <a:t>06-Dec-23</a:t>
+              <a:t>12/8/2023</a:t>
             </a:fld>
             <a:endParaRPr lang="en-US"/>
           </a:p>
@@ -4525,7 +4526,7 @@
           <a:p>
             <a:fld id="{EE5836F5-1E6B-4492-88E9-2DB89131BE1F}" type="datetimeFigureOut">
               <a:rPr lang="en-US" smtClean="0"/>
-              <a:t>06-Dec-23</a:t>
+              <a:t>12/8/2023</a:t>
             </a:fld>
             <a:endParaRPr lang="en-US"/>
           </a:p>
@@ -4808,7 +4809,7 @@
           <a:p>
             <a:fld id="{EE5836F5-1E6B-4492-88E9-2DB89131BE1F}" type="datetimeFigureOut">
               <a:rPr lang="en-US" smtClean="0"/>
-              <a:t>06-Dec-23</a:t>
+              <a:t>12/8/2023</a:t>
             </a:fld>
             <a:endParaRPr lang="en-US"/>
           </a:p>
@@ -5099,7 +5100,7 @@
           <a:p>
             <a:fld id="{EE5836F5-1E6B-4492-88E9-2DB89131BE1F}" type="datetimeFigureOut">
               <a:rPr lang="en-US" smtClean="0"/>
-              <a:t>06-Dec-23</a:t>
+              <a:t>12/8/2023</a:t>
             </a:fld>
             <a:endParaRPr lang="en-US"/>
           </a:p>
@@ -5629,7 +5630,7 @@
           <a:p>
             <a:fld id="{EE5836F5-1E6B-4492-88E9-2DB89131BE1F}" type="datetimeFigureOut">
               <a:rPr lang="en-US" smtClean="0"/>
-              <a:t>06-Dec-23</a:t>
+              <a:t>12/8/2023</a:t>
             </a:fld>
             <a:endParaRPr lang="en-US"/>
           </a:p>
@@ -7459,7 +7460,7 @@
         <p:spPr/>
         <p:txBody>
           <a:bodyPr>
-            <a:normAutofit/>
+            <a:normAutofit fontScale="92500"/>
           </a:bodyPr>
           <a:lstStyle/>
           <a:p>
@@ -8644,7 +8645,7 @@
           <p:cNvPr id="2" name="Title 1">
             <a:extLst>
               <a:ext uri="{FF2B5EF4-FFF2-40B4-BE49-F238E27FC236}">
-                <a16:creationId xmlns:a16="http://schemas.microsoft.com/office/drawing/2014/main" id="{4D6C5E15-BD18-4095-C983-B20BEF1D6E34}"/>
+                <a16:creationId xmlns:a16="http://schemas.microsoft.com/office/drawing/2014/main" id="{4A93A168-327B-4DBF-B65A-34EA52DC7759}"/>
               </a:ext>
             </a:extLst>
           </p:cNvPr>
@@ -8655,57 +8656,70 @@
             <p:ph type="title"/>
           </p:nvPr>
         </p:nvSpPr>
-        <p:spPr/>
-        <p:txBody>
-          <a:bodyPr/>
+        <p:spPr>
+          <a:xfrm>
+            <a:off x="1023629" y="0"/>
+            <a:ext cx="10144741" cy="663606"/>
+          </a:xfrm>
+        </p:spPr>
+        <p:txBody>
+          <a:bodyPr>
+            <a:normAutofit fontScale="90000"/>
+          </a:bodyPr>
           <a:lstStyle/>
           <a:p>
             <a:r>
               <a:rPr lang="en-US" dirty="0"/>
-              <a:t>LAST PAGES</a:t>
-            </a:r>
-          </a:p>
-        </p:txBody>
-      </p:sp>
-      <p:sp>
-        <p:nvSpPr>
-          <p:cNvPr id="3" name="Content Placeholder 2">
+              <a:t>Comparing </a:t>
+            </a:r>
+            <a:r>
+              <a:rPr lang="en-US" dirty="0" err="1"/>
+              <a:t>DenStream</a:t>
+            </a:r>
+            <a:endParaRPr lang="en-US" dirty="0"/>
+          </a:p>
+        </p:txBody>
+      </p:sp>
+      <p:pic>
+        <p:nvPicPr>
+          <p:cNvPr id="5" name="Picture 4">
             <a:extLst>
               <a:ext uri="{FF2B5EF4-FFF2-40B4-BE49-F238E27FC236}">
-                <a16:creationId xmlns:a16="http://schemas.microsoft.com/office/drawing/2014/main" id="{92F0A45B-8E45-DB6A-4A36-FBF1F11FDAB1}"/>
+                <a16:creationId xmlns:a16="http://schemas.microsoft.com/office/drawing/2014/main" id="{E315FD2C-6CDD-4784-AA05-5D9AFE49C28F}"/>
               </a:ext>
             </a:extLst>
           </p:cNvPr>
-          <p:cNvSpPr>
-            <a:spLocks noGrp="1"/>
-          </p:cNvSpPr>
-          <p:nvPr>
-            <p:ph idx="1"/>
-          </p:nvPr>
-        </p:nvSpPr>
-        <p:spPr/>
-        <p:txBody>
-          <a:bodyPr/>
-          <a:lstStyle/>
-          <a:p>
-            <a:pPr marL="0" indent="0">
-              <a:buNone/>
-            </a:pPr>
-            <a:r>
-              <a:rPr lang="en-US" dirty="0"/>
-              <a:t>summarize the latest research achievements in this field and introduce some new strategies to deal with outliers and noise data</a:t>
-            </a:r>
-            <a:endParaRPr lang="fa-IR" dirty="0"/>
-          </a:p>
-          <a:p>
-            <a:endParaRPr lang="en-US" dirty="0"/>
-          </a:p>
-        </p:txBody>
-      </p:sp>
+          <p:cNvPicPr>
+            <a:picLocks noChangeAspect="1"/>
+          </p:cNvPicPr>
+          <p:nvPr/>
+        </p:nvPicPr>
+        <p:blipFill>
+          <a:blip r:embed="rId2">
+            <a:extLst>
+              <a:ext uri="{28A0092B-C50C-407E-A947-70E740481C1C}">
+                <a14:useLocalDpi xmlns:a14="http://schemas.microsoft.com/office/drawing/2010/main" val="0"/>
+              </a:ext>
+            </a:extLst>
+          </a:blip>
+          <a:stretch>
+            <a:fillRect/>
+          </a:stretch>
+        </p:blipFill>
+        <p:spPr>
+          <a:xfrm>
+            <a:off x="374341" y="663606"/>
+            <a:ext cx="11443317" cy="6115023"/>
+          </a:xfrm>
+          <a:prstGeom prst="rect">
+            <a:avLst/>
+          </a:prstGeom>
+        </p:spPr>
+      </p:pic>
     </p:spTree>
     <p:extLst>
       <p:ext uri="{BB962C8B-B14F-4D97-AF65-F5344CB8AC3E}">
-        <p14:creationId xmlns:p14="http://schemas.microsoft.com/office/powerpoint/2010/main" val="2973134573"/>
+        <p14:creationId xmlns:p14="http://schemas.microsoft.com/office/powerpoint/2010/main" val="350330893"/>
       </p:ext>
     </p:extLst>
   </p:cSld>
@@ -8737,7 +8751,7 @@
           <p:cNvPr id="2" name="Title 1">
             <a:extLst>
               <a:ext uri="{FF2B5EF4-FFF2-40B4-BE49-F238E27FC236}">
-                <a16:creationId xmlns:a16="http://schemas.microsoft.com/office/drawing/2014/main" id="{8329312B-A182-AE3F-7D05-3F812CE08210}"/>
+                <a16:creationId xmlns:a16="http://schemas.microsoft.com/office/drawing/2014/main" id="{4D6C5E15-BD18-4095-C983-B20BEF1D6E34}"/>
               </a:ext>
             </a:extLst>
           </p:cNvPr>
@@ -8755,7 +8769,7 @@
           <a:p>
             <a:r>
               <a:rPr lang="en-US" dirty="0"/>
-              <a:t>Future</a:t>
+              <a:t>LAST PAGES</a:t>
             </a:r>
           </a:p>
         </p:txBody>
@@ -8765,7 +8779,7 @@
           <p:cNvPr id="3" name="Content Placeholder 2">
             <a:extLst>
               <a:ext uri="{FF2B5EF4-FFF2-40B4-BE49-F238E27FC236}">
-                <a16:creationId xmlns:a16="http://schemas.microsoft.com/office/drawing/2014/main" id="{1E61828E-ED8F-1DC2-3F85-F1D64B83942C}"/>
+                <a16:creationId xmlns:a16="http://schemas.microsoft.com/office/drawing/2014/main" id="{92F0A45B-8E45-DB6A-4A36-FBF1F11FDAB1}"/>
               </a:ext>
             </a:extLst>
           </p:cNvPr>
@@ -8786,12 +8800,9 @@
             </a:pPr>
             <a:r>
               <a:rPr lang="en-US" dirty="0"/>
-              <a:t>focal points and difficulties of future research for data stream clustering</a:t>
-            </a:r>
-            <a:r>
-              <a:rPr lang="fa-IR" dirty="0"/>
-              <a:t>:</a:t>
-            </a:r>
+              <a:t>summarize the latest research achievements in this field and introduce some new strategies to deal with outliers and noise data</a:t>
+            </a:r>
+            <a:endParaRPr lang="fa-IR" dirty="0"/>
           </a:p>
           <a:p>
             <a:endParaRPr lang="en-US" dirty="0"/>
@@ -8801,7 +8812,7 @@
     </p:spTree>
     <p:extLst>
       <p:ext uri="{BB962C8B-B14F-4D97-AF65-F5344CB8AC3E}">
-        <p14:creationId xmlns:p14="http://schemas.microsoft.com/office/powerpoint/2010/main" val="698219641"/>
+        <p14:creationId xmlns:p14="http://schemas.microsoft.com/office/powerpoint/2010/main" val="2973134573"/>
       </p:ext>
     </p:extLst>
   </p:cSld>
@@ -8833,6 +8844,102 @@
           <p:cNvPr id="2" name="Title 1">
             <a:extLst>
               <a:ext uri="{FF2B5EF4-FFF2-40B4-BE49-F238E27FC236}">
+                <a16:creationId xmlns:a16="http://schemas.microsoft.com/office/drawing/2014/main" id="{8329312B-A182-AE3F-7D05-3F812CE08210}"/>
+              </a:ext>
+            </a:extLst>
+          </p:cNvPr>
+          <p:cNvSpPr>
+            <a:spLocks noGrp="1"/>
+          </p:cNvSpPr>
+          <p:nvPr>
+            <p:ph type="title"/>
+          </p:nvPr>
+        </p:nvSpPr>
+        <p:spPr/>
+        <p:txBody>
+          <a:bodyPr/>
+          <a:lstStyle/>
+          <a:p>
+            <a:r>
+              <a:rPr lang="en-US" dirty="0"/>
+              <a:t>Future</a:t>
+            </a:r>
+          </a:p>
+        </p:txBody>
+      </p:sp>
+      <p:sp>
+        <p:nvSpPr>
+          <p:cNvPr id="3" name="Content Placeholder 2">
+            <a:extLst>
+              <a:ext uri="{FF2B5EF4-FFF2-40B4-BE49-F238E27FC236}">
+                <a16:creationId xmlns:a16="http://schemas.microsoft.com/office/drawing/2014/main" id="{1E61828E-ED8F-1DC2-3F85-F1D64B83942C}"/>
+              </a:ext>
+            </a:extLst>
+          </p:cNvPr>
+          <p:cNvSpPr>
+            <a:spLocks noGrp="1"/>
+          </p:cNvSpPr>
+          <p:nvPr>
+            <p:ph idx="1"/>
+          </p:nvPr>
+        </p:nvSpPr>
+        <p:spPr/>
+        <p:txBody>
+          <a:bodyPr/>
+          <a:lstStyle/>
+          <a:p>
+            <a:pPr marL="0" indent="0">
+              <a:buNone/>
+            </a:pPr>
+            <a:r>
+              <a:rPr lang="en-US" dirty="0"/>
+              <a:t>focal points and difficulties of future research for data stream clustering</a:t>
+            </a:r>
+            <a:r>
+              <a:rPr lang="fa-IR" dirty="0"/>
+              <a:t>:</a:t>
+            </a:r>
+          </a:p>
+          <a:p>
+            <a:endParaRPr lang="en-US" dirty="0"/>
+          </a:p>
+        </p:txBody>
+      </p:sp>
+    </p:spTree>
+    <p:extLst>
+      <p:ext uri="{BB962C8B-B14F-4D97-AF65-F5344CB8AC3E}">
+        <p14:creationId xmlns:p14="http://schemas.microsoft.com/office/powerpoint/2010/main" val="698219641"/>
+      </p:ext>
+    </p:extLst>
+  </p:cSld>
+  <p:clrMapOvr>
+    <a:masterClrMapping/>
+  </p:clrMapOvr>
+</p:sld>
+</file>
+
+<file path=ppt/slides/slide25.xml><?xml version="1.0" encoding="utf-8"?>
+<p:sld xmlns:a="http://schemas.openxmlformats.org/drawingml/2006/main" xmlns:r="http://schemas.openxmlformats.org/officeDocument/2006/relationships" xmlns:p="http://schemas.openxmlformats.org/presentationml/2006/main">
+  <p:cSld>
+    <p:spTree>
+      <p:nvGrpSpPr>
+        <p:cNvPr id="1" name=""/>
+        <p:cNvGrpSpPr/>
+        <p:nvPr/>
+      </p:nvGrpSpPr>
+      <p:grpSpPr>
+        <a:xfrm>
+          <a:off x="0" y="0"/>
+          <a:ext cx="0" cy="0"/>
+          <a:chOff x="0" y="0"/>
+          <a:chExt cx="0" cy="0"/>
+        </a:xfrm>
+      </p:grpSpPr>
+      <p:sp>
+        <p:nvSpPr>
+          <p:cNvPr id="2" name="Title 1">
+            <a:extLst>
+              <a:ext uri="{FF2B5EF4-FFF2-40B4-BE49-F238E27FC236}">
                 <a16:creationId xmlns:a16="http://schemas.microsoft.com/office/drawing/2014/main" id="{AF1B050C-B724-3834-882B-56BEC9ABEF6C}"/>
               </a:ext>
             </a:extLst>
@@ -8892,93 +8999,90 @@
           </a:bodyPr>
           <a:lstStyle/>
           <a:p>
-            <a:endParaRPr lang="en-US" sz="1800" dirty="0"/>
-          </a:p>
-          <a:p>
-            <a:r>
-              <a:rPr lang="en-US" sz="1800" dirty="0">
+            <a:r>
+              <a:rPr lang="en-US" sz="1400" dirty="0">
                 <a:hlinkClick r:id="rId2"/>
               </a:rPr>
               <a:t>https://www.sciencedirect.com/science/article/abs/pii/S0167739X19312786</a:t>
             </a:r>
-            <a:endParaRPr lang="en-US" sz="1800" dirty="0"/>
-          </a:p>
-          <a:p>
-            <a:r>
-              <a:rPr lang="en-US" sz="1800" dirty="0">
+            <a:endParaRPr lang="en-US" sz="1400" dirty="0"/>
+          </a:p>
+          <a:p>
+            <a:r>
+              <a:rPr lang="en-US" sz="1400" dirty="0">
                 <a:hlinkClick r:id="rId3"/>
               </a:rPr>
               <a:t>https://www.researchgate.net/figure/Overview-of-the-proposed-two-step-clustering-method-The-first-step-uses-Birch-clustering_fig4_357972949</a:t>
             </a:r>
             <a:r>
-              <a:rPr lang="en-US" sz="1800" dirty="0">
+              <a:rPr lang="en-US" sz="1400" dirty="0">
                 <a:hlinkClick r:id="rId4"/>
               </a:rPr>
               <a:t>https://www.oreilly.com/library/view/data-mining-and/9781118868706/9781118868706c21.xhtml</a:t>
             </a:r>
-            <a:endParaRPr lang="en-US" sz="1800" dirty="0"/>
-          </a:p>
-          <a:p>
-            <a:r>
-              <a:rPr lang="en-US" sz="1800" dirty="0">
+            <a:endParaRPr lang="en-US" sz="1400" dirty="0"/>
+          </a:p>
+          <a:p>
+            <a:r>
+              <a:rPr lang="en-US" sz="1400" dirty="0">
                 <a:hlinkClick r:id="rId5"/>
               </a:rPr>
               <a:t>https://scikit-learn.org/stable/modules/generated/sklearn.cluster.Birch.html</a:t>
             </a:r>
-            <a:endParaRPr lang="en-US" sz="1800" dirty="0"/>
-          </a:p>
-          <a:p>
-            <a:r>
-              <a:rPr lang="en-US" sz="1800" dirty="0">
+            <a:endParaRPr lang="en-US" sz="1400" dirty="0"/>
+          </a:p>
+          <a:p>
+            <a:r>
+              <a:rPr lang="en-US" sz="1400" dirty="0">
                 <a:hlinkClick r:id="rId6"/>
               </a:rPr>
               <a:t>https://www.geeksforgeeks.org/ml-birch-clustering/</a:t>
             </a:r>
-            <a:endParaRPr lang="fa-IR" sz="1800" dirty="0">
+            <a:endParaRPr lang="fa-IR" sz="1400" dirty="0">
               <a:hlinkClick r:id="rId7"/>
             </a:endParaRPr>
           </a:p>
           <a:p>
             <a:r>
-              <a:rPr lang="en-US" sz="1800" dirty="0">
+              <a:rPr lang="en-US" sz="1400" dirty="0">
                 <a:hlinkClick r:id="rId7"/>
               </a:rPr>
               <a:t>https://en.wikipedia.org/wiki/Data_stream_clustering</a:t>
             </a:r>
-            <a:endParaRPr lang="en-US" sz="1800" dirty="0"/>
-          </a:p>
-          <a:p>
-            <a:r>
-              <a:rPr lang="en-US" sz="1800" dirty="0">
+            <a:endParaRPr lang="en-US" sz="1400" dirty="0"/>
+          </a:p>
+          <a:p>
+            <a:r>
+              <a:rPr lang="en-US" sz="1400" dirty="0">
                 <a:hlinkClick r:id="rId8"/>
               </a:rPr>
               <a:t>https://medium.com/@noel.cs21/balanced-iterative-reducing-and-clustering-using-heirachies-birch-5680adffaa58</a:t>
             </a:r>
             <a:r>
-              <a:rPr lang="en-US" sz="1800" dirty="0">
+              <a:rPr lang="en-US" sz="1400" dirty="0">
                 <a:hlinkClick r:id="rId9"/>
               </a:rPr>
               <a:t>https://www.youtube.com/watch?v=YWcDgX_pN-8</a:t>
             </a:r>
-            <a:endParaRPr lang="en-US" sz="1800" dirty="0"/>
-          </a:p>
-          <a:p>
-            <a:r>
-              <a:rPr lang="en-US" sz="1800" dirty="0">
+            <a:endParaRPr lang="en-US" sz="1400" dirty="0"/>
+          </a:p>
+          <a:p>
+            <a:r>
+              <a:rPr lang="en-US" sz="1400" dirty="0">
                 <a:hlinkClick r:id="rId10"/>
               </a:rPr>
               <a:t>https://www.youtube.com/watch?v=A4MzbYc4yCY</a:t>
             </a:r>
-            <a:endParaRPr lang="en-US" sz="1800" dirty="0"/>
-          </a:p>
-          <a:p>
-            <a:r>
-              <a:rPr lang="en-US" sz="1800" dirty="0">
+            <a:endParaRPr lang="en-US" sz="1400" dirty="0"/>
+          </a:p>
+          <a:p>
+            <a:r>
+              <a:rPr lang="en-US" sz="1400" dirty="0">
                 <a:hlinkClick r:id="rId2"/>
               </a:rPr>
               <a:t>https://www.sciencedirect.com/science/article/abs/pii/S0167739X19312786</a:t>
             </a:r>
-            <a:endParaRPr lang="fa-IR" sz="1800" dirty="0"/>
+            <a:endParaRPr lang="fa-IR" sz="1400" dirty="0"/>
           </a:p>
           <a:p>
             <a:r>
@@ -8992,7 +9096,7 @@
               </a:rPr>
               <a:t>https://doi.org/10.1016/j.future.2020.01.017</a:t>
             </a:r>
-            <a:endParaRPr lang="fa-IR" sz="1800" b="0" i="0" u="none" strike="noStrike" dirty="0">
+            <a:endParaRPr lang="fa-IR" sz="1400" b="0" i="0" u="none" strike="noStrike" dirty="0">
               <a:solidFill>
                 <a:srgbClr val="1F1F1F"/>
               </a:solidFill>
@@ -9001,7 +9105,58 @@
             </a:endParaRPr>
           </a:p>
           <a:p>
-            <a:endParaRPr lang="en-US" sz="1800" dirty="0"/>
+            <a:r>
+              <a:rPr lang="en-US" sz="1400" dirty="0">
+                <a:solidFill>
+                  <a:srgbClr val="1F1F1F"/>
+                </a:solidFill>
+                <a:latin typeface="ElsevierSans"/>
+                <a:hlinkClick r:id="rId12"/>
+              </a:rPr>
+              <a:t>https://www.logsign.com/blog/data-stream-clustering-methods-examples</a:t>
+            </a:r>
+            <a:endParaRPr lang="fa-IR" sz="1400" dirty="0">
+              <a:solidFill>
+                <a:srgbClr val="1F1F1F"/>
+              </a:solidFill>
+              <a:latin typeface="ElsevierSans"/>
+            </a:endParaRPr>
+          </a:p>
+          <a:p>
+            <a:r>
+              <a:rPr lang="en-US" sz="1400" dirty="0">
+                <a:solidFill>
+                  <a:srgbClr val="1F1F1F"/>
+                </a:solidFill>
+                <a:latin typeface="ElsevierSans"/>
+                <a:hlinkClick r:id="rId13"/>
+              </a:rPr>
+              <a:t>https://arxiv.org/abs/2210.08212</a:t>
+            </a:r>
+            <a:endParaRPr lang="en-US" sz="1400" dirty="0">
+              <a:solidFill>
+                <a:srgbClr val="1F1F1F"/>
+              </a:solidFill>
+              <a:latin typeface="ElsevierSans"/>
+            </a:endParaRPr>
+          </a:p>
+          <a:p>
+            <a:r>
+              <a:rPr lang="en-US" sz="1400" dirty="0">
+                <a:solidFill>
+                  <a:srgbClr val="1F1F1F"/>
+                </a:solidFill>
+                <a:latin typeface="ElsevierSans"/>
+                <a:hlinkClick r:id="rId14"/>
+              </a:rPr>
+              <a:t>https://github.com/dple/awesome-papers-and-source-code-for-anomaly-detection</a:t>
+            </a:r>
+            <a:endParaRPr lang="en-US" sz="1400" dirty="0">
+              <a:solidFill>
+                <a:srgbClr val="1F1F1F"/>
+              </a:solidFill>
+              <a:latin typeface="ElsevierSans"/>
+            </a:endParaRPr>
           </a:p>
         </p:txBody>
       </p:sp>
@@ -9764,12 +9919,14 @@
         </p:nvSpPr>
         <p:spPr>
           <a:xfrm>
-            <a:off x="1559812" y="249573"/>
-            <a:ext cx="10018713" cy="731939"/>
+            <a:off x="1086643" y="1"/>
+            <a:ext cx="10018713" cy="541538"/>
           </a:xfrm>
         </p:spPr>
         <p:txBody>
-          <a:bodyPr/>
+          <a:bodyPr>
+            <a:normAutofit fontScale="90000"/>
+          </a:bodyPr>
           <a:lstStyle/>
           <a:p>
             <a:r>
@@ -9808,8 +9965,8 @@
         </p:blipFill>
         <p:spPr bwMode="auto">
           <a:xfrm>
-            <a:off x="2478333" y="855952"/>
-            <a:ext cx="8335075" cy="5880016"/>
+            <a:off x="1928462" y="660642"/>
+            <a:ext cx="8591577" cy="6104141"/>
           </a:xfrm>
           <a:prstGeom prst="rect">
             <a:avLst/>

--- a/Presentation/Data Mining in clustering.pptx
+++ b/Presentation/Data Mining in clustering.pptx
@@ -6,24 +6,30 @@
   </p:sldMasterIdLst>
   <p:sldIdLst>
     <p:sldId id="256" r:id="rId2"/>
-    <p:sldId id="257" r:id="rId3"/>
-    <p:sldId id="261" r:id="rId4"/>
-    <p:sldId id="266" r:id="rId5"/>
-    <p:sldId id="281" r:id="rId6"/>
-    <p:sldId id="262" r:id="rId7"/>
-    <p:sldId id="276" r:id="rId8"/>
-    <p:sldId id="273" r:id="rId9"/>
-    <p:sldId id="272" r:id="rId10"/>
-    <p:sldId id="275" r:id="rId11"/>
+    <p:sldId id="261" r:id="rId3"/>
+    <p:sldId id="266" r:id="rId4"/>
+    <p:sldId id="281" r:id="rId5"/>
+    <p:sldId id="262" r:id="rId6"/>
+    <p:sldId id="276" r:id="rId7"/>
+    <p:sldId id="272" r:id="rId8"/>
+    <p:sldId id="275" r:id="rId9"/>
+    <p:sldId id="288" r:id="rId10"/>
+    <p:sldId id="289" r:id="rId11"/>
     <p:sldId id="278" r:id="rId12"/>
-    <p:sldId id="282" r:id="rId13"/>
-    <p:sldId id="270" r:id="rId14"/>
-    <p:sldId id="285" r:id="rId15"/>
+    <p:sldId id="270" r:id="rId13"/>
+    <p:sldId id="285" r:id="rId14"/>
+    <p:sldId id="282" r:id="rId15"/>
     <p:sldId id="280" r:id="rId16"/>
-    <p:sldId id="264" r:id="rId17"/>
-    <p:sldId id="265" r:id="rId18"/>
-    <p:sldId id="279" r:id="rId19"/>
-    <p:sldId id="284" r:id="rId20"/>
+    <p:sldId id="287" r:id="rId17"/>
+    <p:sldId id="291" r:id="rId18"/>
+    <p:sldId id="298" r:id="rId19"/>
+    <p:sldId id="297" r:id="rId20"/>
+    <p:sldId id="296" r:id="rId21"/>
+    <p:sldId id="300" r:id="rId22"/>
+    <p:sldId id="286" r:id="rId23"/>
+    <p:sldId id="290" r:id="rId24"/>
+    <p:sldId id="279" r:id="rId25"/>
+    <p:sldId id="284" r:id="rId26"/>
   </p:sldIdLst>
   <p:sldSz cx="12192000" cy="6858000"/>
   <p:notesSz cx="6858000" cy="9144000"/>
@@ -317,7 +323,7 @@
           <a:p>
             <a:fld id="{EE5836F5-1E6B-4492-88E9-2DB89131BE1F}" type="datetimeFigureOut">
               <a:rPr lang="en-US" smtClean="0"/>
-              <a:t>11-Dec-23</a:t>
+              <a:t>12-Dec-23</a:t>
             </a:fld>
             <a:endParaRPr lang="en-US"/>
           </a:p>
@@ -515,7 +521,7 @@
           <a:p>
             <a:fld id="{EE5836F5-1E6B-4492-88E9-2DB89131BE1F}" type="datetimeFigureOut">
               <a:rPr lang="en-US" smtClean="0"/>
-              <a:t>11-Dec-23</a:t>
+              <a:t>12-Dec-23</a:t>
             </a:fld>
             <a:endParaRPr lang="en-US"/>
           </a:p>
@@ -723,7 +729,7 @@
           <a:p>
             <a:fld id="{EE5836F5-1E6B-4492-88E9-2DB89131BE1F}" type="datetimeFigureOut">
               <a:rPr lang="en-US" smtClean="0"/>
-              <a:t>11-Dec-23</a:t>
+              <a:t>12-Dec-23</a:t>
             </a:fld>
             <a:endParaRPr lang="en-US"/>
           </a:p>
@@ -921,7 +927,7 @@
           <a:p>
             <a:fld id="{EE5836F5-1E6B-4492-88E9-2DB89131BE1F}" type="datetimeFigureOut">
               <a:rPr lang="en-US" smtClean="0"/>
-              <a:t>11-Dec-23</a:t>
+              <a:t>12-Dec-23</a:t>
             </a:fld>
             <a:endParaRPr lang="en-US"/>
           </a:p>
@@ -1196,7 +1202,7 @@
           <a:p>
             <a:fld id="{EE5836F5-1E6B-4492-88E9-2DB89131BE1F}" type="datetimeFigureOut">
               <a:rPr lang="en-US" smtClean="0"/>
-              <a:t>11-Dec-23</a:t>
+              <a:t>12-Dec-23</a:t>
             </a:fld>
             <a:endParaRPr lang="en-US"/>
           </a:p>
@@ -1461,7 +1467,7 @@
           <a:p>
             <a:fld id="{EE5836F5-1E6B-4492-88E9-2DB89131BE1F}" type="datetimeFigureOut">
               <a:rPr lang="en-US" smtClean="0"/>
-              <a:t>11-Dec-23</a:t>
+              <a:t>12-Dec-23</a:t>
             </a:fld>
             <a:endParaRPr lang="en-US"/>
           </a:p>
@@ -1873,7 +1879,7 @@
           <a:p>
             <a:fld id="{EE5836F5-1E6B-4492-88E9-2DB89131BE1F}" type="datetimeFigureOut">
               <a:rPr lang="en-US" smtClean="0"/>
-              <a:t>11-Dec-23</a:t>
+              <a:t>12-Dec-23</a:t>
             </a:fld>
             <a:endParaRPr lang="en-US"/>
           </a:p>
@@ -2014,7 +2020,7 @@
           <a:p>
             <a:fld id="{EE5836F5-1E6B-4492-88E9-2DB89131BE1F}" type="datetimeFigureOut">
               <a:rPr lang="en-US" smtClean="0"/>
-              <a:t>11-Dec-23</a:t>
+              <a:t>12-Dec-23</a:t>
             </a:fld>
             <a:endParaRPr lang="en-US"/>
           </a:p>
@@ -2127,7 +2133,7 @@
           <a:p>
             <a:fld id="{EE5836F5-1E6B-4492-88E9-2DB89131BE1F}" type="datetimeFigureOut">
               <a:rPr lang="en-US" smtClean="0"/>
-              <a:t>11-Dec-23</a:t>
+              <a:t>12-Dec-23</a:t>
             </a:fld>
             <a:endParaRPr lang="en-US"/>
           </a:p>
@@ -2438,7 +2444,7 @@
           <a:p>
             <a:fld id="{EE5836F5-1E6B-4492-88E9-2DB89131BE1F}" type="datetimeFigureOut">
               <a:rPr lang="en-US" smtClean="0"/>
-              <a:t>11-Dec-23</a:t>
+              <a:t>12-Dec-23</a:t>
             </a:fld>
             <a:endParaRPr lang="en-US"/>
           </a:p>
@@ -2726,7 +2732,7 @@
           <a:p>
             <a:fld id="{EE5836F5-1E6B-4492-88E9-2DB89131BE1F}" type="datetimeFigureOut">
               <a:rPr lang="en-US" smtClean="0"/>
-              <a:t>11-Dec-23</a:t>
+              <a:t>12-Dec-23</a:t>
             </a:fld>
             <a:endParaRPr lang="en-US"/>
           </a:p>
@@ -2967,7 +2973,7 @@
           <a:p>
             <a:fld id="{EE5836F5-1E6B-4492-88E9-2DB89131BE1F}" type="datetimeFigureOut">
               <a:rPr lang="en-US" smtClean="0"/>
-              <a:t>11-Dec-23</a:t>
+              <a:t>12-Dec-23</a:t>
             </a:fld>
             <a:endParaRPr lang="en-US"/>
           </a:p>
@@ -3508,128 +3514,40 @@
           <a:chExt cx="0" cy="0"/>
         </a:xfrm>
       </p:grpSpPr>
-      <p:sp>
-        <p:nvSpPr>
-          <p:cNvPr id="2" name="Title 1">
-            <a:extLst>
-              <a:ext uri="{FF2B5EF4-FFF2-40B4-BE49-F238E27FC236}">
-                <a16:creationId xmlns:a16="http://schemas.microsoft.com/office/drawing/2014/main" id="{DC638950-1E76-CCC5-2487-108842815B23}"/>
-              </a:ext>
-            </a:extLst>
-          </p:cNvPr>
-          <p:cNvSpPr>
-            <a:spLocks noGrp="1"/>
-          </p:cNvSpPr>
-          <p:nvPr>
-            <p:ph type="title"/>
-          </p:nvPr>
-        </p:nvSpPr>
-        <p:spPr/>
-        <p:txBody>
-          <a:bodyPr/>
-          <a:lstStyle/>
-          <a:p>
-            <a:r>
-              <a:rPr lang="en-US" dirty="0"/>
-              <a:t>DataStream vs </a:t>
-            </a:r>
-            <a:r>
-              <a:rPr lang="en-US" dirty="0" err="1"/>
-              <a:t>TraditionalData</a:t>
-            </a:r>
-            <a:endParaRPr lang="en-US" dirty="0"/>
-          </a:p>
-        </p:txBody>
-      </p:sp>
-      <p:sp>
-        <p:nvSpPr>
-          <p:cNvPr id="3" name="Content Placeholder 2">
-            <a:extLst>
-              <a:ext uri="{FF2B5EF4-FFF2-40B4-BE49-F238E27FC236}">
-                <a16:creationId xmlns:a16="http://schemas.microsoft.com/office/drawing/2014/main" id="{BD2A2844-F174-4485-3BFA-0CFE23A1735F}"/>
-              </a:ext>
-            </a:extLst>
-          </p:cNvPr>
-          <p:cNvSpPr>
-            <a:spLocks noGrp="1"/>
-          </p:cNvSpPr>
-          <p:nvPr>
-            <p:ph idx="1"/>
-          </p:nvPr>
-        </p:nvSpPr>
+      <p:pic>
+        <p:nvPicPr>
+          <p:cNvPr id="25" name="Picture 24">
+            <a:extLst>
+              <a:ext uri="{FF2B5EF4-FFF2-40B4-BE49-F238E27FC236}">
+                <a16:creationId xmlns:a16="http://schemas.microsoft.com/office/drawing/2014/main" id="{07070F22-273B-C279-A7BD-ED318EAF0FB1}"/>
+              </a:ext>
+            </a:extLst>
+          </p:cNvPr>
+          <p:cNvPicPr>
+            <a:picLocks noChangeAspect="1"/>
+          </p:cNvPicPr>
+          <p:nvPr/>
+        </p:nvPicPr>
+        <p:blipFill>
+          <a:blip r:embed="rId2"/>
+          <a:stretch>
+            <a:fillRect/>
+          </a:stretch>
+        </p:blipFill>
         <p:spPr>
           <a:xfrm>
-            <a:off x="1484310" y="2438399"/>
-            <a:ext cx="10018713" cy="3977082"/>
+            <a:off x="1787381" y="203154"/>
+            <a:ext cx="8617238" cy="6100808"/>
           </a:xfrm>
+          <a:prstGeom prst="rect">
+            <a:avLst/>
+          </a:prstGeom>
         </p:spPr>
-        <p:txBody>
-          <a:bodyPr>
-            <a:normAutofit lnSpcReduction="10000"/>
-          </a:bodyPr>
-          <a:lstStyle/>
-          <a:p>
-            <a:pPr marL="0" indent="0">
-              <a:buNone/>
-            </a:pPr>
-            <a:r>
-              <a:rPr lang="en-US" dirty="0"/>
-              <a:t>Compared with traditional data forms, data stream has its own characteristics.</a:t>
-            </a:r>
-          </a:p>
-          <a:p>
-            <a:r>
-              <a:rPr lang="en-US" dirty="0"/>
-              <a:t>Traditional data </a:t>
-            </a:r>
-          </a:p>
-          <a:p>
-            <a:pPr lvl="1"/>
-            <a:r>
-              <a:rPr lang="en-US" dirty="0"/>
-              <a:t>static and stable</a:t>
-            </a:r>
-          </a:p>
-          <a:p>
-            <a:pPr lvl="1"/>
-            <a:r>
-              <a:rPr lang="en-US" dirty="0"/>
-              <a:t>accessed at any time</a:t>
-            </a:r>
-          </a:p>
-          <a:p>
-            <a:pPr lvl="1"/>
-            <a:r>
-              <a:rPr lang="en-US" dirty="0"/>
-              <a:t>processed more than once</a:t>
-            </a:r>
-          </a:p>
-          <a:p>
-            <a:r>
-              <a:rPr lang="en-US" dirty="0"/>
-              <a:t>Data stream</a:t>
-            </a:r>
-          </a:p>
-          <a:p>
-            <a:pPr lvl="1"/>
-            <a:r>
-              <a:rPr lang="en-US" dirty="0"/>
-              <a:t>dynamic and it flows like a stream (sequential and changes over time) </a:t>
-            </a:r>
-          </a:p>
-          <a:p>
-            <a:pPr lvl="1"/>
-            <a:r>
-              <a:rPr lang="en-US" dirty="0"/>
-              <a:t>Real-time , continuous , ordered (large amount of data  , potentially unlimited , arrival rate uncertain)</a:t>
-            </a:r>
-          </a:p>
-        </p:txBody>
-      </p:sp>
+      </p:pic>
     </p:spTree>
     <p:extLst>
       <p:ext uri="{BB962C8B-B14F-4D97-AF65-F5344CB8AC3E}">
-        <p14:creationId xmlns:p14="http://schemas.microsoft.com/office/powerpoint/2010/main" val="1097367062"/>
+        <p14:creationId xmlns:p14="http://schemas.microsoft.com/office/powerpoint/2010/main" val="3645305149"/>
       </p:ext>
     </p:extLst>
   </p:cSld>
@@ -3703,42 +3621,6 @@
           </a:extLst>
         </p:spPr>
       </p:pic>
-      <p:sp>
-        <p:nvSpPr>
-          <p:cNvPr id="5" name="TextBox 4">
-            <a:extLst>
-              <a:ext uri="{FF2B5EF4-FFF2-40B4-BE49-F238E27FC236}">
-                <a16:creationId xmlns:a16="http://schemas.microsoft.com/office/drawing/2014/main" id="{3E343DAA-441A-491E-CD00-A2C9D049F576}"/>
-              </a:ext>
-            </a:extLst>
-          </p:cNvPr>
-          <p:cNvSpPr txBox="1"/>
-          <p:nvPr/>
-        </p:nvSpPr>
-        <p:spPr>
-          <a:xfrm>
-            <a:off x="1045073" y="6581164"/>
-            <a:ext cx="10260275" cy="307777"/>
-          </a:xfrm>
-          <a:prstGeom prst="rect">
-            <a:avLst/>
-          </a:prstGeom>
-          <a:noFill/>
-        </p:spPr>
-        <p:txBody>
-          <a:bodyPr wrap="square">
-            <a:spAutoFit/>
-          </a:bodyPr>
-          <a:lstStyle/>
-          <a:p>
-            <a:pPr algn="ctr"/>
-            <a:r>
-              <a:rPr lang="en-US" sz="1400" dirty="0"/>
-              <a:t>https://cs.stackexchange.com/questions/79429/what-is-the-best-stream-data-clustering-algorithm-that-can-handle-non-static-un</a:t>
-            </a:r>
-          </a:p>
-        </p:txBody>
-      </p:sp>
     </p:spTree>
     <p:extLst>
       <p:ext uri="{BB962C8B-B14F-4D97-AF65-F5344CB8AC3E}">
@@ -3774,6 +3656,442 @@
           <p:cNvPr id="2" name="Title 1">
             <a:extLst>
               <a:ext uri="{FF2B5EF4-FFF2-40B4-BE49-F238E27FC236}">
+                <a16:creationId xmlns:a16="http://schemas.microsoft.com/office/drawing/2014/main" id="{A4607FE4-740E-7D92-BDCA-DF9464F63CCE}"/>
+              </a:ext>
+            </a:extLst>
+          </p:cNvPr>
+          <p:cNvSpPr>
+            <a:spLocks noGrp="1"/>
+          </p:cNvSpPr>
+          <p:nvPr>
+            <p:ph type="title"/>
+          </p:nvPr>
+        </p:nvSpPr>
+        <p:spPr/>
+        <p:txBody>
+          <a:bodyPr/>
+          <a:lstStyle/>
+          <a:p>
+            <a:r>
+              <a:rPr lang="en-US" b="1" i="0" dirty="0">
+                <a:solidFill>
+                  <a:srgbClr val="242424"/>
+                </a:solidFill>
+                <a:effectLst/>
+                <a:latin typeface="source-serif-pro"/>
+              </a:rPr>
+              <a:t>DBSCAN</a:t>
+            </a:r>
+            <a:endParaRPr lang="en-US" dirty="0"/>
+          </a:p>
+        </p:txBody>
+      </p:sp>
+      <p:sp>
+        <p:nvSpPr>
+          <p:cNvPr id="3" name="Content Placeholder 2">
+            <a:extLst>
+              <a:ext uri="{FF2B5EF4-FFF2-40B4-BE49-F238E27FC236}">
+                <a16:creationId xmlns:a16="http://schemas.microsoft.com/office/drawing/2014/main" id="{64D8226B-4780-0026-8A8D-53B0C94D96D8}"/>
+              </a:ext>
+            </a:extLst>
+          </p:cNvPr>
+          <p:cNvSpPr>
+            <a:spLocks noGrp="1"/>
+          </p:cNvSpPr>
+          <p:nvPr>
+            <p:ph idx="1"/>
+          </p:nvPr>
+        </p:nvSpPr>
+        <p:spPr>
+          <a:xfrm>
+            <a:off x="838200" y="1690687"/>
+            <a:ext cx="10018713" cy="4433021"/>
+          </a:xfrm>
+        </p:spPr>
+        <p:txBody>
+          <a:bodyPr>
+            <a:normAutofit lnSpcReduction="10000"/>
+          </a:bodyPr>
+          <a:lstStyle/>
+          <a:p>
+            <a:pPr algn="l"/>
+            <a:r>
+              <a:rPr lang="en-US" b="1" i="0" dirty="0">
+                <a:solidFill>
+                  <a:srgbClr val="374151"/>
+                </a:solidFill>
+                <a:effectLst/>
+                <a:latin typeface="Söhne"/>
+              </a:rPr>
+              <a:t>Pros:</a:t>
+            </a:r>
+            <a:endParaRPr lang="en-US" b="0" i="0" dirty="0">
+              <a:solidFill>
+                <a:srgbClr val="374151"/>
+              </a:solidFill>
+              <a:effectLst/>
+              <a:latin typeface="Söhne"/>
+            </a:endParaRPr>
+          </a:p>
+          <a:p>
+            <a:pPr lvl="1">
+              <a:buFont typeface="Arial" panose="020B0604020202020204" pitchFamily="34" charset="0"/>
+              <a:buChar char="•"/>
+            </a:pPr>
+            <a:r>
+              <a:rPr lang="en-US" b="1" i="0" dirty="0">
+                <a:solidFill>
+                  <a:srgbClr val="374151"/>
+                </a:solidFill>
+                <a:effectLst/>
+                <a:latin typeface="Söhne"/>
+              </a:rPr>
+              <a:t>Robust to outliers</a:t>
+            </a:r>
+            <a:r>
+              <a:rPr lang="en-US" b="0" i="0" dirty="0">
+                <a:solidFill>
+                  <a:srgbClr val="374151"/>
+                </a:solidFill>
+                <a:effectLst/>
+                <a:latin typeface="Söhne"/>
+              </a:rPr>
+              <a:t>: Can identify outliers as noise points.</a:t>
+            </a:r>
+          </a:p>
+          <a:p>
+            <a:pPr lvl="1">
+              <a:buFont typeface="Arial" panose="020B0604020202020204" pitchFamily="34" charset="0"/>
+              <a:buChar char="•"/>
+            </a:pPr>
+            <a:r>
+              <a:rPr lang="en-US" b="1" i="0" dirty="0">
+                <a:solidFill>
+                  <a:srgbClr val="374151"/>
+                </a:solidFill>
+                <a:effectLst/>
+                <a:latin typeface="Söhne"/>
+              </a:rPr>
+              <a:t>Handles arbitrary-shaped clusters</a:t>
+            </a:r>
+            <a:r>
+              <a:rPr lang="en-US" b="0" i="0" dirty="0">
+                <a:solidFill>
+                  <a:srgbClr val="374151"/>
+                </a:solidFill>
+                <a:effectLst/>
+                <a:latin typeface="Söhne"/>
+              </a:rPr>
+              <a:t>: Not limited to spherical clusters.</a:t>
+            </a:r>
+          </a:p>
+          <a:p>
+            <a:pPr lvl="1">
+              <a:buFont typeface="Arial" panose="020B0604020202020204" pitchFamily="34" charset="0"/>
+              <a:buChar char="•"/>
+            </a:pPr>
+            <a:r>
+              <a:rPr lang="en-US" b="1" dirty="0">
+                <a:solidFill>
+                  <a:srgbClr val="242424"/>
+                </a:solidFill>
+                <a:latin typeface="source-serif-pro"/>
+              </a:rPr>
+              <a:t>No need K</a:t>
+            </a:r>
+            <a:r>
+              <a:rPr lang="en-US" b="0" i="0" dirty="0">
+                <a:solidFill>
+                  <a:srgbClr val="242424"/>
+                </a:solidFill>
+                <a:effectLst/>
+                <a:latin typeface="source-serif-pro"/>
+              </a:rPr>
+              <a:t>: It does not require the number of clusters to be specified in advance.</a:t>
+            </a:r>
+            <a:endParaRPr lang="en-US" b="0" i="0" dirty="0">
+              <a:solidFill>
+                <a:srgbClr val="374151"/>
+              </a:solidFill>
+              <a:effectLst/>
+              <a:latin typeface="Söhne"/>
+            </a:endParaRPr>
+          </a:p>
+          <a:p>
+            <a:pPr algn="l"/>
+            <a:r>
+              <a:rPr lang="en-US" b="1" i="0" dirty="0">
+                <a:solidFill>
+                  <a:srgbClr val="374151"/>
+                </a:solidFill>
+                <a:effectLst/>
+                <a:latin typeface="Söhne"/>
+              </a:rPr>
+              <a:t>Cons:</a:t>
+            </a:r>
+            <a:endParaRPr lang="en-US" b="0" i="0" dirty="0">
+              <a:solidFill>
+                <a:srgbClr val="374151"/>
+              </a:solidFill>
+              <a:effectLst/>
+              <a:latin typeface="Söhne"/>
+            </a:endParaRPr>
+          </a:p>
+          <a:p>
+            <a:pPr lvl="1">
+              <a:buFont typeface="Arial" panose="020B0604020202020204" pitchFamily="34" charset="0"/>
+              <a:buChar char="•"/>
+            </a:pPr>
+            <a:r>
+              <a:rPr lang="en-US" b="1" i="0" dirty="0">
+                <a:solidFill>
+                  <a:srgbClr val="374151"/>
+                </a:solidFill>
+                <a:effectLst/>
+                <a:latin typeface="Söhne"/>
+              </a:rPr>
+              <a:t>Parameter-sensitive</a:t>
+            </a:r>
+            <a:r>
+              <a:rPr lang="en-US" b="0" i="0" dirty="0">
+                <a:solidFill>
+                  <a:srgbClr val="374151"/>
+                </a:solidFill>
+                <a:effectLst/>
+                <a:latin typeface="Söhne"/>
+              </a:rPr>
+              <a:t>: Requires setting parameters like epsilon and </a:t>
+            </a:r>
+            <a:r>
+              <a:rPr lang="en-US" b="0" i="0" dirty="0" err="1">
+                <a:solidFill>
+                  <a:srgbClr val="374151"/>
+                </a:solidFill>
+                <a:effectLst/>
+                <a:latin typeface="Söhne"/>
+              </a:rPr>
+              <a:t>minPoints</a:t>
+            </a:r>
+            <a:r>
+              <a:rPr lang="en-US" b="0" i="0" dirty="0">
+                <a:solidFill>
+                  <a:srgbClr val="374151"/>
+                </a:solidFill>
+                <a:effectLst/>
+                <a:latin typeface="Söhne"/>
+              </a:rPr>
+              <a:t>, which can impact results.</a:t>
+            </a:r>
+          </a:p>
+          <a:p>
+            <a:pPr lvl="1">
+              <a:buFont typeface="Arial" panose="020B0604020202020204" pitchFamily="34" charset="0"/>
+              <a:buChar char="•"/>
+            </a:pPr>
+            <a:r>
+              <a:rPr lang="en-US" b="1" i="0" dirty="0">
+                <a:solidFill>
+                  <a:srgbClr val="374151"/>
+                </a:solidFill>
+                <a:effectLst/>
+                <a:latin typeface="Söhne"/>
+              </a:rPr>
+              <a:t>Difficulty with varying densities</a:t>
+            </a:r>
+            <a:r>
+              <a:rPr lang="en-US" b="0" i="0" dirty="0">
+                <a:solidFill>
+                  <a:srgbClr val="374151"/>
+                </a:solidFill>
+                <a:effectLst/>
+                <a:latin typeface="Söhne"/>
+              </a:rPr>
+              <a:t>: Struggles when clusters have significantly different densities.</a:t>
+            </a:r>
+          </a:p>
+          <a:p>
+            <a:pPr lvl="1">
+              <a:buFont typeface="Arial" panose="020B0604020202020204" pitchFamily="34" charset="0"/>
+              <a:buChar char="•"/>
+            </a:pPr>
+            <a:r>
+              <a:rPr lang="en-US" b="1" i="0" dirty="0">
+                <a:solidFill>
+                  <a:srgbClr val="242424"/>
+                </a:solidFill>
+                <a:effectLst/>
+                <a:latin typeface="source-serif-pro"/>
+              </a:rPr>
+              <a:t>high computational cost</a:t>
+            </a:r>
+            <a:r>
+              <a:rPr lang="en-US" b="0" i="0" dirty="0">
+                <a:solidFill>
+                  <a:srgbClr val="242424"/>
+                </a:solidFill>
+                <a:effectLst/>
+                <a:latin typeface="source-serif-pro"/>
+              </a:rPr>
+              <a:t>: It has a high computational cost when the number of data points is large.</a:t>
+            </a:r>
+            <a:endParaRPr lang="en-US" b="0" i="0" dirty="0">
+              <a:solidFill>
+                <a:srgbClr val="374151"/>
+              </a:solidFill>
+              <a:effectLst/>
+              <a:latin typeface="Söhne"/>
+            </a:endParaRPr>
+          </a:p>
+          <a:p>
+            <a:pPr marL="0" indent="0">
+              <a:buNone/>
+            </a:pPr>
+            <a:endParaRPr lang="en-US" dirty="0"/>
+          </a:p>
+        </p:txBody>
+      </p:sp>
+    </p:spTree>
+    <p:extLst>
+      <p:ext uri="{BB962C8B-B14F-4D97-AF65-F5344CB8AC3E}">
+        <p14:creationId xmlns:p14="http://schemas.microsoft.com/office/powerpoint/2010/main" val="648313709"/>
+      </p:ext>
+    </p:extLst>
+  </p:cSld>
+  <p:clrMapOvr>
+    <a:masterClrMapping/>
+  </p:clrMapOvr>
+</p:sld>
+</file>
+
+<file path=ppt/slides/slide13.xml><?xml version="1.0" encoding="utf-8"?>
+<p:sld xmlns:a="http://schemas.openxmlformats.org/drawingml/2006/main" xmlns:r="http://schemas.openxmlformats.org/officeDocument/2006/relationships" xmlns:p="http://schemas.openxmlformats.org/presentationml/2006/main">
+  <p:cSld>
+    <p:spTree>
+      <p:nvGrpSpPr>
+        <p:cNvPr id="1" name=""/>
+        <p:cNvGrpSpPr/>
+        <p:nvPr/>
+      </p:nvGrpSpPr>
+      <p:grpSpPr>
+        <a:xfrm>
+          <a:off x="0" y="0"/>
+          <a:ext cx="0" cy="0"/>
+          <a:chOff x="0" y="0"/>
+          <a:chExt cx="0" cy="0"/>
+        </a:xfrm>
+      </p:grpSpPr>
+      <p:sp>
+        <p:nvSpPr>
+          <p:cNvPr id="2" name="Title 1">
+            <a:extLst>
+              <a:ext uri="{FF2B5EF4-FFF2-40B4-BE49-F238E27FC236}">
+                <a16:creationId xmlns:a16="http://schemas.microsoft.com/office/drawing/2014/main" id="{A4607FE4-740E-7D92-BDCA-DF9464F63CCE}"/>
+              </a:ext>
+            </a:extLst>
+          </p:cNvPr>
+          <p:cNvSpPr>
+            <a:spLocks noGrp="1"/>
+          </p:cNvSpPr>
+          <p:nvPr>
+            <p:ph type="title"/>
+          </p:nvPr>
+        </p:nvSpPr>
+        <p:spPr>
+          <a:xfrm>
+            <a:off x="838200" y="0"/>
+            <a:ext cx="10515600" cy="932873"/>
+          </a:xfrm>
+        </p:spPr>
+        <p:txBody>
+          <a:bodyPr/>
+          <a:lstStyle/>
+          <a:p>
+            <a:pPr algn="ctr"/>
+            <a:r>
+              <a:rPr lang="en-US" b="1" i="0" dirty="0">
+                <a:solidFill>
+                  <a:srgbClr val="242424"/>
+                </a:solidFill>
+                <a:effectLst/>
+                <a:latin typeface="source-serif-pro"/>
+              </a:rPr>
+              <a:t>DBSCAN vs …</a:t>
+            </a:r>
+            <a:endParaRPr lang="en-US" dirty="0"/>
+          </a:p>
+        </p:txBody>
+      </p:sp>
+      <p:pic>
+        <p:nvPicPr>
+          <p:cNvPr id="8" name="Picture 7">
+            <a:extLst>
+              <a:ext uri="{FF2B5EF4-FFF2-40B4-BE49-F238E27FC236}">
+                <a16:creationId xmlns:a16="http://schemas.microsoft.com/office/drawing/2014/main" id="{EF6E5C05-CF45-0644-9D17-03C80F11A048}"/>
+              </a:ext>
+            </a:extLst>
+          </p:cNvPr>
+          <p:cNvPicPr>
+            <a:picLocks noChangeAspect="1"/>
+          </p:cNvPicPr>
+          <p:nvPr/>
+        </p:nvPicPr>
+        <p:blipFill>
+          <a:blip r:embed="rId2">
+            <a:extLst>
+              <a:ext uri="{28A0092B-C50C-407E-A947-70E740481C1C}">
+                <a14:useLocalDpi xmlns:a14="http://schemas.microsoft.com/office/drawing/2010/main" val="0"/>
+              </a:ext>
+            </a:extLst>
+          </a:blip>
+          <a:stretch>
+            <a:fillRect/>
+          </a:stretch>
+        </p:blipFill>
+        <p:spPr>
+          <a:xfrm>
+            <a:off x="397163" y="1089602"/>
+            <a:ext cx="11397673" cy="5698837"/>
+          </a:xfrm>
+          <a:prstGeom prst="rect">
+            <a:avLst/>
+          </a:prstGeom>
+        </p:spPr>
+      </p:pic>
+    </p:spTree>
+    <p:extLst>
+      <p:ext uri="{BB962C8B-B14F-4D97-AF65-F5344CB8AC3E}">
+        <p14:creationId xmlns:p14="http://schemas.microsoft.com/office/powerpoint/2010/main" val="2911586365"/>
+      </p:ext>
+    </p:extLst>
+  </p:cSld>
+  <p:clrMapOvr>
+    <a:masterClrMapping/>
+  </p:clrMapOvr>
+</p:sld>
+</file>
+
+<file path=ppt/slides/slide14.xml><?xml version="1.0" encoding="utf-8"?>
+<p:sld xmlns:a="http://schemas.openxmlformats.org/drawingml/2006/main" xmlns:r="http://schemas.openxmlformats.org/officeDocument/2006/relationships" xmlns:p="http://schemas.openxmlformats.org/presentationml/2006/main">
+  <p:cSld>
+    <p:spTree>
+      <p:nvGrpSpPr>
+        <p:cNvPr id="1" name=""/>
+        <p:cNvGrpSpPr/>
+        <p:nvPr/>
+      </p:nvGrpSpPr>
+      <p:grpSpPr>
+        <a:xfrm>
+          <a:off x="0" y="0"/>
+          <a:ext cx="0" cy="0"/>
+          <a:chOff x="0" y="0"/>
+          <a:chExt cx="0" cy="0"/>
+        </a:xfrm>
+      </p:grpSpPr>
+      <p:sp>
+        <p:nvSpPr>
+          <p:cNvPr id="2" name="Title 1">
+            <a:extLst>
+              <a:ext uri="{FF2B5EF4-FFF2-40B4-BE49-F238E27FC236}">
                 <a16:creationId xmlns:a16="http://schemas.microsoft.com/office/drawing/2014/main" id="{ABD3001D-F83F-C3DB-06C6-73383DF2C696}"/>
               </a:ext>
             </a:extLst>
@@ -4032,442 +4350,6 @@
     <p:extLst>
       <p:ext uri="{BB962C8B-B14F-4D97-AF65-F5344CB8AC3E}">
         <p14:creationId xmlns:p14="http://schemas.microsoft.com/office/powerpoint/2010/main" val="694732493"/>
-      </p:ext>
-    </p:extLst>
-  </p:cSld>
-  <p:clrMapOvr>
-    <a:masterClrMapping/>
-  </p:clrMapOvr>
-</p:sld>
-</file>
-
-<file path=ppt/slides/slide13.xml><?xml version="1.0" encoding="utf-8"?>
-<p:sld xmlns:a="http://schemas.openxmlformats.org/drawingml/2006/main" xmlns:r="http://schemas.openxmlformats.org/officeDocument/2006/relationships" xmlns:p="http://schemas.openxmlformats.org/presentationml/2006/main">
-  <p:cSld>
-    <p:spTree>
-      <p:nvGrpSpPr>
-        <p:cNvPr id="1" name=""/>
-        <p:cNvGrpSpPr/>
-        <p:nvPr/>
-      </p:nvGrpSpPr>
-      <p:grpSpPr>
-        <a:xfrm>
-          <a:off x="0" y="0"/>
-          <a:ext cx="0" cy="0"/>
-          <a:chOff x="0" y="0"/>
-          <a:chExt cx="0" cy="0"/>
-        </a:xfrm>
-      </p:grpSpPr>
-      <p:sp>
-        <p:nvSpPr>
-          <p:cNvPr id="2" name="Title 1">
-            <a:extLst>
-              <a:ext uri="{FF2B5EF4-FFF2-40B4-BE49-F238E27FC236}">
-                <a16:creationId xmlns:a16="http://schemas.microsoft.com/office/drawing/2014/main" id="{A4607FE4-740E-7D92-BDCA-DF9464F63CCE}"/>
-              </a:ext>
-            </a:extLst>
-          </p:cNvPr>
-          <p:cNvSpPr>
-            <a:spLocks noGrp="1"/>
-          </p:cNvSpPr>
-          <p:nvPr>
-            <p:ph type="title"/>
-          </p:nvPr>
-        </p:nvSpPr>
-        <p:spPr/>
-        <p:txBody>
-          <a:bodyPr/>
-          <a:lstStyle/>
-          <a:p>
-            <a:r>
-              <a:rPr lang="en-US" b="1" i="0" dirty="0">
-                <a:solidFill>
-                  <a:srgbClr val="242424"/>
-                </a:solidFill>
-                <a:effectLst/>
-                <a:latin typeface="source-serif-pro"/>
-              </a:rPr>
-              <a:t>DBSCAN</a:t>
-            </a:r>
-            <a:endParaRPr lang="en-US" dirty="0"/>
-          </a:p>
-        </p:txBody>
-      </p:sp>
-      <p:sp>
-        <p:nvSpPr>
-          <p:cNvPr id="3" name="Content Placeholder 2">
-            <a:extLst>
-              <a:ext uri="{FF2B5EF4-FFF2-40B4-BE49-F238E27FC236}">
-                <a16:creationId xmlns:a16="http://schemas.microsoft.com/office/drawing/2014/main" id="{64D8226B-4780-0026-8A8D-53B0C94D96D8}"/>
-              </a:ext>
-            </a:extLst>
-          </p:cNvPr>
-          <p:cNvSpPr>
-            <a:spLocks noGrp="1"/>
-          </p:cNvSpPr>
-          <p:nvPr>
-            <p:ph idx="1"/>
-          </p:nvPr>
-        </p:nvSpPr>
-        <p:spPr>
-          <a:xfrm>
-            <a:off x="838200" y="1690687"/>
-            <a:ext cx="10018713" cy="4433021"/>
-          </a:xfrm>
-        </p:spPr>
-        <p:txBody>
-          <a:bodyPr>
-            <a:normAutofit lnSpcReduction="10000"/>
-          </a:bodyPr>
-          <a:lstStyle/>
-          <a:p>
-            <a:pPr algn="l"/>
-            <a:r>
-              <a:rPr lang="en-US" b="1" i="0" dirty="0">
-                <a:solidFill>
-                  <a:srgbClr val="374151"/>
-                </a:solidFill>
-                <a:effectLst/>
-                <a:latin typeface="Söhne"/>
-              </a:rPr>
-              <a:t>Pros:</a:t>
-            </a:r>
-            <a:endParaRPr lang="en-US" b="0" i="0" dirty="0">
-              <a:solidFill>
-                <a:srgbClr val="374151"/>
-              </a:solidFill>
-              <a:effectLst/>
-              <a:latin typeface="Söhne"/>
-            </a:endParaRPr>
-          </a:p>
-          <a:p>
-            <a:pPr lvl="1">
-              <a:buFont typeface="Arial" panose="020B0604020202020204" pitchFamily="34" charset="0"/>
-              <a:buChar char="•"/>
-            </a:pPr>
-            <a:r>
-              <a:rPr lang="en-US" b="1" i="0" dirty="0">
-                <a:solidFill>
-                  <a:srgbClr val="374151"/>
-                </a:solidFill>
-                <a:effectLst/>
-                <a:latin typeface="Söhne"/>
-              </a:rPr>
-              <a:t>Robust to outliers</a:t>
-            </a:r>
-            <a:r>
-              <a:rPr lang="en-US" b="0" i="0" dirty="0">
-                <a:solidFill>
-                  <a:srgbClr val="374151"/>
-                </a:solidFill>
-                <a:effectLst/>
-                <a:latin typeface="Söhne"/>
-              </a:rPr>
-              <a:t>: Can identify outliers as noise points.</a:t>
-            </a:r>
-          </a:p>
-          <a:p>
-            <a:pPr lvl="1">
-              <a:buFont typeface="Arial" panose="020B0604020202020204" pitchFamily="34" charset="0"/>
-              <a:buChar char="•"/>
-            </a:pPr>
-            <a:r>
-              <a:rPr lang="en-US" b="1" i="0" dirty="0">
-                <a:solidFill>
-                  <a:srgbClr val="374151"/>
-                </a:solidFill>
-                <a:effectLst/>
-                <a:latin typeface="Söhne"/>
-              </a:rPr>
-              <a:t>Handles arbitrary-shaped clusters</a:t>
-            </a:r>
-            <a:r>
-              <a:rPr lang="en-US" b="0" i="0" dirty="0">
-                <a:solidFill>
-                  <a:srgbClr val="374151"/>
-                </a:solidFill>
-                <a:effectLst/>
-                <a:latin typeface="Söhne"/>
-              </a:rPr>
-              <a:t>: Not limited to spherical clusters.</a:t>
-            </a:r>
-          </a:p>
-          <a:p>
-            <a:pPr lvl="1">
-              <a:buFont typeface="Arial" panose="020B0604020202020204" pitchFamily="34" charset="0"/>
-              <a:buChar char="•"/>
-            </a:pPr>
-            <a:r>
-              <a:rPr lang="en-US" b="1" dirty="0">
-                <a:solidFill>
-                  <a:srgbClr val="242424"/>
-                </a:solidFill>
-                <a:latin typeface="source-serif-pro"/>
-              </a:rPr>
-              <a:t>No need K</a:t>
-            </a:r>
-            <a:r>
-              <a:rPr lang="en-US" b="0" i="0" dirty="0">
-                <a:solidFill>
-                  <a:srgbClr val="242424"/>
-                </a:solidFill>
-                <a:effectLst/>
-                <a:latin typeface="source-serif-pro"/>
-              </a:rPr>
-              <a:t>: It does not require the number of clusters to be specified in advance.</a:t>
-            </a:r>
-            <a:endParaRPr lang="en-US" b="0" i="0" dirty="0">
-              <a:solidFill>
-                <a:srgbClr val="374151"/>
-              </a:solidFill>
-              <a:effectLst/>
-              <a:latin typeface="Söhne"/>
-            </a:endParaRPr>
-          </a:p>
-          <a:p>
-            <a:pPr algn="l"/>
-            <a:r>
-              <a:rPr lang="en-US" b="1" i="0" dirty="0">
-                <a:solidFill>
-                  <a:srgbClr val="374151"/>
-                </a:solidFill>
-                <a:effectLst/>
-                <a:latin typeface="Söhne"/>
-              </a:rPr>
-              <a:t>Cons:</a:t>
-            </a:r>
-            <a:endParaRPr lang="en-US" b="0" i="0" dirty="0">
-              <a:solidFill>
-                <a:srgbClr val="374151"/>
-              </a:solidFill>
-              <a:effectLst/>
-              <a:latin typeface="Söhne"/>
-            </a:endParaRPr>
-          </a:p>
-          <a:p>
-            <a:pPr lvl="1">
-              <a:buFont typeface="Arial" panose="020B0604020202020204" pitchFamily="34" charset="0"/>
-              <a:buChar char="•"/>
-            </a:pPr>
-            <a:r>
-              <a:rPr lang="en-US" b="1" i="0" dirty="0">
-                <a:solidFill>
-                  <a:srgbClr val="374151"/>
-                </a:solidFill>
-                <a:effectLst/>
-                <a:latin typeface="Söhne"/>
-              </a:rPr>
-              <a:t>Parameter-sensitive</a:t>
-            </a:r>
-            <a:r>
-              <a:rPr lang="en-US" b="0" i="0" dirty="0">
-                <a:solidFill>
-                  <a:srgbClr val="374151"/>
-                </a:solidFill>
-                <a:effectLst/>
-                <a:latin typeface="Söhne"/>
-              </a:rPr>
-              <a:t>: Requires setting parameters like epsilon and </a:t>
-            </a:r>
-            <a:r>
-              <a:rPr lang="en-US" b="0" i="0" dirty="0" err="1">
-                <a:solidFill>
-                  <a:srgbClr val="374151"/>
-                </a:solidFill>
-                <a:effectLst/>
-                <a:latin typeface="Söhne"/>
-              </a:rPr>
-              <a:t>minPoints</a:t>
-            </a:r>
-            <a:r>
-              <a:rPr lang="en-US" b="0" i="0" dirty="0">
-                <a:solidFill>
-                  <a:srgbClr val="374151"/>
-                </a:solidFill>
-                <a:effectLst/>
-                <a:latin typeface="Söhne"/>
-              </a:rPr>
-              <a:t>, which can impact results.</a:t>
-            </a:r>
-          </a:p>
-          <a:p>
-            <a:pPr lvl="1">
-              <a:buFont typeface="Arial" panose="020B0604020202020204" pitchFamily="34" charset="0"/>
-              <a:buChar char="•"/>
-            </a:pPr>
-            <a:r>
-              <a:rPr lang="en-US" b="1" i="0" dirty="0">
-                <a:solidFill>
-                  <a:srgbClr val="374151"/>
-                </a:solidFill>
-                <a:effectLst/>
-                <a:latin typeface="Söhne"/>
-              </a:rPr>
-              <a:t>Difficulty with varying densities</a:t>
-            </a:r>
-            <a:r>
-              <a:rPr lang="en-US" b="0" i="0" dirty="0">
-                <a:solidFill>
-                  <a:srgbClr val="374151"/>
-                </a:solidFill>
-                <a:effectLst/>
-                <a:latin typeface="Söhne"/>
-              </a:rPr>
-              <a:t>: Struggles when clusters have significantly different densities.</a:t>
-            </a:r>
-          </a:p>
-          <a:p>
-            <a:pPr lvl="1">
-              <a:buFont typeface="Arial" panose="020B0604020202020204" pitchFamily="34" charset="0"/>
-              <a:buChar char="•"/>
-            </a:pPr>
-            <a:r>
-              <a:rPr lang="en-US" b="1" i="0" dirty="0">
-                <a:solidFill>
-                  <a:srgbClr val="242424"/>
-                </a:solidFill>
-                <a:effectLst/>
-                <a:latin typeface="source-serif-pro"/>
-              </a:rPr>
-              <a:t>high computational cost</a:t>
-            </a:r>
-            <a:r>
-              <a:rPr lang="en-US" b="0" i="0" dirty="0">
-                <a:solidFill>
-                  <a:srgbClr val="242424"/>
-                </a:solidFill>
-                <a:effectLst/>
-                <a:latin typeface="source-serif-pro"/>
-              </a:rPr>
-              <a:t>: It has a high computational cost when the number of data points is large.</a:t>
-            </a:r>
-            <a:endParaRPr lang="en-US" b="0" i="0" dirty="0">
-              <a:solidFill>
-                <a:srgbClr val="374151"/>
-              </a:solidFill>
-              <a:effectLst/>
-              <a:latin typeface="Söhne"/>
-            </a:endParaRPr>
-          </a:p>
-          <a:p>
-            <a:pPr marL="0" indent="0">
-              <a:buNone/>
-            </a:pPr>
-            <a:endParaRPr lang="en-US" dirty="0"/>
-          </a:p>
-        </p:txBody>
-      </p:sp>
-    </p:spTree>
-    <p:extLst>
-      <p:ext uri="{BB962C8B-B14F-4D97-AF65-F5344CB8AC3E}">
-        <p14:creationId xmlns:p14="http://schemas.microsoft.com/office/powerpoint/2010/main" val="648313709"/>
-      </p:ext>
-    </p:extLst>
-  </p:cSld>
-  <p:clrMapOvr>
-    <a:masterClrMapping/>
-  </p:clrMapOvr>
-</p:sld>
-</file>
-
-<file path=ppt/slides/slide14.xml><?xml version="1.0" encoding="utf-8"?>
-<p:sld xmlns:a="http://schemas.openxmlformats.org/drawingml/2006/main" xmlns:r="http://schemas.openxmlformats.org/officeDocument/2006/relationships" xmlns:p="http://schemas.openxmlformats.org/presentationml/2006/main">
-  <p:cSld>
-    <p:spTree>
-      <p:nvGrpSpPr>
-        <p:cNvPr id="1" name=""/>
-        <p:cNvGrpSpPr/>
-        <p:nvPr/>
-      </p:nvGrpSpPr>
-      <p:grpSpPr>
-        <a:xfrm>
-          <a:off x="0" y="0"/>
-          <a:ext cx="0" cy="0"/>
-          <a:chOff x="0" y="0"/>
-          <a:chExt cx="0" cy="0"/>
-        </a:xfrm>
-      </p:grpSpPr>
-      <p:sp>
-        <p:nvSpPr>
-          <p:cNvPr id="2" name="Title 1">
-            <a:extLst>
-              <a:ext uri="{FF2B5EF4-FFF2-40B4-BE49-F238E27FC236}">
-                <a16:creationId xmlns:a16="http://schemas.microsoft.com/office/drawing/2014/main" id="{A4607FE4-740E-7D92-BDCA-DF9464F63CCE}"/>
-              </a:ext>
-            </a:extLst>
-          </p:cNvPr>
-          <p:cNvSpPr>
-            <a:spLocks noGrp="1"/>
-          </p:cNvSpPr>
-          <p:nvPr>
-            <p:ph type="title"/>
-          </p:nvPr>
-        </p:nvSpPr>
-        <p:spPr>
-          <a:xfrm>
-            <a:off x="838200" y="0"/>
-            <a:ext cx="10515600" cy="932873"/>
-          </a:xfrm>
-        </p:spPr>
-        <p:txBody>
-          <a:bodyPr/>
-          <a:lstStyle/>
-          <a:p>
-            <a:pPr algn="ctr"/>
-            <a:r>
-              <a:rPr lang="en-US" b="1" i="0" dirty="0">
-                <a:solidFill>
-                  <a:srgbClr val="242424"/>
-                </a:solidFill>
-                <a:effectLst/>
-                <a:latin typeface="source-serif-pro"/>
-              </a:rPr>
-              <a:t>DBSCAN vs …</a:t>
-            </a:r>
-            <a:endParaRPr lang="en-US" dirty="0"/>
-          </a:p>
-        </p:txBody>
-      </p:sp>
-      <p:pic>
-        <p:nvPicPr>
-          <p:cNvPr id="8" name="Picture 7">
-            <a:extLst>
-              <a:ext uri="{FF2B5EF4-FFF2-40B4-BE49-F238E27FC236}">
-                <a16:creationId xmlns:a16="http://schemas.microsoft.com/office/drawing/2014/main" id="{EF6E5C05-CF45-0644-9D17-03C80F11A048}"/>
-              </a:ext>
-            </a:extLst>
-          </p:cNvPr>
-          <p:cNvPicPr>
-            <a:picLocks noChangeAspect="1"/>
-          </p:cNvPicPr>
-          <p:nvPr/>
-        </p:nvPicPr>
-        <p:blipFill>
-          <a:blip r:embed="rId2">
-            <a:extLst>
-              <a:ext uri="{28A0092B-C50C-407E-A947-70E740481C1C}">
-                <a14:useLocalDpi xmlns:a14="http://schemas.microsoft.com/office/drawing/2010/main" val="0"/>
-              </a:ext>
-            </a:extLst>
-          </a:blip>
-          <a:stretch>
-            <a:fillRect/>
-          </a:stretch>
-        </p:blipFill>
-        <p:spPr>
-          <a:xfrm>
-            <a:off x="397163" y="1089602"/>
-            <a:ext cx="11397673" cy="5698837"/>
-          </a:xfrm>
-          <a:prstGeom prst="rect">
-            <a:avLst/>
-          </a:prstGeom>
-        </p:spPr>
-      </p:pic>
-    </p:spTree>
-    <p:extLst>
-      <p:ext uri="{BB962C8B-B14F-4D97-AF65-F5344CB8AC3E}">
-        <p14:creationId xmlns:p14="http://schemas.microsoft.com/office/powerpoint/2010/main" val="2911586365"/>
       </p:ext>
     </p:extLst>
   </p:cSld>
@@ -4611,7 +4493,7 @@
           <p:cNvPr id="2" name="Title 1">
             <a:extLst>
               <a:ext uri="{FF2B5EF4-FFF2-40B4-BE49-F238E27FC236}">
-                <a16:creationId xmlns:a16="http://schemas.microsoft.com/office/drawing/2014/main" id="{4D6C5E15-BD18-4095-C983-B20BEF1D6E34}"/>
+                <a16:creationId xmlns:a16="http://schemas.microsoft.com/office/drawing/2014/main" id="{CD9C3639-7CD5-1288-26B9-A7E7336FA49E}"/>
               </a:ext>
             </a:extLst>
           </p:cNvPr>
@@ -4622,14 +4504,26 @@
             <p:ph type="title"/>
           </p:nvPr>
         </p:nvSpPr>
-        <p:spPr/>
-        <p:txBody>
-          <a:bodyPr/>
+        <p:spPr>
+          <a:xfrm>
+            <a:off x="838200" y="0"/>
+            <a:ext cx="10515600" cy="757382"/>
+          </a:xfrm>
+        </p:spPr>
+        <p:txBody>
+          <a:bodyPr>
+            <a:normAutofit/>
+          </a:bodyPr>
           <a:lstStyle/>
           <a:p>
-            <a:r>
-              <a:rPr lang="en-US" dirty="0"/>
-              <a:t>LAST PAGES</a:t>
+            <a:pPr algn="ctr"/>
+            <a:r>
+              <a:rPr lang="en-US" sz="4800" b="1" dirty="0" err="1"/>
+              <a:t>DenStream</a:t>
+            </a:r>
+            <a:r>
+              <a:rPr lang="en-US" sz="4800" b="1" dirty="0"/>
+              <a:t> Algo</a:t>
             </a:r>
           </a:p>
         </p:txBody>
@@ -4639,7 +4533,7 @@
           <p:cNvPr id="3" name="Content Placeholder 2">
             <a:extLst>
               <a:ext uri="{FF2B5EF4-FFF2-40B4-BE49-F238E27FC236}">
-                <a16:creationId xmlns:a16="http://schemas.microsoft.com/office/drawing/2014/main" id="{92F0A45B-8E45-DB6A-4A36-FBF1F11FDAB1}"/>
+                <a16:creationId xmlns:a16="http://schemas.microsoft.com/office/drawing/2014/main" id="{DDF9B1FD-7A75-9B84-4FA9-7BBADA7D3DCD}"/>
               </a:ext>
             </a:extLst>
           </p:cNvPr>
@@ -4650,29 +4544,278 @@
             <p:ph idx="1"/>
           </p:nvPr>
         </p:nvSpPr>
-        <p:spPr/>
-        <p:txBody>
-          <a:bodyPr/>
+        <p:spPr>
+          <a:xfrm>
+            <a:off x="838200" y="757382"/>
+            <a:ext cx="10515600" cy="5994110"/>
+          </a:xfrm>
+        </p:spPr>
+        <p:txBody>
+          <a:bodyPr>
+            <a:normAutofit fontScale="92500" lnSpcReduction="20000"/>
+          </a:bodyPr>
           <a:lstStyle/>
           <a:p>
-            <a:pPr marL="0" indent="0">
-              <a:buNone/>
-            </a:pPr>
-            <a:r>
-              <a:rPr lang="en-US" dirty="0"/>
-              <a:t>TODO: summarize the latest research achievements in this field and introduce some new strategies to deal with outliers and noise data</a:t>
-            </a:r>
-            <a:endParaRPr lang="fa-IR" dirty="0"/>
-          </a:p>
-          <a:p>
-            <a:endParaRPr lang="en-US" dirty="0"/>
+            <a:r>
+              <a:rPr lang="en-US" i="0" dirty="0">
+                <a:effectLst/>
+                <a:latin typeface="Söhne"/>
+              </a:rPr>
+              <a:t>Initialization</a:t>
+            </a:r>
+          </a:p>
+          <a:p>
+            <a:pPr lvl="1"/>
+            <a:r>
+              <a:rPr lang="en-US" i="0" dirty="0">
+                <a:effectLst/>
+                <a:latin typeface="Söhne"/>
+              </a:rPr>
+              <a:t>Initialize parameters (epsilon, lambda, beta , and mu) for density calculations and cluster formation.</a:t>
+            </a:r>
+          </a:p>
+          <a:p>
+            <a:r>
+              <a:rPr lang="en-US" i="0" dirty="0" err="1">
+                <a:effectLst/>
+                <a:latin typeface="Söhne"/>
+              </a:rPr>
+              <a:t>Microcluster</a:t>
+            </a:r>
+            <a:r>
+              <a:rPr lang="en-US" i="0" dirty="0">
+                <a:effectLst/>
+                <a:latin typeface="Söhne"/>
+              </a:rPr>
+              <a:t> Initialization:</a:t>
+            </a:r>
+          </a:p>
+          <a:p>
+            <a:pPr lvl="1"/>
+            <a:r>
+              <a:rPr lang="en-US" i="0" dirty="0">
+                <a:effectLst/>
+                <a:latin typeface="Söhne"/>
+              </a:rPr>
+              <a:t>Start with the first few data points as </a:t>
+            </a:r>
+            <a:r>
+              <a:rPr lang="en-US" i="0" dirty="0" err="1">
+                <a:effectLst/>
+                <a:latin typeface="Söhne"/>
+              </a:rPr>
+              <a:t>microclusters</a:t>
+            </a:r>
+            <a:r>
+              <a:rPr lang="en-US" i="0" dirty="0">
+                <a:effectLst/>
+                <a:latin typeface="Söhne"/>
+              </a:rPr>
+              <a:t>.</a:t>
+            </a:r>
+          </a:p>
+          <a:p>
+            <a:pPr lvl="1"/>
+            <a:r>
+              <a:rPr lang="en-US" i="0" dirty="0">
+                <a:effectLst/>
+                <a:latin typeface="Söhne"/>
+              </a:rPr>
+              <a:t>Update the parameters based on incoming data points.</a:t>
+            </a:r>
+          </a:p>
+          <a:p>
+            <a:r>
+              <a:rPr lang="en-US" i="0" dirty="0" err="1">
+                <a:effectLst/>
+                <a:latin typeface="Söhne"/>
+              </a:rPr>
+              <a:t>Microcluster</a:t>
+            </a:r>
+            <a:r>
+              <a:rPr lang="en-US" i="0" dirty="0">
+                <a:effectLst/>
+                <a:latin typeface="Söhne"/>
+              </a:rPr>
+              <a:t> Evolution:</a:t>
+            </a:r>
+          </a:p>
+          <a:p>
+            <a:pPr lvl="1"/>
+            <a:r>
+              <a:rPr lang="en-US" i="0" dirty="0">
+                <a:effectLst/>
+                <a:latin typeface="Söhne"/>
+              </a:rPr>
+              <a:t>For incoming data points:</a:t>
+            </a:r>
+          </a:p>
+          <a:p>
+            <a:pPr lvl="2"/>
+            <a:r>
+              <a:rPr lang="en-US" i="0" dirty="0">
+                <a:effectLst/>
+                <a:latin typeface="Söhne"/>
+              </a:rPr>
+              <a:t>Update existing </a:t>
+            </a:r>
+            <a:r>
+              <a:rPr lang="en-US" i="0" dirty="0" err="1">
+                <a:effectLst/>
+                <a:latin typeface="Söhne"/>
+              </a:rPr>
+              <a:t>microclusters</a:t>
+            </a:r>
+            <a:r>
+              <a:rPr lang="en-US" i="0" dirty="0">
+                <a:effectLst/>
+                <a:latin typeface="Söhne"/>
+              </a:rPr>
+              <a:t> or create new ones.</a:t>
+            </a:r>
+          </a:p>
+          <a:p>
+            <a:pPr lvl="2"/>
+            <a:r>
+              <a:rPr lang="en-US" i="0" dirty="0">
+                <a:effectLst/>
+                <a:latin typeface="Söhne"/>
+              </a:rPr>
+              <a:t>Use decay function to handle aging of </a:t>
+            </a:r>
+            <a:r>
+              <a:rPr lang="en-US" i="0" dirty="0" err="1">
+                <a:effectLst/>
+                <a:latin typeface="Söhne"/>
+              </a:rPr>
+              <a:t>microclusters</a:t>
+            </a:r>
+            <a:r>
+              <a:rPr lang="en-US" i="0" dirty="0">
+                <a:effectLst/>
+                <a:latin typeface="Söhne"/>
+              </a:rPr>
+              <a:t>.</a:t>
+            </a:r>
+          </a:p>
+          <a:p>
+            <a:r>
+              <a:rPr lang="en-US" i="0" dirty="0">
+                <a:effectLst/>
+                <a:latin typeface="Söhne"/>
+              </a:rPr>
+              <a:t>Cluster Formation:</a:t>
+            </a:r>
+          </a:p>
+          <a:p>
+            <a:pPr lvl="1"/>
+            <a:r>
+              <a:rPr lang="en-US" i="0" dirty="0">
+                <a:effectLst/>
+                <a:latin typeface="Söhne"/>
+              </a:rPr>
+              <a:t>Identify core-</a:t>
+            </a:r>
+            <a:r>
+              <a:rPr lang="en-US" i="0" dirty="0" err="1">
+                <a:effectLst/>
+                <a:latin typeface="Söhne"/>
+              </a:rPr>
+              <a:t>microclusters</a:t>
+            </a:r>
+            <a:r>
+              <a:rPr lang="en-US" i="0" dirty="0">
+                <a:effectLst/>
+                <a:latin typeface="Söhne"/>
+              </a:rPr>
+              <a:t> based on density and relevance parameters.</a:t>
+            </a:r>
+          </a:p>
+          <a:p>
+            <a:pPr lvl="1"/>
+            <a:r>
+              <a:rPr lang="en-US" i="0" dirty="0">
+                <a:effectLst/>
+                <a:latin typeface="Söhne"/>
+              </a:rPr>
+              <a:t>Form clusters using the identified core-</a:t>
+            </a:r>
+            <a:r>
+              <a:rPr lang="en-US" i="0" dirty="0" err="1">
+                <a:effectLst/>
+                <a:latin typeface="Söhne"/>
+              </a:rPr>
+              <a:t>microclusters</a:t>
+            </a:r>
+            <a:r>
+              <a:rPr lang="en-US" i="0" dirty="0">
+                <a:effectLst/>
+                <a:latin typeface="Söhne"/>
+              </a:rPr>
+              <a:t>.</a:t>
+            </a:r>
+          </a:p>
+          <a:p>
+            <a:r>
+              <a:rPr lang="en-US" i="0" dirty="0">
+                <a:effectLst/>
+                <a:latin typeface="Söhne"/>
+              </a:rPr>
+              <a:t>Outlier Detection:</a:t>
+            </a:r>
+          </a:p>
+          <a:p>
+            <a:pPr lvl="1"/>
+            <a:r>
+              <a:rPr lang="en-US" i="0" dirty="0">
+                <a:effectLst/>
+                <a:latin typeface="Söhne"/>
+              </a:rPr>
+              <a:t>Identify outliers based on their deviation from core-</a:t>
+            </a:r>
+            <a:r>
+              <a:rPr lang="en-US" i="0" dirty="0" err="1">
+                <a:effectLst/>
+                <a:latin typeface="Söhne"/>
+              </a:rPr>
+              <a:t>microclusters</a:t>
+            </a:r>
+            <a:r>
+              <a:rPr lang="en-US" i="0" dirty="0">
+                <a:effectLst/>
+                <a:latin typeface="Söhne"/>
+              </a:rPr>
+              <a:t>.</a:t>
+            </a:r>
+            <a:endParaRPr lang="en-US" dirty="0">
+              <a:latin typeface="Söhne"/>
+            </a:endParaRPr>
+          </a:p>
+          <a:p>
+            <a:r>
+              <a:rPr lang="en-US" i="0" dirty="0">
+                <a:effectLst/>
+                <a:latin typeface="Söhne"/>
+              </a:rPr>
+              <a:t>Model Adaptation:</a:t>
+            </a:r>
+          </a:p>
+          <a:p>
+            <a:pPr lvl="1"/>
+            <a:r>
+              <a:rPr lang="en-US" i="0" dirty="0">
+                <a:effectLst/>
+                <a:latin typeface="Söhne"/>
+              </a:rPr>
+              <a:t>Continuously adjust model parameters (epsilon, lambda, and mu) based on the evolving data.</a:t>
+            </a:r>
           </a:p>
         </p:txBody>
       </p:sp>
     </p:spTree>
     <p:extLst>
       <p:ext uri="{BB962C8B-B14F-4D97-AF65-F5344CB8AC3E}">
-        <p14:creationId xmlns:p14="http://schemas.microsoft.com/office/powerpoint/2010/main" val="2973134573"/>
+        <p14:creationId xmlns:p14="http://schemas.microsoft.com/office/powerpoint/2010/main" val="3975828169"/>
       </p:ext>
     </p:extLst>
   </p:cSld>
@@ -4704,7 +4847,7 @@
           <p:cNvPr id="2" name="Title 1">
             <a:extLst>
               <a:ext uri="{FF2B5EF4-FFF2-40B4-BE49-F238E27FC236}">
-                <a16:creationId xmlns:a16="http://schemas.microsoft.com/office/drawing/2014/main" id="{8329312B-A182-AE3F-7D05-3F812CE08210}"/>
+                <a16:creationId xmlns:a16="http://schemas.microsoft.com/office/drawing/2014/main" id="{66967A94-B7BF-88C0-5ECB-0743B667DF3F}"/>
               </a:ext>
             </a:extLst>
           </p:cNvPr>
@@ -4715,60 +4858,349 @@
             <p:ph type="title"/>
           </p:nvPr>
         </p:nvSpPr>
-        <p:spPr/>
+        <p:spPr>
+          <a:xfrm>
+            <a:off x="838200" y="18255"/>
+            <a:ext cx="10515600" cy="886909"/>
+          </a:xfrm>
+        </p:spPr>
         <p:txBody>
           <a:bodyPr/>
           <a:lstStyle/>
           <a:p>
             <a:r>
-              <a:rPr lang="en-US" dirty="0"/>
-              <a:t>Future</a:t>
-            </a:r>
-          </a:p>
-        </p:txBody>
-      </p:sp>
-      <p:sp>
-        <p:nvSpPr>
-          <p:cNvPr id="3" name="Content Placeholder 2">
-            <a:extLst>
-              <a:ext uri="{FF2B5EF4-FFF2-40B4-BE49-F238E27FC236}">
-                <a16:creationId xmlns:a16="http://schemas.microsoft.com/office/drawing/2014/main" id="{1E61828E-ED8F-1DC2-3F85-F1D64B83942C}"/>
-              </a:ext>
-            </a:extLst>
-          </p:cNvPr>
-          <p:cNvSpPr>
-            <a:spLocks noGrp="1"/>
-          </p:cNvSpPr>
-          <p:nvPr>
-            <p:ph idx="1"/>
-          </p:nvPr>
-        </p:nvSpPr>
-        <p:spPr/>
-        <p:txBody>
-          <a:bodyPr/>
-          <a:lstStyle/>
-          <a:p>
-            <a:pPr marL="0" indent="0">
-              <a:buNone/>
-            </a:pPr>
-            <a:r>
-              <a:rPr lang="en-US" dirty="0"/>
-              <a:t>focal points and difficulties of future research for data stream clustering</a:t>
-            </a:r>
-            <a:r>
-              <a:rPr lang="fa-IR" dirty="0"/>
-              <a:t>:</a:t>
-            </a:r>
-          </a:p>
-          <a:p>
+              <a:rPr lang="en-US" sz="4400" b="1" dirty="0" err="1"/>
+              <a:t>DenStream</a:t>
+            </a:r>
+            <a:r>
+              <a:rPr lang="en-US" sz="4400" b="1" dirty="0"/>
+              <a:t> Algo(</a:t>
+            </a:r>
+            <a:r>
+              <a:rPr lang="en-US" sz="4400" b="1" dirty="0" err="1"/>
+              <a:t>cont</a:t>
+            </a:r>
+            <a:r>
+              <a:rPr lang="en-US" sz="4400" b="1" dirty="0"/>
+              <a:t>…)</a:t>
+            </a:r>
             <a:endParaRPr lang="en-US" dirty="0"/>
           </a:p>
         </p:txBody>
       </p:sp>
+      <mc:AlternateContent xmlns:mc="http://schemas.openxmlformats.org/markup-compatibility/2006">
+        <mc:Choice xmlns:a14="http://schemas.microsoft.com/office/drawing/2010/main" Requires="a14">
+          <p:sp>
+            <p:nvSpPr>
+              <p:cNvPr id="3" name="Content Placeholder 2">
+                <a:extLst>
+                  <a:ext uri="{FF2B5EF4-FFF2-40B4-BE49-F238E27FC236}">
+                    <a16:creationId xmlns:a16="http://schemas.microsoft.com/office/drawing/2014/main" id="{11729400-8C27-7A8D-B1D4-07164361FEFE}"/>
+                  </a:ext>
+                </a:extLst>
+              </p:cNvPr>
+              <p:cNvSpPr>
+                <a:spLocks noGrp="1"/>
+              </p:cNvSpPr>
+              <p:nvPr>
+                <p:ph idx="1"/>
+              </p:nvPr>
+            </p:nvSpPr>
+            <p:spPr>
+              <a:xfrm>
+                <a:off x="838200" y="905164"/>
+                <a:ext cx="10515600" cy="5772727"/>
+              </a:xfrm>
+            </p:spPr>
+            <p:txBody>
+              <a:bodyPr>
+                <a:normAutofit lnSpcReduction="10000"/>
+              </a:bodyPr>
+              <a:lstStyle/>
+              <a:p>
+                <a:pPr marL="0" indent="0">
+                  <a:buNone/>
+                </a:pPr>
+                <a:endParaRPr lang="en-US" b="1" dirty="0"/>
+              </a:p>
+              <a:p>
+                <a:pPr marL="0" indent="0">
+                  <a:buNone/>
+                </a:pPr>
+                <a:endParaRPr lang="en-US" b="1" dirty="0"/>
+              </a:p>
+              <a:p>
+                <a:pPr marL="0" indent="0">
+                  <a:buNone/>
+                </a:pPr>
+                <a:endParaRPr lang="en-US" b="1" dirty="0"/>
+              </a:p>
+              <a:p>
+                <a:pPr marL="0" indent="0">
+                  <a:buNone/>
+                </a:pPr>
+                <a:r>
+                  <a:rPr lang="en-US" b="1" dirty="0" err="1"/>
+                  <a:t>DenStream</a:t>
+                </a:r>
+                <a:r>
+                  <a:rPr lang="en-US" b="1" dirty="0"/>
+                  <a:t> using</a:t>
+                </a:r>
+              </a:p>
+              <a:p>
+                <a:pPr marL="0" indent="0">
+                  <a:buNone/>
+                </a:pPr>
+                <a:r>
+                  <a:rPr lang="en-US" b="1" dirty="0"/>
+                  <a:t>Damped Window:</a:t>
+                </a:r>
+              </a:p>
+              <a:p>
+                <a:pPr marL="0" indent="0">
+                  <a:buNone/>
+                </a:pPr>
+                <a:endParaRPr lang="en-US" b="1" dirty="0"/>
+              </a:p>
+              <a:p>
+                <a:pPr marL="0" indent="0">
+                  <a:buNone/>
+                </a:pPr>
+                <a:endParaRPr lang="en-US" b="1" dirty="0"/>
+              </a:p>
+              <a:p>
+                <a:pPr marL="0" indent="0">
+                  <a:buNone/>
+                </a:pPr>
+                <a:endParaRPr lang="en-US" b="1" dirty="0"/>
+              </a:p>
+              <a:p>
+                <a:pPr marL="0" indent="0">
+                  <a:buNone/>
+                </a:pPr>
+                <a:endParaRPr lang="en-US" b="1" dirty="0"/>
+              </a:p>
+              <a:p>
+                <a:pPr marL="0" indent="0">
+                  <a:buNone/>
+                </a:pPr>
+                <a:r>
+                  <a:rPr lang="en-US" b="1" dirty="0"/>
+                  <a:t>Fading function</a:t>
+                </a:r>
+                <a:r>
+                  <a:rPr lang="en-US" dirty="0"/>
+                  <a:t>:</a:t>
+                </a:r>
+              </a:p>
+              <a:p>
+                <a:pPr marL="0" indent="0">
+                  <a:buNone/>
+                </a:pPr>
+                <a:r>
+                  <a:rPr lang="en-US" sz="4000" b="0" dirty="0"/>
+                  <a:t>	</a:t>
+                </a:r>
+                <a14:m>
+                  <m:oMath xmlns:m="http://schemas.openxmlformats.org/officeDocument/2006/math">
+                    <m:r>
+                      <a:rPr lang="en-US" sz="4000" b="0" i="1" smtClean="0">
+                        <a:latin typeface="Cambria Math" panose="02040503050406030204" pitchFamily="18" charset="0"/>
+                      </a:rPr>
+                      <m:t>𝑓</m:t>
+                    </m:r>
+                    <m:d>
+                      <m:dPr>
+                        <m:ctrlPr>
+                          <a:rPr lang="en-US" sz="4000" i="1" smtClean="0">
+                            <a:latin typeface="Cambria Math" panose="02040503050406030204" pitchFamily="18" charset="0"/>
+                          </a:rPr>
+                        </m:ctrlPr>
+                      </m:dPr>
+                      <m:e>
+                        <m:r>
+                          <a:rPr lang="en-US" sz="4000" b="0" i="1" smtClean="0">
+                            <a:latin typeface="Cambria Math" panose="02040503050406030204" pitchFamily="18" charset="0"/>
+                          </a:rPr>
+                          <m:t>𝑡</m:t>
+                        </m:r>
+                      </m:e>
+                    </m:d>
+                    <m:r>
+                      <a:rPr lang="en-US" sz="4000" b="0" i="1" smtClean="0">
+                        <a:latin typeface="Cambria Math" panose="02040503050406030204" pitchFamily="18" charset="0"/>
+                      </a:rPr>
+                      <m:t>=</m:t>
+                    </m:r>
+                    <m:sSup>
+                      <m:sSupPr>
+                        <m:ctrlPr>
+                          <a:rPr lang="en-US" sz="4000" i="1" smtClean="0">
+                            <a:latin typeface="Cambria Math" panose="02040503050406030204" pitchFamily="18" charset="0"/>
+                          </a:rPr>
+                        </m:ctrlPr>
+                      </m:sSupPr>
+                      <m:e>
+                        <m:r>
+                          <a:rPr lang="en-US" sz="4000" b="0" i="1" smtClean="0">
+                            <a:latin typeface="Cambria Math" panose="02040503050406030204" pitchFamily="18" charset="0"/>
+                          </a:rPr>
+                          <m:t>2</m:t>
+                        </m:r>
+                      </m:e>
+                      <m:sup>
+                        <m:r>
+                          <a:rPr lang="en-US" sz="4000" b="0" i="1" smtClean="0">
+                            <a:latin typeface="Cambria Math" panose="02040503050406030204" pitchFamily="18" charset="0"/>
+                          </a:rPr>
+                          <m:t> −</m:t>
+                        </m:r>
+                        <m:r>
+                          <a:rPr lang="el-GR" sz="4000" b="0" i="1" smtClean="0">
+                            <a:latin typeface="Cambria Math" panose="02040503050406030204" pitchFamily="18" charset="0"/>
+                          </a:rPr>
+                          <m:t>𝜆</m:t>
+                        </m:r>
+                        <m:r>
+                          <a:rPr lang="en-US" sz="4000" b="0" i="1" smtClean="0">
+                            <a:latin typeface="Cambria Math" panose="02040503050406030204" pitchFamily="18" charset="0"/>
+                          </a:rPr>
+                          <m:t>.</m:t>
+                        </m:r>
+                        <m:r>
+                          <a:rPr lang="en-US" sz="4000" b="0" i="1" smtClean="0">
+                            <a:latin typeface="Cambria Math" panose="02040503050406030204" pitchFamily="18" charset="0"/>
+                          </a:rPr>
+                          <m:t>𝑡</m:t>
+                        </m:r>
+                      </m:sup>
+                    </m:sSup>
+                  </m:oMath>
+                </a14:m>
+                <a:r>
+                  <a:rPr lang="en-US" dirty="0"/>
+                  <a:t>    ,     where:   </a:t>
+                </a:r>
+                <a14:m>
+                  <m:oMath xmlns:m="http://schemas.openxmlformats.org/officeDocument/2006/math">
+                    <m:r>
+                      <a:rPr lang="el-GR" i="1">
+                        <a:latin typeface="Cambria Math" panose="02040503050406030204" pitchFamily="18" charset="0"/>
+                      </a:rPr>
+                      <m:t>𝜆</m:t>
+                    </m:r>
+                  </m:oMath>
+                </a14:m>
+                <a:r>
+                  <a:rPr lang="en-US" dirty="0"/>
+                  <a:t> &gt; 0</a:t>
+                </a:r>
+              </a:p>
+              <a:p>
+                <a:pPr marL="0" indent="0">
+                  <a:buNone/>
+                </a:pPr>
+                <a:endParaRPr lang="en-US" dirty="0"/>
+              </a:p>
+            </p:txBody>
+          </p:sp>
+        </mc:Choice>
+        <mc:Fallback>
+          <p:sp>
+            <p:nvSpPr>
+              <p:cNvPr id="3" name="Content Placeholder 2">
+                <a:extLst>
+                  <a:ext uri="{FF2B5EF4-FFF2-40B4-BE49-F238E27FC236}">
+                    <a16:creationId xmlns:a16="http://schemas.microsoft.com/office/drawing/2014/main" id="{11729400-8C27-7A8D-B1D4-07164361FEFE}"/>
+                  </a:ext>
+                </a:extLst>
+              </p:cNvPr>
+              <p:cNvSpPr>
+                <a:spLocks noGrp="1" noRot="1" noChangeAspect="1" noMove="1" noResize="1" noEditPoints="1" noAdjustHandles="1" noChangeArrowheads="1" noChangeShapeType="1" noTextEdit="1"/>
+              </p:cNvSpPr>
+              <p:nvPr>
+                <p:ph idx="1"/>
+              </p:nvPr>
+            </p:nvSpPr>
+            <p:spPr>
+              <a:xfrm>
+                <a:off x="838200" y="905164"/>
+                <a:ext cx="10515600" cy="5772727"/>
+              </a:xfrm>
+              <a:blipFill>
+                <a:blip r:embed="rId2"/>
+                <a:stretch>
+                  <a:fillRect l="-1217"/>
+                </a:stretch>
+              </a:blipFill>
+            </p:spPr>
+            <p:txBody>
+              <a:bodyPr/>
+              <a:lstStyle/>
+              <a:p>
+                <a:r>
+                  <a:rPr lang="en-US">
+                    <a:noFill/>
+                  </a:rPr>
+                  <a:t> </a:t>
+                </a:r>
+              </a:p>
+            </p:txBody>
+          </p:sp>
+        </mc:Fallback>
+      </mc:AlternateContent>
+      <p:pic>
+        <p:nvPicPr>
+          <p:cNvPr id="2053" name="Picture 5">
+            <a:extLst>
+              <a:ext uri="{FF2B5EF4-FFF2-40B4-BE49-F238E27FC236}">
+                <a16:creationId xmlns:a16="http://schemas.microsoft.com/office/drawing/2014/main" id="{5662B654-0108-B15C-1B3D-2A730EE9A855}"/>
+              </a:ext>
+            </a:extLst>
+          </p:cNvPr>
+          <p:cNvPicPr>
+            <a:picLocks noChangeAspect="1" noChangeArrowheads="1"/>
+          </p:cNvPicPr>
+          <p:nvPr/>
+        </p:nvPicPr>
+        <p:blipFill>
+          <a:blip r:embed="rId3">
+            <a:extLst>
+              <a:ext uri="{28A0092B-C50C-407E-A947-70E740481C1C}">
+                <a14:useLocalDpi xmlns:a14="http://schemas.microsoft.com/office/drawing/2010/main" val="0"/>
+              </a:ext>
+            </a:extLst>
+          </a:blip>
+          <a:srcRect/>
+          <a:stretch>
+            <a:fillRect/>
+          </a:stretch>
+        </p:blipFill>
+        <p:spPr bwMode="auto">
+          <a:xfrm>
+            <a:off x="3722278" y="727363"/>
+            <a:ext cx="7631522" cy="4498109"/>
+          </a:xfrm>
+          <a:prstGeom prst="rect">
+            <a:avLst/>
+          </a:prstGeom>
+          <a:noFill/>
+          <a:extLst>
+            <a:ext uri="{909E8E84-426E-40DD-AFC4-6F175D3DCCD1}">
+              <a14:hiddenFill xmlns:a14="http://schemas.microsoft.com/office/drawing/2010/main">
+                <a:solidFill>
+                  <a:srgbClr val="FFFFFF"/>
+                </a:solidFill>
+              </a14:hiddenFill>
+            </a:ext>
+          </a:extLst>
+        </p:spPr>
+      </p:pic>
     </p:spTree>
     <p:extLst>
       <p:ext uri="{BB962C8B-B14F-4D97-AF65-F5344CB8AC3E}">
-        <p14:creationId xmlns:p14="http://schemas.microsoft.com/office/powerpoint/2010/main" val="698219641"/>
+        <p14:creationId xmlns:p14="http://schemas.microsoft.com/office/powerpoint/2010/main" val="3123856128"/>
       </p:ext>
     </p:extLst>
   </p:cSld>
@@ -4800,7 +5232,7 @@
           <p:cNvPr id="2" name="Title 1">
             <a:extLst>
               <a:ext uri="{FF2B5EF4-FFF2-40B4-BE49-F238E27FC236}">
-                <a16:creationId xmlns:a16="http://schemas.microsoft.com/office/drawing/2014/main" id="{AF1B050C-B724-3834-882B-56BEC9ABEF6C}"/>
+                <a16:creationId xmlns:a16="http://schemas.microsoft.com/office/drawing/2014/main" id="{66967A94-B7BF-88C0-5ECB-0743B667DF3F}"/>
               </a:ext>
             </a:extLst>
           </p:cNvPr>
@@ -4813,297 +5245,390 @@
         </p:nvSpPr>
         <p:spPr>
           <a:xfrm>
-            <a:off x="1484310" y="0"/>
-            <a:ext cx="10018713" cy="606105"/>
+            <a:off x="838200" y="18255"/>
+            <a:ext cx="10515600" cy="886909"/>
           </a:xfrm>
         </p:spPr>
         <p:txBody>
-          <a:bodyPr>
-            <a:normAutofit fontScale="90000"/>
+          <a:bodyPr/>
+          <a:lstStyle/>
+          <a:p>
+            <a:r>
+              <a:rPr lang="en-US" sz="4400" b="1" dirty="0" err="1"/>
+              <a:t>DenStream</a:t>
+            </a:r>
+            <a:r>
+              <a:rPr lang="en-US" sz="4400" b="1" dirty="0"/>
+              <a:t> Algo(</a:t>
+            </a:r>
+            <a:r>
+              <a:rPr lang="en-US" sz="4400" b="1" dirty="0" err="1"/>
+              <a:t>cont</a:t>
+            </a:r>
+            <a:r>
+              <a:rPr lang="en-US" sz="4400" b="1" dirty="0"/>
+              <a:t>…)</a:t>
+            </a:r>
+            <a:endParaRPr lang="en-US" dirty="0"/>
+          </a:p>
+        </p:txBody>
+      </p:sp>
+      <mc:AlternateContent xmlns:mc="http://schemas.openxmlformats.org/markup-compatibility/2006">
+        <mc:Choice xmlns:a14="http://schemas.microsoft.com/office/drawing/2010/main" Requires="a14">
+          <p:sp>
+            <p:nvSpPr>
+              <p:cNvPr id="3" name="Content Placeholder 2">
+                <a:extLst>
+                  <a:ext uri="{FF2B5EF4-FFF2-40B4-BE49-F238E27FC236}">
+                    <a16:creationId xmlns:a16="http://schemas.microsoft.com/office/drawing/2014/main" id="{11729400-8C27-7A8D-B1D4-07164361FEFE}"/>
+                  </a:ext>
+                </a:extLst>
+              </p:cNvPr>
+              <p:cNvSpPr>
+                <a:spLocks noGrp="1"/>
+              </p:cNvSpPr>
+              <p:nvPr>
+                <p:ph idx="1"/>
+              </p:nvPr>
+            </p:nvSpPr>
+            <p:spPr>
+              <a:xfrm>
+                <a:off x="838200" y="905164"/>
+                <a:ext cx="10515600" cy="5772727"/>
+              </a:xfrm>
+            </p:spPr>
+            <p:txBody>
+              <a:bodyPr>
+                <a:normAutofit/>
+              </a:bodyPr>
+              <a:lstStyle/>
+              <a:p>
+                <a:pPr marL="0" indent="0">
+                  <a:buNone/>
+                </a:pPr>
+                <a:r>
+                  <a:rPr lang="en-US" sz="3600" b="1" dirty="0"/>
+                  <a:t>CMC(core-micro-clusters):</a:t>
+                </a:r>
+              </a:p>
+              <a:p>
+                <a:pPr marL="0" indent="0">
+                  <a:buNone/>
+                </a:pPr>
+                <a14:m>
+                  <m:oMath xmlns:m="http://schemas.openxmlformats.org/officeDocument/2006/math">
+                    <m:r>
+                      <a:rPr lang="en-US" sz="3600" b="0" i="1" smtClean="0">
+                        <a:latin typeface="Cambria Math" panose="02040503050406030204" pitchFamily="18" charset="0"/>
+                      </a:rPr>
+                      <m:t>𝑤</m:t>
+                    </m:r>
+                    <m:r>
+                      <a:rPr lang="en-US" sz="3600" b="0" i="1" smtClean="0">
+                        <a:latin typeface="Cambria Math" panose="02040503050406030204" pitchFamily="18" charset="0"/>
+                      </a:rPr>
+                      <m:t>= </m:t>
+                    </m:r>
+                    <m:nary>
+                      <m:naryPr>
+                        <m:chr m:val="∑"/>
+                        <m:ctrlPr>
+                          <a:rPr lang="pt-BR" sz="3600" i="1" dirty="0">
+                            <a:latin typeface="Cambria Math" panose="02040503050406030204" pitchFamily="18" charset="0"/>
+                          </a:rPr>
+                        </m:ctrlPr>
+                      </m:naryPr>
+                      <m:sub>
+                        <m:r>
+                          <a:rPr lang="en-US" sz="3600" b="0" i="1" dirty="0" smtClean="0">
+                            <a:latin typeface="Cambria Math" panose="02040503050406030204" pitchFamily="18" charset="0"/>
+                          </a:rPr>
+                          <m:t>𝑗</m:t>
+                        </m:r>
+                        <m:r>
+                          <a:rPr lang="pt-BR" sz="3600" i="1" dirty="0" smtClean="0">
+                            <a:latin typeface="Cambria Math" panose="02040503050406030204" pitchFamily="18" charset="0"/>
+                          </a:rPr>
+                          <m:t>=</m:t>
+                        </m:r>
+                        <m:r>
+                          <a:rPr lang="en-US" sz="3600" b="0" i="1" dirty="0" smtClean="0">
+                            <a:latin typeface="Cambria Math" panose="02040503050406030204" pitchFamily="18" charset="0"/>
+                          </a:rPr>
+                          <m:t>1</m:t>
+                        </m:r>
+                      </m:sub>
+                      <m:sup>
+                        <m:r>
+                          <a:rPr lang="pt-BR" sz="3600" i="1" dirty="0">
+                            <a:latin typeface="Cambria Math" panose="02040503050406030204" pitchFamily="18" charset="0"/>
+                          </a:rPr>
+                          <m:t>𝑛</m:t>
+                        </m:r>
+                      </m:sup>
+                      <m:e>
+                        <m:r>
+                          <a:rPr lang="en-US" sz="3600" b="0" i="1" dirty="0" smtClean="0">
+                            <a:latin typeface="Cambria Math" panose="02040503050406030204" pitchFamily="18" charset="0"/>
+                          </a:rPr>
+                          <m:t>𝑓</m:t>
+                        </m:r>
+                        <m:r>
+                          <a:rPr lang="en-US" sz="3600" b="0" i="1" dirty="0" smtClean="0">
+                            <a:latin typeface="Cambria Math" panose="02040503050406030204" pitchFamily="18" charset="0"/>
+                          </a:rPr>
+                          <m:t>(</m:t>
+                        </m:r>
+                        <m:r>
+                          <a:rPr lang="en-US" sz="3600" b="0" i="1" dirty="0" smtClean="0">
+                            <a:latin typeface="Cambria Math" panose="02040503050406030204" pitchFamily="18" charset="0"/>
+                          </a:rPr>
+                          <m:t>𝑡</m:t>
+                        </m:r>
+                        <m:r>
+                          <a:rPr lang="en-US" sz="3600" b="0" i="1" dirty="0" smtClean="0">
+                            <a:latin typeface="Cambria Math" panose="02040503050406030204" pitchFamily="18" charset="0"/>
+                          </a:rPr>
+                          <m:t>−</m:t>
+                        </m:r>
+                        <m:sSub>
+                          <m:sSubPr>
+                            <m:ctrlPr>
+                              <a:rPr lang="en-US" sz="3600" b="0" i="1" dirty="0" smtClean="0">
+                                <a:latin typeface="Cambria Math" panose="02040503050406030204" pitchFamily="18" charset="0"/>
+                              </a:rPr>
+                            </m:ctrlPr>
+                          </m:sSubPr>
+                          <m:e>
+                            <m:r>
+                              <a:rPr lang="en-US" sz="3600" b="0" i="1" dirty="0" smtClean="0">
+                                <a:latin typeface="Cambria Math" panose="02040503050406030204" pitchFamily="18" charset="0"/>
+                              </a:rPr>
+                              <m:t>𝑇</m:t>
+                            </m:r>
+                          </m:e>
+                          <m:sub>
+                            <m:sSub>
+                              <m:sSubPr>
+                                <m:ctrlPr>
+                                  <a:rPr lang="en-US" sz="3600" b="0" i="1" dirty="0" smtClean="0">
+                                    <a:latin typeface="Cambria Math" panose="02040503050406030204" pitchFamily="18" charset="0"/>
+                                  </a:rPr>
+                                </m:ctrlPr>
+                              </m:sSubPr>
+                              <m:e>
+                                <m:r>
+                                  <a:rPr lang="en-US" sz="3600" b="0" i="1" dirty="0" smtClean="0">
+                                    <a:latin typeface="Cambria Math" panose="02040503050406030204" pitchFamily="18" charset="0"/>
+                                  </a:rPr>
+                                  <m:t>𝑖</m:t>
+                                </m:r>
+                              </m:e>
+                              <m:sub>
+                                <m:r>
+                                  <a:rPr lang="en-US" sz="3600" b="0" i="1" dirty="0" smtClean="0">
+                                    <a:latin typeface="Cambria Math" panose="02040503050406030204" pitchFamily="18" charset="0"/>
+                                  </a:rPr>
+                                  <m:t>𝑗</m:t>
+                                </m:r>
+                              </m:sub>
+                            </m:sSub>
+                          </m:sub>
+                        </m:sSub>
+                        <m:r>
+                          <a:rPr lang="en-US" sz="3600" b="0" i="1" dirty="0" smtClean="0">
+                            <a:latin typeface="Cambria Math" panose="02040503050406030204" pitchFamily="18" charset="0"/>
+                          </a:rPr>
+                          <m:t>)</m:t>
+                        </m:r>
+                      </m:e>
+                    </m:nary>
+                  </m:oMath>
+                </a14:m>
+                <a:r>
+                  <a:rPr lang="en-US" sz="3600" dirty="0"/>
+                  <a:t> </a:t>
+                </a:r>
+                <a:r>
+                  <a:rPr lang="en-US" dirty="0"/>
+                  <a:t>	 , </a:t>
+                </a:r>
+                <a:r>
+                  <a:rPr lang="en-US" sz="2400" dirty="0"/>
+                  <a:t>where </a:t>
+                </a:r>
+                <a:r>
+                  <a:rPr lang="en-US" sz="2400" b="1" i="1" dirty="0"/>
+                  <a:t>T</a:t>
+                </a:r>
+                <a:r>
+                  <a:rPr lang="en-US" sz="2400" dirty="0"/>
+                  <a:t> is timestamp of each point</a:t>
+                </a:r>
+              </a:p>
+            </p:txBody>
+          </p:sp>
+        </mc:Choice>
+        <mc:Fallback>
+          <p:sp>
+            <p:nvSpPr>
+              <p:cNvPr id="3" name="Content Placeholder 2">
+                <a:extLst>
+                  <a:ext uri="{FF2B5EF4-FFF2-40B4-BE49-F238E27FC236}">
+                    <a16:creationId xmlns:a16="http://schemas.microsoft.com/office/drawing/2014/main" id="{11729400-8C27-7A8D-B1D4-07164361FEFE}"/>
+                  </a:ext>
+                </a:extLst>
+              </p:cNvPr>
+              <p:cNvSpPr>
+                <a:spLocks noGrp="1" noRot="1" noChangeAspect="1" noMove="1" noResize="1" noEditPoints="1" noAdjustHandles="1" noChangeArrowheads="1" noChangeShapeType="1" noTextEdit="1"/>
+              </p:cNvSpPr>
+              <p:nvPr>
+                <p:ph idx="1"/>
+              </p:nvPr>
+            </p:nvSpPr>
+            <p:spPr>
+              <a:xfrm>
+                <a:off x="838200" y="905164"/>
+                <a:ext cx="10515600" cy="5772727"/>
+              </a:xfrm>
+              <a:blipFill>
+                <a:blip r:embed="rId2"/>
+                <a:stretch>
+                  <a:fillRect l="-1797" t="-2534"/>
+                </a:stretch>
+              </a:blipFill>
+            </p:spPr>
+            <p:txBody>
+              <a:bodyPr/>
+              <a:lstStyle/>
+              <a:p>
+                <a:r>
+                  <a:rPr lang="en-US">
+                    <a:noFill/>
+                  </a:rPr>
+                  <a:t> </a:t>
+                </a:r>
+              </a:p>
+            </p:txBody>
+          </p:sp>
+        </mc:Fallback>
+      </mc:AlternateContent>
+      <p:pic>
+        <p:nvPicPr>
+          <p:cNvPr id="7" name="Picture 6">
+            <a:extLst>
+              <a:ext uri="{FF2B5EF4-FFF2-40B4-BE49-F238E27FC236}">
+                <a16:creationId xmlns:a16="http://schemas.microsoft.com/office/drawing/2014/main" id="{BFF7C216-D831-591F-7A0E-8B81FB070522}"/>
+              </a:ext>
+            </a:extLst>
+          </p:cNvPr>
+          <p:cNvPicPr>
+            <a:picLocks noChangeAspect="1"/>
+          </p:cNvPicPr>
+          <p:nvPr/>
+        </p:nvPicPr>
+        <p:blipFill>
+          <a:blip r:embed="rId3"/>
+          <a:stretch>
+            <a:fillRect/>
+          </a:stretch>
+        </p:blipFill>
+        <p:spPr>
+          <a:xfrm>
+            <a:off x="3007374" y="2138102"/>
+            <a:ext cx="6177252" cy="3362045"/>
+          </a:xfrm>
+          <a:prstGeom prst="rect">
+            <a:avLst/>
+          </a:prstGeom>
+        </p:spPr>
+      </p:pic>
+      <p:pic>
+        <p:nvPicPr>
+          <p:cNvPr id="10" name="Graphic 9">
+            <a:extLst>
+              <a:ext uri="{FF2B5EF4-FFF2-40B4-BE49-F238E27FC236}">
+                <a16:creationId xmlns:a16="http://schemas.microsoft.com/office/drawing/2014/main" id="{C98AB6F3-7BF8-EBCE-0C68-A2DAD886C26C}"/>
+              </a:ext>
+            </a:extLst>
+          </p:cNvPr>
+          <p:cNvPicPr>
+            <a:picLocks noChangeAspect="1"/>
+          </p:cNvPicPr>
+          <p:nvPr/>
+        </p:nvPicPr>
+        <p:blipFill>
+          <a:blip r:embed="rId4">
+            <a:extLst>
+              <a:ext uri="{28A0092B-C50C-407E-A947-70E740481C1C}">
+                <a14:useLocalDpi xmlns:a14="http://schemas.microsoft.com/office/drawing/2010/main" val="0"/>
+              </a:ext>
+              <a:ext uri="{96DAC541-7B7A-43D3-8B79-37D633B846F1}">
+                <asvg:svgBlip xmlns:asvg="http://schemas.microsoft.com/office/drawing/2016/SVG/main" r:embed="rId5"/>
+              </a:ext>
+            </a:extLst>
+          </a:blip>
+          <a:stretch>
+            <a:fillRect/>
+          </a:stretch>
+        </p:blipFill>
+        <p:spPr>
+          <a:xfrm>
+            <a:off x="6371666" y="5500147"/>
+            <a:ext cx="3992956" cy="1150145"/>
+          </a:xfrm>
+          <a:prstGeom prst="rect">
+            <a:avLst/>
+          </a:prstGeom>
+        </p:spPr>
+      </p:pic>
+      <p:sp>
+        <p:nvSpPr>
+          <p:cNvPr id="12" name="TextBox 11">
+            <a:extLst>
+              <a:ext uri="{FF2B5EF4-FFF2-40B4-BE49-F238E27FC236}">
+                <a16:creationId xmlns:a16="http://schemas.microsoft.com/office/drawing/2014/main" id="{59016C3A-FA32-1489-C4CD-A9EF58353601}"/>
+              </a:ext>
+            </a:extLst>
+          </p:cNvPr>
+          <p:cNvSpPr txBox="1"/>
+          <p:nvPr/>
+        </p:nvSpPr>
+        <p:spPr>
+          <a:xfrm>
+            <a:off x="903298" y="5890553"/>
+            <a:ext cx="5440217" cy="369332"/>
+          </a:xfrm>
+          <a:prstGeom prst="rect">
+            <a:avLst/>
+          </a:prstGeom>
+          <a:noFill/>
+        </p:spPr>
+        <p:txBody>
+          <a:bodyPr wrap="square">
+            <a:spAutoFit/>
           </a:bodyPr>
           <a:lstStyle/>
           <a:p>
             <a:r>
+              <a:rPr lang="en-US" dirty="0"/>
+              <a:t>Euclidean distance between point </a:t>
+            </a:r>
+            <a:r>
               <a:rPr lang="en-US" dirty="0" err="1"/>
-              <a:t>Refrences</a:t>
-            </a:r>
-            <a:endParaRPr lang="en-US" dirty="0"/>
-          </a:p>
-        </p:txBody>
-      </p:sp>
-      <p:sp>
-        <p:nvSpPr>
-          <p:cNvPr id="3" name="Content Placeholder 2">
-            <a:extLst>
-              <a:ext uri="{FF2B5EF4-FFF2-40B4-BE49-F238E27FC236}">
-                <a16:creationId xmlns:a16="http://schemas.microsoft.com/office/drawing/2014/main" id="{CEA1E241-DF1B-CCBD-3EFB-37A85D75FAE6}"/>
-              </a:ext>
-            </a:extLst>
-          </p:cNvPr>
-          <p:cNvSpPr>
-            <a:spLocks noGrp="1"/>
-          </p:cNvSpPr>
-          <p:nvPr>
-            <p:ph idx="1"/>
-          </p:nvPr>
-        </p:nvSpPr>
-        <p:spPr>
-          <a:xfrm>
-            <a:off x="1484310" y="606105"/>
-            <a:ext cx="10018713" cy="6251895"/>
-          </a:xfrm>
-        </p:spPr>
-        <p:txBody>
-          <a:bodyPr>
-            <a:normAutofit lnSpcReduction="10000"/>
-          </a:bodyPr>
-          <a:lstStyle/>
-          <a:p>
-            <a:r>
-              <a:rPr lang="en-US" sz="1400" dirty="0">
-                <a:hlinkClick r:id="rId2"/>
-              </a:rPr>
-              <a:t>https://www.sciencedirect.com/science/article/abs/pii/S0167739X19312786</a:t>
-            </a:r>
-            <a:endParaRPr lang="en-US" sz="1400" dirty="0"/>
-          </a:p>
-          <a:p>
-            <a:r>
-              <a:rPr lang="en-US" sz="1400" dirty="0">
-                <a:hlinkClick r:id="rId3"/>
-              </a:rPr>
-              <a:t>https://www.researchgate.net/figure/Overview-of-the-proposed-two-step-clustering-method-The-first-step-uses-Birch-clustering_fig4_357972949</a:t>
-            </a:r>
-            <a:r>
-              <a:rPr lang="en-US" sz="1400" dirty="0">
-                <a:hlinkClick r:id="rId4"/>
-              </a:rPr>
-              <a:t>https://www.oreilly.com/library/view/data-mining-and/9781118868706/9781118868706c21.xhtml</a:t>
-            </a:r>
-            <a:endParaRPr lang="en-US" sz="1400" dirty="0"/>
-          </a:p>
-          <a:p>
-            <a:r>
-              <a:rPr lang="en-US" sz="1400" dirty="0">
-                <a:hlinkClick r:id="rId5"/>
-              </a:rPr>
-              <a:t>https://scikit-learn.org/stable/modules/generated/sklearn.cluster.Birch.html</a:t>
-            </a:r>
-            <a:endParaRPr lang="en-US" sz="1400" dirty="0"/>
-          </a:p>
-          <a:p>
-            <a:r>
-              <a:rPr lang="en-US" sz="1400" dirty="0">
-                <a:hlinkClick r:id="rId6"/>
-              </a:rPr>
-              <a:t>https://www.geeksforgeeks.org/ml-birch-clustering/</a:t>
-            </a:r>
-            <a:endParaRPr lang="fa-IR" sz="1400" dirty="0">
-              <a:hlinkClick r:id="rId7"/>
-            </a:endParaRPr>
-          </a:p>
-          <a:p>
-            <a:r>
-              <a:rPr lang="en-US" sz="1400" dirty="0">
-                <a:hlinkClick r:id="rId7"/>
-              </a:rPr>
-              <a:t>https://en.wikipedia.org/wiki/Data_stream_clustering</a:t>
-            </a:r>
-            <a:endParaRPr lang="en-US" sz="1400" dirty="0"/>
-          </a:p>
-          <a:p>
-            <a:r>
-              <a:rPr lang="en-US" sz="1400" dirty="0">
-                <a:hlinkClick r:id="rId8"/>
-              </a:rPr>
-              <a:t>https://medium.com/@noel.cs21/balanced-iterative-reducing-and-clustering-using-heirachies-birch-5680adffaa58</a:t>
-            </a:r>
-            <a:r>
-              <a:rPr lang="en-US" sz="1400" dirty="0">
-                <a:hlinkClick r:id="rId9"/>
-              </a:rPr>
-              <a:t>https://www.youtube.com/watch?v=YWcDgX_pN-8</a:t>
-            </a:r>
-            <a:endParaRPr lang="en-US" sz="1400" dirty="0"/>
-          </a:p>
-          <a:p>
-            <a:r>
-              <a:rPr lang="en-US" sz="1400" dirty="0">
-                <a:hlinkClick r:id="rId10"/>
-              </a:rPr>
-              <a:t>https://www.youtube.com/watch?v=A4MzbYc4yCY</a:t>
-            </a:r>
-            <a:endParaRPr lang="en-US" sz="1400" dirty="0"/>
-          </a:p>
-          <a:p>
-            <a:r>
-              <a:rPr lang="en-US" sz="1400" dirty="0">
-                <a:hlinkClick r:id="rId2"/>
-              </a:rPr>
-              <a:t>https://www.sciencedirect.com/science/article/abs/pii/S0167739X19312786</a:t>
-            </a:r>
-            <a:endParaRPr lang="fa-IR" sz="1400" dirty="0"/>
-          </a:p>
-          <a:p>
-            <a:r>
-              <a:rPr lang="en-US" sz="1400" b="0" i="0" u="none" strike="noStrike" dirty="0">
-                <a:solidFill>
-                  <a:srgbClr val="1F1F1F"/>
-                </a:solidFill>
-                <a:effectLst/>
-                <a:latin typeface="ElsevierSans"/>
-                <a:hlinkClick r:id="rId11" tooltip="Persistent link using digital object identifier"/>
-              </a:rPr>
-              <a:t>https://doi.org/10.1016/j.future.2020.01.017</a:t>
-            </a:r>
-            <a:endParaRPr lang="fa-IR" sz="1400" b="0" i="0" u="none" strike="noStrike" dirty="0">
-              <a:solidFill>
-                <a:srgbClr val="1F1F1F"/>
-              </a:solidFill>
-              <a:effectLst/>
-              <a:latin typeface="ElsevierSans"/>
-            </a:endParaRPr>
-          </a:p>
-          <a:p>
-            <a:r>
-              <a:rPr lang="en-US" sz="1400" dirty="0">
-                <a:solidFill>
-                  <a:srgbClr val="1F1F1F"/>
-                </a:solidFill>
-                <a:latin typeface="ElsevierSans"/>
-                <a:hlinkClick r:id="rId12"/>
-              </a:rPr>
-              <a:t>https://www.logsign.com/blog/data-stream-clustering-methods-examples</a:t>
-            </a:r>
-            <a:endParaRPr lang="fa-IR" sz="1400" dirty="0">
-              <a:solidFill>
-                <a:srgbClr val="1F1F1F"/>
-              </a:solidFill>
-              <a:latin typeface="ElsevierSans"/>
-            </a:endParaRPr>
-          </a:p>
-          <a:p>
-            <a:r>
-              <a:rPr lang="en-US" sz="1400" dirty="0">
-                <a:solidFill>
-                  <a:srgbClr val="1F1F1F"/>
-                </a:solidFill>
-                <a:latin typeface="ElsevierSans"/>
-                <a:hlinkClick r:id="rId13"/>
-              </a:rPr>
-              <a:t>https://arxiv.org/abs/2210.08212</a:t>
-            </a:r>
-            <a:endParaRPr lang="en-US" sz="1400" dirty="0">
-              <a:solidFill>
-                <a:srgbClr val="1F1F1F"/>
-              </a:solidFill>
-              <a:latin typeface="ElsevierSans"/>
-            </a:endParaRPr>
-          </a:p>
-          <a:p>
-            <a:r>
-              <a:rPr lang="en-US" sz="1400" dirty="0">
-                <a:solidFill>
-                  <a:srgbClr val="1F1F1F"/>
-                </a:solidFill>
-                <a:latin typeface="ElsevierSans"/>
-                <a:hlinkClick r:id="rId14"/>
-              </a:rPr>
-              <a:t>https://github.com/dple/awesome-papers-and-source-code-for-anomaly-detection</a:t>
-            </a:r>
-            <a:endParaRPr lang="en-US" sz="1400" dirty="0">
-              <a:solidFill>
-                <a:srgbClr val="1F1F1F"/>
-              </a:solidFill>
-              <a:latin typeface="ElsevierSans"/>
-            </a:endParaRPr>
-          </a:p>
-          <a:p>
-            <a:r>
-              <a:rPr lang="en-US" sz="1400" dirty="0">
-                <a:hlinkClick r:id="rId15"/>
-              </a:rPr>
-              <a:t>https://www.iwrr.ir/article_87950.html</a:t>
-            </a:r>
-            <a:endParaRPr lang="en-US" sz="1400" dirty="0"/>
-          </a:p>
-          <a:p>
-            <a:r>
-              <a:rPr lang="en-US" sz="1400" dirty="0">
-                <a:hlinkClick r:id="rId16"/>
-              </a:rPr>
-              <a:t>https://www.sid.ir/paper/159026/fa</a:t>
-            </a:r>
-            <a:endParaRPr lang="en-US" sz="1400" dirty="0"/>
-          </a:p>
-          <a:p>
-            <a:r>
-              <a:rPr lang="en-US" sz="1400" dirty="0">
-                <a:hlinkClick r:id="rId17"/>
-              </a:rPr>
-              <a:t>https://smartinsight.ir/%D8%B1%D9%88%D8%B4-%D9%87%D8%A7%DB%8C-%D8%AF%D8%A7%D8%AF%D9%87-%DA%A9%D8%A7%D9%88%DB%8C/</a:t>
-            </a:r>
-            <a:endParaRPr lang="en-US" sz="1400" dirty="0"/>
-          </a:p>
-          <a:p>
-            <a:r>
-              <a:rPr lang="en-US" sz="1400" dirty="0">
-                <a:hlinkClick r:id="rId18"/>
-              </a:rPr>
-              <a:t>https://science.ut.ac.ir/documents/84413665/110319729/kord-asabi.pdf</a:t>
-            </a:r>
-            <a:endParaRPr lang="en-US" sz="1400" dirty="0"/>
-          </a:p>
-          <a:p>
-            <a:r>
-              <a:rPr lang="en-US" sz="1400" dirty="0">
-                <a:hlinkClick r:id="rId19"/>
-              </a:rPr>
-              <a:t>https://www.geeksforgeeks.org/clustering-in-data-mining</a:t>
-            </a:r>
-            <a:endParaRPr lang="en-US" sz="1400" dirty="0"/>
-          </a:p>
-          <a:p>
-            <a:r>
-              <a:rPr lang="en-US" sz="1400" dirty="0">
-                <a:hlinkClick r:id="rId20"/>
-              </a:rPr>
-              <a:t>https://www.geeksforgeeks.org/data-mining-cluster-analysis/</a:t>
-            </a:r>
-            <a:endParaRPr lang="en-US" sz="1400" dirty="0"/>
-          </a:p>
-          <a:p>
-            <a:r>
-              <a:rPr lang="en-US" sz="1400" dirty="0">
-                <a:solidFill>
-                  <a:srgbClr val="1F1F1F"/>
-                </a:solidFill>
-                <a:latin typeface="ElsevierSans"/>
-                <a:hlinkClick r:id="rId21"/>
-              </a:rPr>
-              <a:t>https://blogs.sap.com/2020/12/16/outlier-detection-by-clustering/</a:t>
-            </a:r>
-            <a:endParaRPr lang="en-US" sz="1400" dirty="0">
-              <a:solidFill>
-                <a:srgbClr val="1F1F1F"/>
-              </a:solidFill>
-              <a:latin typeface="ElsevierSans"/>
-            </a:endParaRPr>
-          </a:p>
-          <a:p>
-            <a:endParaRPr lang="en-US" sz="1400" dirty="0">
-              <a:solidFill>
-                <a:srgbClr val="1F1F1F"/>
-              </a:solidFill>
-              <a:latin typeface="ElsevierSans"/>
-            </a:endParaRPr>
+              <a:t>pij</a:t>
+            </a:r>
+            <a:r>
+              <a:rPr lang="en-US" dirty="0"/>
+              <a:t> and the center:</a:t>
+            </a:r>
           </a:p>
         </p:txBody>
       </p:sp>
     </p:spTree>
     <p:extLst>
       <p:ext uri="{BB962C8B-B14F-4D97-AF65-F5344CB8AC3E}">
-        <p14:creationId xmlns:p14="http://schemas.microsoft.com/office/powerpoint/2010/main" val="1371459742"/>
+        <p14:creationId xmlns:p14="http://schemas.microsoft.com/office/powerpoint/2010/main" val="4031450195"/>
       </p:ext>
     </p:extLst>
   </p:cSld>
@@ -5135,7 +5660,7 @@
           <p:cNvPr id="2" name="Title 1">
             <a:extLst>
               <a:ext uri="{FF2B5EF4-FFF2-40B4-BE49-F238E27FC236}">
-                <a16:creationId xmlns:a16="http://schemas.microsoft.com/office/drawing/2014/main" id="{AF1B050C-B724-3834-882B-56BEC9ABEF6C}"/>
+                <a16:creationId xmlns:a16="http://schemas.microsoft.com/office/drawing/2014/main" id="{66967A94-B7BF-88C0-5ECB-0743B667DF3F}"/>
               </a:ext>
             </a:extLst>
           </p:cNvPr>
@@ -5148,24 +5673,31 @@
         </p:nvSpPr>
         <p:spPr>
           <a:xfrm>
-            <a:off x="1484310" y="0"/>
-            <a:ext cx="10018713" cy="606105"/>
+            <a:off x="838200" y="18255"/>
+            <a:ext cx="10515600" cy="886909"/>
           </a:xfrm>
         </p:spPr>
         <p:txBody>
-          <a:bodyPr>
-            <a:normAutofit fontScale="90000"/>
-          </a:bodyPr>
+          <a:bodyPr/>
           <a:lstStyle/>
           <a:p>
             <a:r>
-              <a:rPr lang="en-US" dirty="0" err="1"/>
-              <a:t>Refrences</a:t>
-            </a:r>
-            <a:r>
-              <a:rPr lang="en-US" dirty="0"/>
-              <a:t>(cont...)</a:t>
-            </a:r>
+              <a:rPr lang="en-US" sz="4400" b="1" dirty="0" err="1"/>
+              <a:t>DenStream</a:t>
+            </a:r>
+            <a:r>
+              <a:rPr lang="en-US" sz="4400" b="1" dirty="0"/>
+              <a:t> Algo(</a:t>
+            </a:r>
+            <a:r>
+              <a:rPr lang="en-US" sz="4400" b="1" dirty="0" err="1"/>
+              <a:t>cont</a:t>
+            </a:r>
+            <a:r>
+              <a:rPr lang="en-US" sz="4400" b="1" dirty="0"/>
+              <a:t>…)</a:t>
+            </a:r>
+            <a:endParaRPr lang="en-US" dirty="0"/>
           </a:p>
         </p:txBody>
       </p:sp>
@@ -5174,7 +5706,7 @@
           <p:cNvPr id="3" name="Content Placeholder 2">
             <a:extLst>
               <a:ext uri="{FF2B5EF4-FFF2-40B4-BE49-F238E27FC236}">
-                <a16:creationId xmlns:a16="http://schemas.microsoft.com/office/drawing/2014/main" id="{CEA1E241-DF1B-CCBD-3EFB-37A85D75FAE6}"/>
+                <a16:creationId xmlns:a16="http://schemas.microsoft.com/office/drawing/2014/main" id="{11729400-8C27-7A8D-B1D4-07164361FEFE}"/>
               </a:ext>
             </a:extLst>
           </p:cNvPr>
@@ -5187,8 +5719,8 @@
         </p:nvSpPr>
         <p:spPr>
           <a:xfrm>
-            <a:off x="1484310" y="606105"/>
-            <a:ext cx="10018713" cy="6251895"/>
+            <a:off x="838200" y="905164"/>
+            <a:ext cx="10515600" cy="5772727"/>
           </a:xfrm>
         </p:spPr>
         <p:txBody>
@@ -5197,50 +5729,161 @@
           </a:bodyPr>
           <a:lstStyle/>
           <a:p>
-            <a:r>
-              <a:rPr lang="en-US" sz="1400" dirty="0">
-                <a:hlinkClick r:id="rId2"/>
-              </a:rPr>
-              <a:t>https://dl.acm.org/doi/10.1145/1557019.1557041</a:t>
-            </a:r>
-            <a:endParaRPr lang="en-US" sz="1400" dirty="0"/>
-          </a:p>
-          <a:p>
-            <a:r>
-              <a:rPr lang="en-US" sz="1400" dirty="0">
-                <a:hlinkClick r:id="rId3"/>
-              </a:rPr>
-              <a:t>https://dl.acm.org/action/downloadSupplement?doi=10.1145%2F1557019.1557041&amp;file=p139-bifet_nemeds_01.mp4</a:t>
-            </a:r>
-            <a:endParaRPr lang="en-US" sz="1400" dirty="0"/>
-          </a:p>
-          <a:p>
-            <a:r>
-              <a:rPr lang="en-US" sz="1400" dirty="0">
-                <a:hlinkClick r:id="rId4"/>
-              </a:rPr>
-              <a:t>https://python.plainenglish.io/how-does-the-dbscan-algorithm-work-pros-and-cons-of-dbscan-bbdd589d837a</a:t>
-            </a:r>
-            <a:endParaRPr lang="en-US" sz="1400" dirty="0"/>
-          </a:p>
-          <a:p>
-            <a:r>
-              <a:rPr lang="en-US" sz="1400" dirty="0">
-                <a:hlinkClick r:id="rId5"/>
-              </a:rPr>
-              <a:t>https://dzone.com/articles/data-streaming-in-osgi-r7-applications-with-osgi-r</a:t>
-            </a:r>
-            <a:endParaRPr lang="en-US" sz="1400" dirty="0"/>
-          </a:p>
-          <a:p>
-            <a:endParaRPr lang="en-US" sz="1400" dirty="0"/>
-          </a:p>
-        </p:txBody>
-      </p:sp>
+            <a:pPr marL="0" indent="0">
+              <a:buNone/>
+            </a:pPr>
+            <a:r>
+              <a:rPr lang="en-US" sz="2400" dirty="0"/>
+              <a:t>In an evolving data stream, the role of clusters and outliers often </a:t>
+            </a:r>
+            <a:r>
+              <a:rPr lang="en-US" sz="3200" b="1" dirty="0"/>
+              <a:t>exchange</a:t>
+            </a:r>
+            <a:r>
+              <a:rPr lang="en-US" sz="2400" dirty="0"/>
+              <a:t>, and any c-micro-cluster is formed gradually as the data stream proceeds. Therefore, we introduce the structures of </a:t>
+            </a:r>
+            <a:r>
+              <a:rPr lang="en-US" sz="2400" b="1" dirty="0"/>
+              <a:t>potential c-</a:t>
+            </a:r>
+            <a:r>
+              <a:rPr lang="en-US" sz="2400" b="1" dirty="0" err="1"/>
+              <a:t>microclusters</a:t>
+            </a:r>
+            <a:r>
+              <a:rPr lang="en-US" sz="2400" b="1" dirty="0"/>
+              <a:t> </a:t>
+            </a:r>
+            <a:r>
+              <a:rPr lang="en-US" sz="2400" dirty="0"/>
+              <a:t>and </a:t>
+            </a:r>
+            <a:r>
+              <a:rPr lang="en-US" sz="2400" b="1" dirty="0"/>
+              <a:t>outlier-micro-clusters</a:t>
+            </a:r>
+            <a:r>
+              <a:rPr lang="en-US" sz="2400" dirty="0"/>
+              <a:t> for incremental computation.</a:t>
+            </a:r>
+          </a:p>
+          <a:p>
+            <a:pPr marL="0" indent="0">
+              <a:buNone/>
+            </a:pPr>
+            <a:r>
+              <a:rPr lang="en-US" sz="3600" b="1" dirty="0"/>
+              <a:t>PMC(Potential-micro-clusters):</a:t>
+            </a:r>
+          </a:p>
+          <a:p>
+            <a:pPr marL="0" indent="0">
+              <a:buNone/>
+            </a:pPr>
+            <a:r>
+              <a:rPr lang="en-US" sz="2400" dirty="0"/>
+              <a:t>Condition: 	</a:t>
+            </a:r>
+            <a:r>
+              <a:rPr lang="en-US" sz="2400" b="1" dirty="0"/>
+              <a:t>w ≥ </a:t>
+            </a:r>
+            <a:r>
+              <a:rPr lang="el-GR" sz="2400" b="1" dirty="0"/>
+              <a:t>βµ</a:t>
+            </a:r>
+            <a:r>
+              <a:rPr lang="en-US" sz="2400" b="1" dirty="0"/>
+              <a:t>		</a:t>
+            </a:r>
+            <a:r>
+              <a:rPr lang="en-US" sz="2400" dirty="0"/>
+              <a:t>,</a:t>
+            </a:r>
+            <a:r>
+              <a:rPr lang="en-US" sz="2400" b="1" dirty="0"/>
+              <a:t> </a:t>
+            </a:r>
+            <a:r>
+              <a:rPr lang="en-US" sz="2000" dirty="0"/>
+              <a:t>where : </a:t>
+            </a:r>
+            <a:r>
+              <a:rPr lang="el-GR" sz="3200" b="1" dirty="0"/>
+              <a:t>µ</a:t>
+            </a:r>
+            <a:r>
+              <a:rPr lang="en-US" sz="2400" dirty="0"/>
+              <a:t> is overall weight of data points</a:t>
+            </a:r>
+            <a:endParaRPr lang="en-US" sz="2400" b="1" dirty="0"/>
+          </a:p>
+          <a:p>
+            <a:pPr marL="0" indent="0">
+              <a:buNone/>
+            </a:pPr>
+            <a:r>
+              <a:rPr lang="en-US" sz="2400" dirty="0"/>
+              <a:t>Where</a:t>
+            </a:r>
+            <a:r>
+              <a:rPr lang="en-US" sz="2400" b="1" dirty="0"/>
+              <a:t>: </a:t>
+            </a:r>
+            <a:r>
+              <a:rPr lang="el-GR" sz="1600" dirty="0"/>
+              <a:t> </a:t>
+            </a:r>
+            <a:r>
+              <a:rPr lang="el-GR" sz="2400" b="1" dirty="0"/>
+              <a:t>0 &lt; β ≤ 1</a:t>
+            </a:r>
+            <a:endParaRPr lang="en-US" sz="2400" b="1" dirty="0"/>
+          </a:p>
+          <a:p>
+            <a:pPr marL="0" indent="0">
+              <a:buNone/>
+            </a:pPr>
+            <a:endParaRPr lang="en-US" sz="2400" dirty="0"/>
+          </a:p>
+        </p:txBody>
+      </p:sp>
+      <p:pic>
+        <p:nvPicPr>
+          <p:cNvPr id="5" name="Picture 4">
+            <a:extLst>
+              <a:ext uri="{FF2B5EF4-FFF2-40B4-BE49-F238E27FC236}">
+                <a16:creationId xmlns:a16="http://schemas.microsoft.com/office/drawing/2014/main" id="{9087C73C-0E51-3B59-2C34-ACCA2093E98D}"/>
+              </a:ext>
+            </a:extLst>
+          </p:cNvPr>
+          <p:cNvPicPr>
+            <a:picLocks noChangeAspect="1"/>
+          </p:cNvPicPr>
+          <p:nvPr/>
+        </p:nvPicPr>
+        <p:blipFill>
+          <a:blip r:embed="rId2"/>
+          <a:stretch>
+            <a:fillRect/>
+          </a:stretch>
+        </p:blipFill>
+        <p:spPr>
+          <a:xfrm>
+            <a:off x="5911273" y="3614442"/>
+            <a:ext cx="5628626" cy="3063449"/>
+          </a:xfrm>
+          <a:prstGeom prst="rect">
+            <a:avLst/>
+          </a:prstGeom>
+        </p:spPr>
+      </p:pic>
     </p:spTree>
     <p:extLst>
       <p:ext uri="{BB962C8B-B14F-4D97-AF65-F5344CB8AC3E}">
-        <p14:creationId xmlns:p14="http://schemas.microsoft.com/office/powerpoint/2010/main" val="2472910517"/>
+        <p14:creationId xmlns:p14="http://schemas.microsoft.com/office/powerpoint/2010/main" val="2073841357"/>
       </p:ext>
     </p:extLst>
   </p:cSld>
@@ -5251,175 +5894,6 @@
 </file>
 
 <file path=ppt/slides/slide2.xml><?xml version="1.0" encoding="utf-8"?>
-<p:sld xmlns:a="http://schemas.openxmlformats.org/drawingml/2006/main" xmlns:r="http://schemas.openxmlformats.org/officeDocument/2006/relationships" xmlns:p="http://schemas.openxmlformats.org/presentationml/2006/main">
-  <p:cSld>
-    <p:spTree>
-      <p:nvGrpSpPr>
-        <p:cNvPr id="1" name=""/>
-        <p:cNvGrpSpPr/>
-        <p:nvPr/>
-      </p:nvGrpSpPr>
-      <p:grpSpPr>
-        <a:xfrm>
-          <a:off x="0" y="0"/>
-          <a:ext cx="0" cy="0"/>
-          <a:chOff x="0" y="0"/>
-          <a:chExt cx="0" cy="0"/>
-        </a:xfrm>
-      </p:grpSpPr>
-      <p:sp>
-        <p:nvSpPr>
-          <p:cNvPr id="2" name="Title 1">
-            <a:extLst>
-              <a:ext uri="{FF2B5EF4-FFF2-40B4-BE49-F238E27FC236}">
-                <a16:creationId xmlns:a16="http://schemas.microsoft.com/office/drawing/2014/main" id="{21B60227-9F85-4E18-BC83-3B6B30F69821}"/>
-              </a:ext>
-            </a:extLst>
-          </p:cNvPr>
-          <p:cNvSpPr>
-            <a:spLocks noGrp="1"/>
-          </p:cNvSpPr>
-          <p:nvPr>
-            <p:ph type="title"/>
-          </p:nvPr>
-        </p:nvSpPr>
-        <p:spPr/>
-        <p:txBody>
-          <a:bodyPr/>
-          <a:lstStyle/>
-          <a:p>
-            <a:endParaRPr lang="en-US"/>
-          </a:p>
-        </p:txBody>
-      </p:sp>
-      <p:sp>
-        <p:nvSpPr>
-          <p:cNvPr id="3" name="Content Placeholder 2">
-            <a:extLst>
-              <a:ext uri="{FF2B5EF4-FFF2-40B4-BE49-F238E27FC236}">
-                <a16:creationId xmlns:a16="http://schemas.microsoft.com/office/drawing/2014/main" id="{FB6941E6-C58B-4BB9-A0A2-64B03DBC7223}"/>
-              </a:ext>
-            </a:extLst>
-          </p:cNvPr>
-          <p:cNvSpPr>
-            <a:spLocks noGrp="1"/>
-          </p:cNvSpPr>
-          <p:nvPr>
-            <p:ph idx="1"/>
-          </p:nvPr>
-        </p:nvSpPr>
-        <p:spPr>
-          <a:xfrm>
-            <a:off x="838200" y="1825625"/>
-            <a:ext cx="10515600" cy="4667250"/>
-          </a:xfrm>
-        </p:spPr>
-        <p:txBody>
-          <a:bodyPr>
-            <a:normAutofit/>
-          </a:bodyPr>
-          <a:lstStyle/>
-          <a:p>
-            <a:pPr algn="r" rtl="1"/>
-            <a:br>
-              <a:rPr lang="fa-IR" sz="1800" dirty="0"/>
-            </a:br>
-            <a:r>
-              <a:rPr lang="fa-IR" sz="1800" dirty="0"/>
-              <a:t>برای کشف داده‌های پرت در جریان داده، یکی از روش‌های مورد استفاده خوشه‌بندی است. خوشه‌بندی به ما کمک می‌کند تا داده‌ها را به گروه‌های مشابه تقسیم کنیم و داده‌های پرت را از خوشه‌های عادی تشخیص دهیم. یکی از الگوریتم‌های خوشه‌بندی معروف برای کشف داده‌های پرت، الگوریتم </a:t>
-            </a:r>
-            <a:r>
-              <a:rPr lang="en-US" sz="1800" dirty="0"/>
-              <a:t>DBSCAN </a:t>
-            </a:r>
-            <a:r>
-              <a:rPr lang="fa-IR" sz="1800" dirty="0"/>
-              <a:t>است.</a:t>
-            </a:r>
-          </a:p>
-          <a:p>
-            <a:pPr algn="r" rtl="1"/>
-            <a:r>
-              <a:rPr lang="en-US" sz="1800" dirty="0"/>
-              <a:t>DBSCAN (Density-Based Spatial Clustering of Applications with Noise) </a:t>
-            </a:r>
-            <a:r>
-              <a:rPr lang="fa-IR" sz="1800" dirty="0"/>
-              <a:t>یک الگوریتم خوشه‌بندی است که بر اساس چگالی داده‌ها عمل می‌کند. این الگوریتم به ما امکان می‌دهد خوشه‌هایی را که دارای چگالی بالا هستند تشخیص دهیم و داده‌های پرت را از خوشه‌های کم چگال جدا کنیم. با استفاده از </a:t>
-            </a:r>
-            <a:r>
-              <a:rPr lang="en-US" sz="1800" dirty="0"/>
-              <a:t>DBSCAN، </a:t>
-            </a:r>
-            <a:r>
-              <a:rPr lang="fa-IR" sz="1800" dirty="0"/>
-              <a:t>می‌توانیم داده‌های پرت را در جریان داده شناسایی کنیم.</a:t>
-            </a:r>
-          </a:p>
-          <a:p>
-            <a:pPr algn="r" rtl="1"/>
-            <a:r>
-              <a:rPr lang="fa-IR" sz="1800" dirty="0"/>
-              <a:t>در این روش، ابتدا باید پارامترهایی مانند شعاع همسایگی و تعداد حداقل داده‌ها برای تشکیل یک خوشه را تعیین کنیم. سپس الگوریتم </a:t>
-            </a:r>
-            <a:r>
-              <a:rPr lang="en-US" sz="1800" dirty="0"/>
-              <a:t>DBSCAN </a:t>
-            </a:r>
-            <a:r>
-              <a:rPr lang="fa-IR" sz="1800" dirty="0"/>
-              <a:t>را روی داده‌ها اجرا می‌کنیم تا خوشه‌ها و داده‌های پرت را شناسایی کنیم.</a:t>
-            </a:r>
-          </a:p>
-          <a:p>
-            <a:pPr algn="r" rtl="1"/>
-            <a:r>
-              <a:rPr lang="fa-IR" sz="1800" dirty="0"/>
-              <a:t>استفاده از خوشه‌بندی برای کشف داده‌های پرت در جریان داده می‌تواند در بسیاری از حوزه‌ها مفید باشد، از جمله تحلیل داده‌های حجیم، تشخیص تقلب در تراکنش‌های مالی، تحلیل رفتار کاربران در شبکه‌های اجتماعی و غیره.</a:t>
-            </a:r>
-          </a:p>
-          <a:p>
-            <a:pPr algn="r" rtl="1"/>
-            <a:r>
-              <a:rPr lang="fa-IR" sz="1800" b="1" dirty="0"/>
-              <a:t>منابع:</a:t>
-            </a:r>
-            <a:endParaRPr lang="fa-IR" sz="1800" dirty="0"/>
-          </a:p>
-          <a:p>
-            <a:pPr algn="r" rtl="1"/>
-            <a:r>
-              <a:rPr lang="fa-IR" sz="1800" dirty="0"/>
-              <a:t>' ...'</a:t>
-            </a:r>
-          </a:p>
-          <a:p>
-            <a:pPr algn="r" rtl="1"/>
-            <a:r>
-              <a:rPr lang="fa-IR" sz="1800" dirty="0"/>
-              <a:t>'</a:t>
-            </a:r>
-            <a:r>
-              <a:rPr lang="en-US" sz="1800" dirty="0"/>
-              <a:t>A Conceptual Framework for Preprocessing and Improving Quality ...'</a:t>
-            </a:r>
-          </a:p>
-        </p:txBody>
-      </p:sp>
-    </p:spTree>
-    <p:extLst>
-      <p:ext uri="{BB962C8B-B14F-4D97-AF65-F5344CB8AC3E}">
-        <p14:creationId xmlns:p14="http://schemas.microsoft.com/office/powerpoint/2010/main" val="2633416651"/>
-      </p:ext>
-    </p:extLst>
-  </p:cSld>
-  <p:clrMapOvr>
-    <a:masterClrMapping/>
-  </p:clrMapOvr>
-</p:sld>
-</file>
-
-<file path=ppt/slides/slide3.xml><?xml version="1.0" encoding="utf-8"?>
 <p:sld xmlns:a="http://schemas.openxmlformats.org/drawingml/2006/main" xmlns:r="http://schemas.openxmlformats.org/officeDocument/2006/relationships" xmlns:p="http://schemas.openxmlformats.org/presentationml/2006/main">
   <p:cSld>
     <p:spTree>
@@ -5625,7 +6099,7 @@
 </p:sld>
 </file>
 
-<file path=ppt/slides/slide4.xml><?xml version="1.0" encoding="utf-8"?>
+<file path=ppt/slides/slide20.xml><?xml version="1.0" encoding="utf-8"?>
 <p:sld xmlns:a="http://schemas.openxmlformats.org/drawingml/2006/main" xmlns:r="http://schemas.openxmlformats.org/officeDocument/2006/relationships" xmlns:p="http://schemas.openxmlformats.org/presentationml/2006/main">
   <p:cSld>
     <p:spTree>
@@ -5647,6 +6121,1560 @@
           <p:cNvPr id="2" name="Title 1">
             <a:extLst>
               <a:ext uri="{FF2B5EF4-FFF2-40B4-BE49-F238E27FC236}">
+                <a16:creationId xmlns:a16="http://schemas.microsoft.com/office/drawing/2014/main" id="{66967A94-B7BF-88C0-5ECB-0743B667DF3F}"/>
+              </a:ext>
+            </a:extLst>
+          </p:cNvPr>
+          <p:cNvSpPr>
+            <a:spLocks noGrp="1"/>
+          </p:cNvSpPr>
+          <p:nvPr>
+            <p:ph type="title"/>
+          </p:nvPr>
+        </p:nvSpPr>
+        <p:spPr>
+          <a:xfrm>
+            <a:off x="838200" y="18255"/>
+            <a:ext cx="10515600" cy="886909"/>
+          </a:xfrm>
+        </p:spPr>
+        <p:txBody>
+          <a:bodyPr/>
+          <a:lstStyle/>
+          <a:p>
+            <a:r>
+              <a:rPr lang="en-US" sz="4400" b="1" dirty="0" err="1"/>
+              <a:t>DenStream</a:t>
+            </a:r>
+            <a:r>
+              <a:rPr lang="en-US" sz="4400" b="1" dirty="0"/>
+              <a:t> Algo(</a:t>
+            </a:r>
+            <a:r>
+              <a:rPr lang="en-US" sz="4400" b="1" dirty="0" err="1"/>
+              <a:t>cont</a:t>
+            </a:r>
+            <a:r>
+              <a:rPr lang="en-US" sz="4400" b="1" dirty="0"/>
+              <a:t>…)</a:t>
+            </a:r>
+            <a:endParaRPr lang="en-US" dirty="0"/>
+          </a:p>
+        </p:txBody>
+      </p:sp>
+      <p:sp>
+        <p:nvSpPr>
+          <p:cNvPr id="3" name="Content Placeholder 2">
+            <a:extLst>
+              <a:ext uri="{FF2B5EF4-FFF2-40B4-BE49-F238E27FC236}">
+                <a16:creationId xmlns:a16="http://schemas.microsoft.com/office/drawing/2014/main" id="{11729400-8C27-7A8D-B1D4-07164361FEFE}"/>
+              </a:ext>
+            </a:extLst>
+          </p:cNvPr>
+          <p:cNvSpPr>
+            <a:spLocks noGrp="1"/>
+          </p:cNvSpPr>
+          <p:nvPr>
+            <p:ph idx="1"/>
+          </p:nvPr>
+        </p:nvSpPr>
+        <p:spPr>
+          <a:xfrm>
+            <a:off x="838200" y="905164"/>
+            <a:ext cx="10515600" cy="5772727"/>
+          </a:xfrm>
+        </p:spPr>
+        <p:txBody>
+          <a:bodyPr>
+            <a:normAutofit/>
+          </a:bodyPr>
+          <a:lstStyle/>
+          <a:p>
+            <a:pPr marL="0" indent="0">
+              <a:buNone/>
+            </a:pPr>
+            <a:r>
+              <a:rPr lang="en-US" sz="3600" b="1" dirty="0"/>
+              <a:t>OMC(outlier-micro-clusters):</a:t>
+            </a:r>
+          </a:p>
+          <a:p>
+            <a:pPr marL="0" indent="0">
+              <a:buNone/>
+            </a:pPr>
+            <a:r>
+              <a:rPr lang="en-US" sz="3600" b="1" dirty="0"/>
+              <a:t>w &lt; </a:t>
+            </a:r>
+            <a:r>
+              <a:rPr lang="el-GR" sz="3600" b="1" dirty="0"/>
+              <a:t>βµ </a:t>
+            </a:r>
+            <a:endParaRPr lang="en-US" sz="3600" b="1" dirty="0"/>
+          </a:p>
+          <a:p>
+            <a:pPr marL="0" indent="0">
+              <a:buNone/>
+            </a:pPr>
+            <a:endParaRPr lang="en-US" sz="3600" b="1" dirty="0"/>
+          </a:p>
+          <a:p>
+            <a:pPr marL="0" indent="0">
+              <a:buNone/>
+            </a:pPr>
+            <a:endParaRPr lang="en-US" sz="3600" b="1" dirty="0"/>
+          </a:p>
+          <a:p>
+            <a:pPr marL="0" indent="0">
+              <a:buNone/>
+            </a:pPr>
+            <a:endParaRPr lang="en-US" sz="3600" b="1" dirty="0"/>
+          </a:p>
+          <a:p>
+            <a:pPr marL="0" indent="0">
+              <a:buNone/>
+            </a:pPr>
+            <a:endParaRPr lang="en-US" sz="3600" b="1" dirty="0"/>
+          </a:p>
+          <a:p>
+            <a:pPr marL="0" indent="0">
+              <a:buNone/>
+            </a:pPr>
+            <a:endParaRPr lang="en-US" sz="3600" b="1" dirty="0"/>
+          </a:p>
+          <a:p>
+            <a:pPr marL="0" indent="0">
+              <a:buNone/>
+            </a:pPr>
+            <a:r>
+              <a:rPr lang="en-US" sz="3600" dirty="0"/>
+              <a:t>Where</a:t>
+            </a:r>
+            <a:r>
+              <a:rPr lang="en-US" sz="3600" b="1" dirty="0"/>
+              <a:t>:	</a:t>
+            </a:r>
+            <a:r>
+              <a:rPr lang="el-GR" sz="2400" dirty="0"/>
+              <a:t> </a:t>
+            </a:r>
+            <a:r>
+              <a:rPr lang="el-GR" sz="3600" b="1" dirty="0"/>
+              <a:t>0 &lt; β ≤ 1</a:t>
+            </a:r>
+            <a:endParaRPr lang="en-US" sz="3600" b="1" dirty="0"/>
+          </a:p>
+        </p:txBody>
+      </p:sp>
+      <p:pic>
+        <p:nvPicPr>
+          <p:cNvPr id="9" name="Picture 8">
+            <a:extLst>
+              <a:ext uri="{FF2B5EF4-FFF2-40B4-BE49-F238E27FC236}">
+                <a16:creationId xmlns:a16="http://schemas.microsoft.com/office/drawing/2014/main" id="{37E7B2D1-D789-9AC3-8A7E-BE3B745E3BDF}"/>
+              </a:ext>
+            </a:extLst>
+          </p:cNvPr>
+          <p:cNvPicPr>
+            <a:picLocks noChangeAspect="1"/>
+          </p:cNvPicPr>
+          <p:nvPr/>
+        </p:nvPicPr>
+        <p:blipFill>
+          <a:blip r:embed="rId2">
+            <a:extLst>
+              <a:ext uri="{28A0092B-C50C-407E-A947-70E740481C1C}">
+                <a14:useLocalDpi xmlns:a14="http://schemas.microsoft.com/office/drawing/2010/main" val="0"/>
+              </a:ext>
+            </a:extLst>
+          </a:blip>
+          <a:stretch>
+            <a:fillRect/>
+          </a:stretch>
+        </p:blipFill>
+        <p:spPr>
+          <a:xfrm>
+            <a:off x="3084946" y="1626082"/>
+            <a:ext cx="9107054" cy="3755902"/>
+          </a:xfrm>
+          <a:prstGeom prst="rect">
+            <a:avLst/>
+          </a:prstGeom>
+        </p:spPr>
+      </p:pic>
+    </p:spTree>
+    <p:extLst>
+      <p:ext uri="{BB962C8B-B14F-4D97-AF65-F5344CB8AC3E}">
+        <p14:creationId xmlns:p14="http://schemas.microsoft.com/office/powerpoint/2010/main" val="2661364374"/>
+      </p:ext>
+    </p:extLst>
+  </p:cSld>
+  <p:clrMapOvr>
+    <a:masterClrMapping/>
+  </p:clrMapOvr>
+</p:sld>
+</file>
+
+<file path=ppt/slides/slide21.xml><?xml version="1.0" encoding="utf-8"?>
+<p:sld xmlns:a="http://schemas.openxmlformats.org/drawingml/2006/main" xmlns:r="http://schemas.openxmlformats.org/officeDocument/2006/relationships" xmlns:p="http://schemas.openxmlformats.org/presentationml/2006/main">
+  <p:cSld>
+    <p:spTree>
+      <p:nvGrpSpPr>
+        <p:cNvPr id="1" name=""/>
+        <p:cNvGrpSpPr/>
+        <p:nvPr/>
+      </p:nvGrpSpPr>
+      <p:grpSpPr>
+        <a:xfrm>
+          <a:off x="0" y="0"/>
+          <a:ext cx="0" cy="0"/>
+          <a:chOff x="0" y="0"/>
+          <a:chExt cx="0" cy="0"/>
+        </a:xfrm>
+      </p:grpSpPr>
+      <p:sp>
+        <p:nvSpPr>
+          <p:cNvPr id="2" name="Title 1">
+            <a:extLst>
+              <a:ext uri="{FF2B5EF4-FFF2-40B4-BE49-F238E27FC236}">
+                <a16:creationId xmlns:a16="http://schemas.microsoft.com/office/drawing/2014/main" id="{66967A94-B7BF-88C0-5ECB-0743B667DF3F}"/>
+              </a:ext>
+            </a:extLst>
+          </p:cNvPr>
+          <p:cNvSpPr>
+            <a:spLocks noGrp="1"/>
+          </p:cNvSpPr>
+          <p:nvPr>
+            <p:ph type="title"/>
+          </p:nvPr>
+        </p:nvSpPr>
+        <p:spPr>
+          <a:xfrm>
+            <a:off x="838200" y="18255"/>
+            <a:ext cx="10515600" cy="886909"/>
+          </a:xfrm>
+        </p:spPr>
+        <p:txBody>
+          <a:bodyPr/>
+          <a:lstStyle/>
+          <a:p>
+            <a:r>
+              <a:rPr lang="en-US" sz="4400" b="1" dirty="0" err="1"/>
+              <a:t>DenStream</a:t>
+            </a:r>
+            <a:r>
+              <a:rPr lang="en-US" sz="4400" b="1" dirty="0"/>
+              <a:t> Algo(</a:t>
+            </a:r>
+            <a:r>
+              <a:rPr lang="en-US" sz="4400" b="1" dirty="0" err="1"/>
+              <a:t>cont</a:t>
+            </a:r>
+            <a:r>
+              <a:rPr lang="en-US" sz="4400" b="1" dirty="0"/>
+              <a:t>…)</a:t>
+            </a:r>
+            <a:endParaRPr lang="en-US" dirty="0"/>
+          </a:p>
+        </p:txBody>
+      </p:sp>
+      <mc:AlternateContent xmlns:mc="http://schemas.openxmlformats.org/markup-compatibility/2006">
+        <mc:Choice xmlns:a14="http://schemas.microsoft.com/office/drawing/2010/main" Requires="a14">
+          <p:sp>
+            <p:nvSpPr>
+              <p:cNvPr id="3" name="Content Placeholder 2">
+                <a:extLst>
+                  <a:ext uri="{FF2B5EF4-FFF2-40B4-BE49-F238E27FC236}">
+                    <a16:creationId xmlns:a16="http://schemas.microsoft.com/office/drawing/2014/main" id="{11729400-8C27-7A8D-B1D4-07164361FEFE}"/>
+                  </a:ext>
+                </a:extLst>
+              </p:cNvPr>
+              <p:cNvSpPr>
+                <a:spLocks noGrp="1"/>
+              </p:cNvSpPr>
+              <p:nvPr>
+                <p:ph idx="1"/>
+              </p:nvPr>
+            </p:nvSpPr>
+            <p:spPr>
+              <a:xfrm>
+                <a:off x="838200" y="988291"/>
+                <a:ext cx="10515600" cy="5772727"/>
+              </a:xfrm>
+            </p:spPr>
+            <p:txBody>
+              <a:bodyPr>
+                <a:normAutofit fontScale="92500" lnSpcReduction="10000"/>
+              </a:bodyPr>
+              <a:lstStyle/>
+              <a:p>
+                <a:pPr marL="0" indent="0">
+                  <a:buNone/>
+                </a:pPr>
+                <a:r>
+                  <a:rPr lang="en-US" sz="3600" b="1" dirty="0"/>
+                  <a:t>Merging stage</a:t>
+                </a:r>
+              </a:p>
+              <a:p>
+                <a:r>
+                  <a:rPr lang="en-US" sz="2400" dirty="0"/>
+                  <a:t>Initially, attempt to add point </a:t>
+                </a:r>
+                <a:r>
+                  <a:rPr lang="en-US" sz="2400" b="1" dirty="0"/>
+                  <a:t>'p</a:t>
+                </a:r>
+                <a:r>
+                  <a:rPr lang="en-US" sz="2400" dirty="0"/>
+                  <a:t>' to its nearest p-micro-cluster </a:t>
+                </a:r>
+                <a:r>
+                  <a:rPr lang="en-US" sz="2400" b="1" dirty="0"/>
+                  <a:t>‘PMC</a:t>
+                </a:r>
+                <a:r>
+                  <a:rPr lang="en-US" sz="2400" dirty="0"/>
+                  <a:t>’.</a:t>
+                </a:r>
+              </a:p>
+              <a:p>
+                <a:r>
+                  <a:rPr lang="en-US" sz="2400" dirty="0"/>
+                  <a:t>If </a:t>
+                </a:r>
+                <a:r>
+                  <a:rPr lang="en-US" sz="2400" b="1" dirty="0"/>
+                  <a:t>P </a:t>
+                </a:r>
+                <a:r>
+                  <a:rPr lang="en-US" sz="2400" dirty="0"/>
+                  <a:t>can't merge with a PMC, try merging it into the nearest o-micro-cluster </a:t>
+                </a:r>
+                <a:r>
+                  <a:rPr lang="en-US" sz="2400" b="1" dirty="0"/>
+                  <a:t>‘OMC</a:t>
+                </a:r>
+                <a:r>
+                  <a:rPr lang="en-US" sz="2400" dirty="0"/>
+                  <a:t>’</a:t>
+                </a:r>
+              </a:p>
+              <a:p>
+                <a:pPr lvl="1"/>
+                <a:r>
+                  <a:rPr lang="en-US" sz="2000" dirty="0"/>
+                  <a:t>And add each outlier (or CMC) to a buffer</a:t>
+                </a:r>
+                <a:endParaRPr lang="fa-IR" sz="2000" dirty="0"/>
+              </a:p>
+              <a:p>
+                <a:pPr lvl="1"/>
+                <a:r>
+                  <a:rPr lang="en-US" sz="2000" dirty="0"/>
+                  <a:t>The p may be an outlier or the </a:t>
+                </a:r>
+                <a:r>
+                  <a:rPr lang="en-US" sz="2000" b="1" dirty="0"/>
+                  <a:t>seed</a:t>
+                </a:r>
+                <a:r>
+                  <a:rPr lang="en-US" sz="2000" dirty="0"/>
+                  <a:t> of a</a:t>
+                </a:r>
+                <a:r>
+                  <a:rPr lang="fa-IR" sz="2000" dirty="0"/>
+                  <a:t> </a:t>
+                </a:r>
+                <a:r>
+                  <a:rPr lang="en-US" sz="2000" dirty="0"/>
+                  <a:t>new micro-cluster.</a:t>
+                </a:r>
+                <a:endParaRPr lang="en-US" sz="2400" dirty="0"/>
+              </a:p>
+              <a:p>
+                <a:pPr marL="0" indent="0">
+                  <a:buNone/>
+                </a:pPr>
+                <a:r>
+                  <a:rPr lang="en-US" sz="2400" dirty="0"/>
+                  <a:t>Issue of this approach:</a:t>
+                </a:r>
+                <a:endParaRPr lang="en-US" sz="4000" dirty="0"/>
+              </a:p>
+              <a:p>
+                <a:r>
+                  <a:rPr lang="en-US" sz="2400" dirty="0"/>
+                  <a:t>The memory space increases </a:t>
+                </a:r>
+                <a:r>
+                  <a:rPr lang="en-US" sz="2400" b="1" dirty="0"/>
+                  <a:t>infinitely</a:t>
+                </a:r>
+                <a:r>
+                  <a:rPr lang="en-US" sz="2400" dirty="0"/>
+                  <a:t>! Cause buffer overflow.</a:t>
+                </a:r>
+              </a:p>
+              <a:p>
+                <a:pPr marL="0" indent="0">
+                  <a:buNone/>
+                </a:pPr>
+                <a:r>
+                  <a:rPr lang="en-US" sz="3600" b="1" dirty="0"/>
+                  <a:t>Cleaning Stage</a:t>
+                </a:r>
+                <a:endParaRPr lang="en-US" sz="3600" dirty="0"/>
+              </a:p>
+              <a:p>
+                <a:r>
+                  <a:rPr lang="en-US" sz="2400" b="1" dirty="0"/>
+                  <a:t>clean</a:t>
+                </a:r>
+                <a:r>
+                  <a:rPr lang="en-US" sz="2400" dirty="0"/>
+                  <a:t> the buffer </a:t>
+                </a:r>
+                <a:r>
+                  <a:rPr lang="en-US" sz="2400" b="1" dirty="0"/>
+                  <a:t>periodically</a:t>
+                </a:r>
+                <a:r>
+                  <a:rPr lang="en-US" sz="2400" dirty="0"/>
+                  <a:t>.</a:t>
+                </a:r>
+              </a:p>
+              <a:p>
+                <a:pPr marL="0" indent="0">
+                  <a:buNone/>
+                </a:pPr>
+                <a14:m>
+                  <m:oMathPara xmlns:m="http://schemas.openxmlformats.org/officeDocument/2006/math">
+                    <m:oMathParaPr>
+                      <m:jc m:val="centerGroup"/>
+                    </m:oMathParaPr>
+                    <m:oMath xmlns:m="http://schemas.openxmlformats.org/officeDocument/2006/math">
+                      <m:sSub>
+                        <m:sSubPr>
+                          <m:ctrlPr>
+                            <a:rPr lang="en-US" sz="3200" b="1" i="1" smtClean="0">
+                              <a:latin typeface="Cambria Math" panose="02040503050406030204" pitchFamily="18" charset="0"/>
+                            </a:rPr>
+                          </m:ctrlPr>
+                        </m:sSubPr>
+                        <m:e>
+                          <m:r>
+                            <a:rPr lang="en-US" sz="3200" b="1" i="1" smtClean="0">
+                              <a:latin typeface="Cambria Math" panose="02040503050406030204" pitchFamily="18" charset="0"/>
+                            </a:rPr>
+                            <m:t>𝑻</m:t>
+                          </m:r>
+                        </m:e>
+                        <m:sub>
+                          <m:sSup>
+                            <m:sSupPr>
+                              <m:ctrlPr>
+                                <a:rPr lang="en-US" sz="3200" b="1" i="1" smtClean="0">
+                                  <a:latin typeface="Cambria Math" panose="02040503050406030204" pitchFamily="18" charset="0"/>
+                                </a:rPr>
+                              </m:ctrlPr>
+                            </m:sSupPr>
+                            <m:e>
+                              <m:r>
+                                <a:rPr lang="en-US" sz="3200" b="1" i="1" smtClean="0">
+                                  <a:latin typeface="Cambria Math" panose="02040503050406030204" pitchFamily="18" charset="0"/>
+                                </a:rPr>
+                                <m:t>𝒑</m:t>
+                              </m:r>
+                            </m:e>
+                            <m:sup>
+                              <m:r>
+                                <a:rPr lang="en-US" sz="3200" b="1" i="1" smtClean="0">
+                                  <a:latin typeface="Cambria Math" panose="02040503050406030204" pitchFamily="18" charset="0"/>
+                                </a:rPr>
+                                <m:t> </m:t>
+                              </m:r>
+                            </m:sup>
+                          </m:sSup>
+                        </m:sub>
+                      </m:sSub>
+                      <m:r>
+                        <a:rPr lang="en-US" sz="3200" b="1" i="1" smtClean="0">
+                          <a:latin typeface="Cambria Math" panose="02040503050406030204" pitchFamily="18" charset="0"/>
+                        </a:rPr>
+                        <m:t>=</m:t>
+                      </m:r>
+                      <m:d>
+                        <m:dPr>
+                          <m:begChr m:val="⌈"/>
+                          <m:endChr m:val=""/>
+                          <m:ctrlPr>
+                            <a:rPr lang="en-US" sz="3200" b="1" i="1" smtClean="0">
+                              <a:latin typeface="Cambria Math" panose="02040503050406030204" pitchFamily="18" charset="0"/>
+                            </a:rPr>
+                          </m:ctrlPr>
+                        </m:dPr>
+                        <m:e>
+                          <m:f>
+                            <m:fPr>
+                              <m:ctrlPr>
+                                <a:rPr lang="en-US" sz="3200" b="1" i="1" smtClean="0">
+                                  <a:latin typeface="Cambria Math" panose="02040503050406030204" pitchFamily="18" charset="0"/>
+                                </a:rPr>
+                              </m:ctrlPr>
+                            </m:fPr>
+                            <m:num>
+                              <m:r>
+                                <a:rPr lang="en-US" sz="3200" b="1" i="1" smtClean="0">
+                                  <a:latin typeface="Cambria Math" panose="02040503050406030204" pitchFamily="18" charset="0"/>
+                                </a:rPr>
+                                <m:t>𝟏</m:t>
+                              </m:r>
+                            </m:num>
+                            <m:den>
+                              <m:r>
+                                <m:rPr>
+                                  <m:sty m:val="p"/>
+                                </m:rPr>
+                                <a:rPr lang="el-GR" sz="3200" b="1" i="1" smtClean="0">
+                                  <a:latin typeface="Cambria Math" panose="02040503050406030204" pitchFamily="18" charset="0"/>
+                                </a:rPr>
+                                <m:t>λ</m:t>
+                              </m:r>
+                            </m:den>
+                          </m:f>
+                        </m:e>
+                      </m:d>
+                      <m:d>
+                        <m:dPr>
+                          <m:begChr m:val=""/>
+                          <m:endChr m:val="⌉"/>
+                          <m:ctrlPr>
+                            <a:rPr lang="en-US" sz="3200" b="1" i="1" smtClean="0">
+                              <a:latin typeface="Cambria Math" panose="02040503050406030204" pitchFamily="18" charset="0"/>
+                            </a:rPr>
+                          </m:ctrlPr>
+                        </m:dPr>
+                        <m:e>
+                          <m:r>
+                            <a:rPr lang="en-US" sz="3200" b="1" i="1" smtClean="0">
+                              <a:latin typeface="Cambria Math" panose="02040503050406030204" pitchFamily="18" charset="0"/>
+                            </a:rPr>
+                            <m:t>𝒍𝒐𝒈</m:t>
+                          </m:r>
+                          <m:r>
+                            <a:rPr lang="en-US" sz="3200" b="1" i="1" smtClean="0">
+                              <a:latin typeface="Cambria Math" panose="02040503050406030204" pitchFamily="18" charset="0"/>
+                            </a:rPr>
+                            <m:t>(</m:t>
+                          </m:r>
+                          <m:f>
+                            <m:fPr>
+                              <m:ctrlPr>
+                                <a:rPr lang="en-US" sz="3200" b="1" i="1" smtClean="0">
+                                  <a:latin typeface="Cambria Math" panose="02040503050406030204" pitchFamily="18" charset="0"/>
+                                </a:rPr>
+                              </m:ctrlPr>
+                            </m:fPr>
+                            <m:num>
+                              <m:r>
+                                <m:rPr>
+                                  <m:nor/>
+                                </m:rPr>
+                                <a:rPr lang="el-GR" sz="3200"/>
+                                <m:t>β</m:t>
+                              </m:r>
+                              <m:r>
+                                <m:rPr>
+                                  <m:nor/>
+                                </m:rPr>
+                                <a:rPr lang="el-GR" sz="3200"/>
+                                <m:t>µ</m:t>
+                              </m:r>
+                            </m:num>
+                            <m:den>
+                              <m:r>
+                                <m:rPr>
+                                  <m:nor/>
+                                </m:rPr>
+                                <a:rPr lang="el-GR" sz="3200"/>
+                                <m:t>β</m:t>
+                              </m:r>
+                              <m:r>
+                                <m:rPr>
+                                  <m:nor/>
+                                </m:rPr>
+                                <a:rPr lang="el-GR" sz="3200"/>
+                                <m:t>µ</m:t>
+                              </m:r>
+                              <m:r>
+                                <a:rPr lang="en-US" sz="3200" b="1" i="1" smtClean="0">
+                                  <a:latin typeface="Cambria Math" panose="02040503050406030204" pitchFamily="18" charset="0"/>
+                                </a:rPr>
+                                <m:t>−</m:t>
+                              </m:r>
+                              <m:r>
+                                <a:rPr lang="en-US" sz="3200" b="1" i="1" smtClean="0">
+                                  <a:latin typeface="Cambria Math" panose="02040503050406030204" pitchFamily="18" charset="0"/>
+                                </a:rPr>
+                                <m:t>𝟏</m:t>
+                              </m:r>
+                            </m:den>
+                          </m:f>
+                          <m:r>
+                            <a:rPr lang="en-US" sz="3200" b="1" i="1" smtClean="0">
+                              <a:latin typeface="Cambria Math" panose="02040503050406030204" pitchFamily="18" charset="0"/>
+                            </a:rPr>
+                            <m:t>)</m:t>
+                          </m:r>
+                        </m:e>
+                      </m:d>
+                    </m:oMath>
+                  </m:oMathPara>
+                </a14:m>
+                <a:endParaRPr lang="en-US" sz="3200" b="1" dirty="0"/>
+              </a:p>
+              <a:p>
+                <a:pPr marL="0" indent="0">
+                  <a:buNone/>
+                </a:pPr>
+                <a:endParaRPr lang="en-US" sz="2400" dirty="0"/>
+              </a:p>
+              <a:p>
+                <a:pPr marL="0" indent="0">
+                  <a:buNone/>
+                </a:pPr>
+                <a:r>
+                  <a:rPr lang="en-US" sz="2400" dirty="0"/>
+                  <a:t>so maximal number of p-micro-clusters in memory:	</a:t>
+                </a:r>
+                <a14:m>
+                  <m:oMath xmlns:m="http://schemas.openxmlformats.org/officeDocument/2006/math">
+                    <m:f>
+                      <m:fPr>
+                        <m:ctrlPr>
+                          <a:rPr lang="en-US" sz="2400" i="1" smtClean="0">
+                            <a:latin typeface="Cambria Math" panose="02040503050406030204" pitchFamily="18" charset="0"/>
+                          </a:rPr>
+                        </m:ctrlPr>
+                      </m:fPr>
+                      <m:num>
+                        <m:r>
+                          <a:rPr lang="en-US" sz="2400" b="0" i="1" smtClean="0">
+                            <a:latin typeface="Cambria Math" panose="02040503050406030204" pitchFamily="18" charset="0"/>
+                          </a:rPr>
+                          <m:t>𝑊</m:t>
+                        </m:r>
+                      </m:num>
+                      <m:den>
+                        <m:r>
+                          <m:rPr>
+                            <m:nor/>
+                          </m:rPr>
+                          <a:rPr lang="el-GR" sz="2400"/>
+                          <m:t>β</m:t>
+                        </m:r>
+                        <m:r>
+                          <m:rPr>
+                            <m:nor/>
+                          </m:rPr>
+                          <a:rPr lang="el-GR" sz="2400"/>
+                          <m:t>µ</m:t>
+                        </m:r>
+                      </m:den>
+                    </m:f>
+                  </m:oMath>
+                </a14:m>
+                <a:endParaRPr lang="en-US" sz="2400" dirty="0"/>
+              </a:p>
+              <a:p>
+                <a:pPr marL="0" indent="0">
+                  <a:buNone/>
+                </a:pPr>
+                <a:endParaRPr lang="en-US" sz="2400" dirty="0"/>
+              </a:p>
+            </p:txBody>
+          </p:sp>
+        </mc:Choice>
+        <mc:Fallback>
+          <p:sp>
+            <p:nvSpPr>
+              <p:cNvPr id="3" name="Content Placeholder 2">
+                <a:extLst>
+                  <a:ext uri="{FF2B5EF4-FFF2-40B4-BE49-F238E27FC236}">
+                    <a16:creationId xmlns:a16="http://schemas.microsoft.com/office/drawing/2014/main" id="{11729400-8C27-7A8D-B1D4-07164361FEFE}"/>
+                  </a:ext>
+                </a:extLst>
+              </p:cNvPr>
+              <p:cNvSpPr>
+                <a:spLocks noGrp="1" noRot="1" noChangeAspect="1" noMove="1" noResize="1" noEditPoints="1" noAdjustHandles="1" noChangeArrowheads="1" noChangeShapeType="1" noTextEdit="1"/>
+              </p:cNvSpPr>
+              <p:nvPr>
+                <p:ph idx="1"/>
+              </p:nvPr>
+            </p:nvSpPr>
+            <p:spPr>
+              <a:xfrm>
+                <a:off x="838200" y="988291"/>
+                <a:ext cx="10515600" cy="5772727"/>
+              </a:xfrm>
+              <a:blipFill>
+                <a:blip r:embed="rId2"/>
+                <a:stretch>
+                  <a:fillRect l="-1565" t="-2957"/>
+                </a:stretch>
+              </a:blipFill>
+            </p:spPr>
+            <p:txBody>
+              <a:bodyPr/>
+              <a:lstStyle/>
+              <a:p>
+                <a:r>
+                  <a:rPr lang="en-US">
+                    <a:noFill/>
+                  </a:rPr>
+                  <a:t> </a:t>
+                </a:r>
+              </a:p>
+            </p:txBody>
+          </p:sp>
+        </mc:Fallback>
+      </mc:AlternateContent>
+    </p:spTree>
+    <p:extLst>
+      <p:ext uri="{BB962C8B-B14F-4D97-AF65-F5344CB8AC3E}">
+        <p14:creationId xmlns:p14="http://schemas.microsoft.com/office/powerpoint/2010/main" val="213063359"/>
+      </p:ext>
+    </p:extLst>
+  </p:cSld>
+  <p:clrMapOvr>
+    <a:masterClrMapping/>
+  </p:clrMapOvr>
+</p:sld>
+</file>
+
+<file path=ppt/slides/slide22.xml><?xml version="1.0" encoding="utf-8"?>
+<p:sld xmlns:a="http://schemas.openxmlformats.org/drawingml/2006/main" xmlns:r="http://schemas.openxmlformats.org/officeDocument/2006/relationships" xmlns:p="http://schemas.openxmlformats.org/presentationml/2006/main">
+  <p:cSld>
+    <p:spTree>
+      <p:nvGrpSpPr>
+        <p:cNvPr id="1" name=""/>
+        <p:cNvGrpSpPr/>
+        <p:nvPr/>
+      </p:nvGrpSpPr>
+      <p:grpSpPr>
+        <a:xfrm>
+          <a:off x="0" y="0"/>
+          <a:ext cx="0" cy="0"/>
+          <a:chOff x="0" y="0"/>
+          <a:chExt cx="0" cy="0"/>
+        </a:xfrm>
+      </p:grpSpPr>
+      <p:sp>
+        <p:nvSpPr>
+          <p:cNvPr id="2" name="Title 1">
+            <a:extLst>
+              <a:ext uri="{FF2B5EF4-FFF2-40B4-BE49-F238E27FC236}">
+                <a16:creationId xmlns:a16="http://schemas.microsoft.com/office/drawing/2014/main" id="{D5758E05-DA14-14D4-F206-2DC8A4D2010B}"/>
+              </a:ext>
+            </a:extLst>
+          </p:cNvPr>
+          <p:cNvSpPr>
+            <a:spLocks noGrp="1"/>
+          </p:cNvSpPr>
+          <p:nvPr>
+            <p:ph type="title"/>
+          </p:nvPr>
+        </p:nvSpPr>
+        <p:spPr>
+          <a:xfrm>
+            <a:off x="838200" y="-9236"/>
+            <a:ext cx="10515600" cy="665018"/>
+          </a:xfrm>
+        </p:spPr>
+        <p:txBody>
+          <a:bodyPr>
+            <a:normAutofit fontScale="90000"/>
+          </a:bodyPr>
+          <a:lstStyle/>
+          <a:p>
+            <a:pPr algn="ctr"/>
+            <a:r>
+              <a:rPr lang="en-US" dirty="0" err="1"/>
+              <a:t>DenStream</a:t>
+            </a:r>
+            <a:r>
+              <a:rPr lang="en-US" dirty="0"/>
+              <a:t> on location data stream</a:t>
+            </a:r>
+          </a:p>
+        </p:txBody>
+      </p:sp>
+      <p:pic>
+        <p:nvPicPr>
+          <p:cNvPr id="7" name="Picture 6">
+            <a:extLst>
+              <a:ext uri="{FF2B5EF4-FFF2-40B4-BE49-F238E27FC236}">
+                <a16:creationId xmlns:a16="http://schemas.microsoft.com/office/drawing/2014/main" id="{26457AF8-85B6-D449-BC47-19204BB26D85}"/>
+              </a:ext>
+            </a:extLst>
+          </p:cNvPr>
+          <p:cNvPicPr>
+            <a:picLocks noChangeAspect="1"/>
+          </p:cNvPicPr>
+          <p:nvPr/>
+        </p:nvPicPr>
+        <p:blipFill>
+          <a:blip r:embed="rId2"/>
+          <a:stretch>
+            <a:fillRect/>
+          </a:stretch>
+        </p:blipFill>
+        <p:spPr>
+          <a:xfrm>
+            <a:off x="1074943" y="880845"/>
+            <a:ext cx="10278857" cy="5977155"/>
+          </a:xfrm>
+          <a:prstGeom prst="rect">
+            <a:avLst/>
+          </a:prstGeom>
+          <a:ln w="25400">
+            <a:solidFill>
+              <a:schemeClr val="accent1"/>
+            </a:solidFill>
+          </a:ln>
+        </p:spPr>
+      </p:pic>
+      <p:sp>
+        <p:nvSpPr>
+          <p:cNvPr id="9" name="TextBox 8">
+            <a:extLst>
+              <a:ext uri="{FF2B5EF4-FFF2-40B4-BE49-F238E27FC236}">
+                <a16:creationId xmlns:a16="http://schemas.microsoft.com/office/drawing/2014/main" id="{575A9B03-2A1E-C672-7A2E-F7F28D5480AC}"/>
+              </a:ext>
+            </a:extLst>
+          </p:cNvPr>
+          <p:cNvSpPr txBox="1"/>
+          <p:nvPr/>
+        </p:nvSpPr>
+        <p:spPr>
+          <a:xfrm>
+            <a:off x="3048000" y="511513"/>
+            <a:ext cx="6096000" cy="369332"/>
+          </a:xfrm>
+          <a:prstGeom prst="rect">
+            <a:avLst/>
+          </a:prstGeom>
+          <a:noFill/>
+        </p:spPr>
+        <p:txBody>
+          <a:bodyPr wrap="square">
+            <a:spAutoFit/>
+          </a:bodyPr>
+          <a:lstStyle/>
+          <a:p>
+            <a:pPr algn="ctr"/>
+            <a:r>
+              <a:rPr lang="en-US" dirty="0">
+                <a:hlinkClick r:id="rId3"/>
+              </a:rPr>
+              <a:t>https://github.com/SC-One/ClusteringDataStream</a:t>
+            </a:r>
+            <a:endParaRPr lang="en-US" dirty="0"/>
+          </a:p>
+        </p:txBody>
+      </p:sp>
+    </p:spTree>
+    <p:extLst>
+      <p:ext uri="{BB962C8B-B14F-4D97-AF65-F5344CB8AC3E}">
+        <p14:creationId xmlns:p14="http://schemas.microsoft.com/office/powerpoint/2010/main" val="4140693323"/>
+      </p:ext>
+    </p:extLst>
+  </p:cSld>
+  <p:clrMapOvr>
+    <a:masterClrMapping/>
+  </p:clrMapOvr>
+</p:sld>
+</file>
+
+<file path=ppt/slides/slide23.xml><?xml version="1.0" encoding="utf-8"?>
+<p:sld xmlns:a="http://schemas.openxmlformats.org/drawingml/2006/main" xmlns:r="http://schemas.openxmlformats.org/officeDocument/2006/relationships" xmlns:p="http://schemas.openxmlformats.org/presentationml/2006/main">
+  <p:cSld>
+    <p:spTree>
+      <p:nvGrpSpPr>
+        <p:cNvPr id="1" name=""/>
+        <p:cNvGrpSpPr/>
+        <p:nvPr/>
+      </p:nvGrpSpPr>
+      <p:grpSpPr>
+        <a:xfrm>
+          <a:off x="0" y="0"/>
+          <a:ext cx="0" cy="0"/>
+          <a:chOff x="0" y="0"/>
+          <a:chExt cx="0" cy="0"/>
+        </a:xfrm>
+      </p:grpSpPr>
+      <p:sp>
+        <p:nvSpPr>
+          <p:cNvPr id="2" name="Title 1">
+            <a:extLst>
+              <a:ext uri="{FF2B5EF4-FFF2-40B4-BE49-F238E27FC236}">
+                <a16:creationId xmlns:a16="http://schemas.microsoft.com/office/drawing/2014/main" id="{A4B99485-77D4-7EF6-0929-54B2F79CF30D}"/>
+              </a:ext>
+            </a:extLst>
+          </p:cNvPr>
+          <p:cNvSpPr>
+            <a:spLocks noGrp="1"/>
+          </p:cNvSpPr>
+          <p:nvPr>
+            <p:ph type="title"/>
+          </p:nvPr>
+        </p:nvSpPr>
+        <p:spPr/>
+        <p:txBody>
+          <a:bodyPr/>
+          <a:lstStyle/>
+          <a:p>
+            <a:r>
+              <a:rPr lang="en-US" dirty="0" err="1"/>
+              <a:t>DenStream</a:t>
+            </a:r>
+            <a:r>
+              <a:rPr lang="en-US" dirty="0"/>
+              <a:t> conclusion</a:t>
+            </a:r>
+          </a:p>
+        </p:txBody>
+      </p:sp>
+      <p:sp>
+        <p:nvSpPr>
+          <p:cNvPr id="3" name="Content Placeholder 2">
+            <a:extLst>
+              <a:ext uri="{FF2B5EF4-FFF2-40B4-BE49-F238E27FC236}">
+                <a16:creationId xmlns:a16="http://schemas.microsoft.com/office/drawing/2014/main" id="{5FA48587-0CBF-6FA6-16AE-0112599C5C4A}"/>
+              </a:ext>
+            </a:extLst>
+          </p:cNvPr>
+          <p:cNvSpPr>
+            <a:spLocks noGrp="1"/>
+          </p:cNvSpPr>
+          <p:nvPr>
+            <p:ph idx="1"/>
+          </p:nvPr>
+        </p:nvSpPr>
+        <p:spPr>
+          <a:xfrm>
+            <a:off x="838200" y="1825625"/>
+            <a:ext cx="10515600" cy="4667250"/>
+          </a:xfrm>
+        </p:spPr>
+        <p:txBody>
+          <a:bodyPr>
+            <a:normAutofit/>
+          </a:bodyPr>
+          <a:lstStyle/>
+          <a:p>
+            <a:pPr marL="0" indent="0">
+              <a:buNone/>
+            </a:pPr>
+            <a:r>
+              <a:rPr lang="en-US" b="1" dirty="0"/>
+              <a:t>Pros</a:t>
+            </a:r>
+          </a:p>
+          <a:p>
+            <a:r>
+              <a:rPr lang="en-US" dirty="0"/>
+              <a:t>No assumption on the number of clusters</a:t>
+            </a:r>
+          </a:p>
+          <a:p>
+            <a:r>
+              <a:rPr lang="en-US" dirty="0"/>
+              <a:t>Discovery of clusters with arbitrary shape</a:t>
+            </a:r>
+          </a:p>
+          <a:p>
+            <a:r>
+              <a:rPr lang="en-US" dirty="0"/>
+              <a:t>Ability to handle outliers</a:t>
+            </a:r>
+          </a:p>
+          <a:p>
+            <a:r>
+              <a:rPr lang="en-US" dirty="0"/>
+              <a:t>Acceptable accuracy in streams</a:t>
+            </a:r>
+          </a:p>
+          <a:p>
+            <a:pPr marL="0" indent="0">
+              <a:buNone/>
+            </a:pPr>
+            <a:r>
+              <a:rPr lang="en-US" b="1" dirty="0"/>
+              <a:t>Cons</a:t>
+            </a:r>
+          </a:p>
+          <a:p>
+            <a:r>
+              <a:rPr lang="en-US" dirty="0"/>
+              <a:t>Sensitive to Parameters (Initial Overhead)</a:t>
+            </a:r>
+          </a:p>
+          <a:p>
+            <a:r>
+              <a:rPr lang="en-US" dirty="0"/>
+              <a:t>Complexity in Interpretation</a:t>
+            </a:r>
+          </a:p>
+          <a:p>
+            <a:r>
+              <a:rPr lang="en-US" dirty="0"/>
+              <a:t>Offline &amp; Online stages</a:t>
+            </a:r>
+          </a:p>
+        </p:txBody>
+      </p:sp>
+    </p:spTree>
+    <p:extLst>
+      <p:ext uri="{BB962C8B-B14F-4D97-AF65-F5344CB8AC3E}">
+        <p14:creationId xmlns:p14="http://schemas.microsoft.com/office/powerpoint/2010/main" val="3907872218"/>
+      </p:ext>
+    </p:extLst>
+  </p:cSld>
+  <p:clrMapOvr>
+    <a:masterClrMapping/>
+  </p:clrMapOvr>
+</p:sld>
+</file>
+
+<file path=ppt/slides/slide24.xml><?xml version="1.0" encoding="utf-8"?>
+<p:sld xmlns:a="http://schemas.openxmlformats.org/drawingml/2006/main" xmlns:r="http://schemas.openxmlformats.org/officeDocument/2006/relationships" xmlns:p="http://schemas.openxmlformats.org/presentationml/2006/main">
+  <p:cSld>
+    <p:spTree>
+      <p:nvGrpSpPr>
+        <p:cNvPr id="1" name=""/>
+        <p:cNvGrpSpPr/>
+        <p:nvPr/>
+      </p:nvGrpSpPr>
+      <p:grpSpPr>
+        <a:xfrm>
+          <a:off x="0" y="0"/>
+          <a:ext cx="0" cy="0"/>
+          <a:chOff x="0" y="0"/>
+          <a:chExt cx="0" cy="0"/>
+        </a:xfrm>
+      </p:grpSpPr>
+      <p:sp>
+        <p:nvSpPr>
+          <p:cNvPr id="2" name="Title 1">
+            <a:extLst>
+              <a:ext uri="{FF2B5EF4-FFF2-40B4-BE49-F238E27FC236}">
+                <a16:creationId xmlns:a16="http://schemas.microsoft.com/office/drawing/2014/main" id="{AF1B050C-B724-3834-882B-56BEC9ABEF6C}"/>
+              </a:ext>
+            </a:extLst>
+          </p:cNvPr>
+          <p:cNvSpPr>
+            <a:spLocks noGrp="1"/>
+          </p:cNvSpPr>
+          <p:nvPr>
+            <p:ph type="title"/>
+          </p:nvPr>
+        </p:nvSpPr>
+        <p:spPr>
+          <a:xfrm>
+            <a:off x="1484310" y="0"/>
+            <a:ext cx="10018713" cy="606105"/>
+          </a:xfrm>
+        </p:spPr>
+        <p:txBody>
+          <a:bodyPr>
+            <a:normAutofit fontScale="90000"/>
+          </a:bodyPr>
+          <a:lstStyle/>
+          <a:p>
+            <a:r>
+              <a:rPr lang="en-US" dirty="0" err="1"/>
+              <a:t>Refrences</a:t>
+            </a:r>
+            <a:endParaRPr lang="en-US" dirty="0"/>
+          </a:p>
+        </p:txBody>
+      </p:sp>
+      <p:sp>
+        <p:nvSpPr>
+          <p:cNvPr id="3" name="Content Placeholder 2">
+            <a:extLst>
+              <a:ext uri="{FF2B5EF4-FFF2-40B4-BE49-F238E27FC236}">
+                <a16:creationId xmlns:a16="http://schemas.microsoft.com/office/drawing/2014/main" id="{CEA1E241-DF1B-CCBD-3EFB-37A85D75FAE6}"/>
+              </a:ext>
+            </a:extLst>
+          </p:cNvPr>
+          <p:cNvSpPr>
+            <a:spLocks noGrp="1"/>
+          </p:cNvSpPr>
+          <p:nvPr>
+            <p:ph idx="1"/>
+          </p:nvPr>
+        </p:nvSpPr>
+        <p:spPr>
+          <a:xfrm>
+            <a:off x="1484310" y="606105"/>
+            <a:ext cx="10018713" cy="6251895"/>
+          </a:xfrm>
+        </p:spPr>
+        <p:txBody>
+          <a:bodyPr>
+            <a:normAutofit lnSpcReduction="10000"/>
+          </a:bodyPr>
+          <a:lstStyle/>
+          <a:p>
+            <a:r>
+              <a:rPr lang="en-US" sz="1400" dirty="0">
+                <a:hlinkClick r:id="rId2"/>
+              </a:rPr>
+              <a:t>https://www.sciencedirect.com/science/article/abs/pii/S0167739X19312786</a:t>
+            </a:r>
+            <a:endParaRPr lang="en-US" sz="1400" dirty="0"/>
+          </a:p>
+          <a:p>
+            <a:r>
+              <a:rPr lang="en-US" sz="1400" dirty="0">
+                <a:hlinkClick r:id="rId3"/>
+              </a:rPr>
+              <a:t>https://www.researchgate.net/figure/Overview-of-the-proposed-two-step-clustering-method-The-first-step-uses-Birch-clustering_fig4_357972949</a:t>
+            </a:r>
+            <a:r>
+              <a:rPr lang="en-US" sz="1400" dirty="0">
+                <a:hlinkClick r:id="rId4"/>
+              </a:rPr>
+              <a:t>https://www.oreilly.com/library/view/data-mining-and/9781118868706/9781118868706c21.xhtml</a:t>
+            </a:r>
+            <a:endParaRPr lang="en-US" sz="1400" dirty="0"/>
+          </a:p>
+          <a:p>
+            <a:r>
+              <a:rPr lang="en-US" sz="1400" dirty="0">
+                <a:hlinkClick r:id="rId5"/>
+              </a:rPr>
+              <a:t>https://scikit-learn.org/stable/modules/generated/sklearn.cluster.Birch.html</a:t>
+            </a:r>
+            <a:endParaRPr lang="en-US" sz="1400" dirty="0"/>
+          </a:p>
+          <a:p>
+            <a:r>
+              <a:rPr lang="en-US" sz="1400" dirty="0">
+                <a:hlinkClick r:id="rId6"/>
+              </a:rPr>
+              <a:t>https://www.geeksforgeeks.org/ml-birch-clustering/</a:t>
+            </a:r>
+            <a:endParaRPr lang="fa-IR" sz="1400" dirty="0">
+              <a:hlinkClick r:id="rId7"/>
+            </a:endParaRPr>
+          </a:p>
+          <a:p>
+            <a:r>
+              <a:rPr lang="en-US" sz="1400" dirty="0">
+                <a:hlinkClick r:id="rId7"/>
+              </a:rPr>
+              <a:t>https://en.wikipedia.org/wiki/Data_stream_clustering</a:t>
+            </a:r>
+            <a:endParaRPr lang="en-US" sz="1400" dirty="0"/>
+          </a:p>
+          <a:p>
+            <a:r>
+              <a:rPr lang="en-US" sz="1400" dirty="0">
+                <a:hlinkClick r:id="rId8"/>
+              </a:rPr>
+              <a:t>https://medium.com/@noel.cs21/balanced-iterative-reducing-and-clustering-using-heirachies-birch-5680adffaa58</a:t>
+            </a:r>
+            <a:r>
+              <a:rPr lang="en-US" sz="1400" dirty="0">
+                <a:hlinkClick r:id="rId9"/>
+              </a:rPr>
+              <a:t>https://www.youtube.com/watch?v=YWcDgX_pN-8</a:t>
+            </a:r>
+            <a:endParaRPr lang="en-US" sz="1400" dirty="0"/>
+          </a:p>
+          <a:p>
+            <a:r>
+              <a:rPr lang="en-US" sz="1400" dirty="0">
+                <a:hlinkClick r:id="rId10"/>
+              </a:rPr>
+              <a:t>https://www.youtube.com/watch?v=A4MzbYc4yCY</a:t>
+            </a:r>
+            <a:endParaRPr lang="en-US" sz="1400" dirty="0"/>
+          </a:p>
+          <a:p>
+            <a:r>
+              <a:rPr lang="en-US" sz="1400" dirty="0">
+                <a:hlinkClick r:id="rId2"/>
+              </a:rPr>
+              <a:t>https://www.sciencedirect.com/science/article/abs/pii/S0167739X19312786</a:t>
+            </a:r>
+            <a:endParaRPr lang="fa-IR" sz="1400" dirty="0"/>
+          </a:p>
+          <a:p>
+            <a:r>
+              <a:rPr lang="en-US" sz="1400" b="0" i="0" u="none" strike="noStrike" dirty="0">
+                <a:solidFill>
+                  <a:srgbClr val="1F1F1F"/>
+                </a:solidFill>
+                <a:effectLst/>
+                <a:latin typeface="ElsevierSans"/>
+                <a:hlinkClick r:id="rId11" tooltip="Persistent link using digital object identifier"/>
+              </a:rPr>
+              <a:t>https://doi.org/10.1016/j.future.2020.01.017</a:t>
+            </a:r>
+            <a:endParaRPr lang="fa-IR" sz="1400" b="0" i="0" u="none" strike="noStrike" dirty="0">
+              <a:solidFill>
+                <a:srgbClr val="1F1F1F"/>
+              </a:solidFill>
+              <a:effectLst/>
+              <a:latin typeface="ElsevierSans"/>
+            </a:endParaRPr>
+          </a:p>
+          <a:p>
+            <a:r>
+              <a:rPr lang="en-US" sz="1400" dirty="0">
+                <a:solidFill>
+                  <a:srgbClr val="1F1F1F"/>
+                </a:solidFill>
+                <a:latin typeface="ElsevierSans"/>
+                <a:hlinkClick r:id="rId12"/>
+              </a:rPr>
+              <a:t>https://www.logsign.com/blog/data-stream-clustering-methods-examples</a:t>
+            </a:r>
+            <a:endParaRPr lang="fa-IR" sz="1400" dirty="0">
+              <a:solidFill>
+                <a:srgbClr val="1F1F1F"/>
+              </a:solidFill>
+              <a:latin typeface="ElsevierSans"/>
+            </a:endParaRPr>
+          </a:p>
+          <a:p>
+            <a:r>
+              <a:rPr lang="en-US" sz="1400" dirty="0">
+                <a:solidFill>
+                  <a:srgbClr val="1F1F1F"/>
+                </a:solidFill>
+                <a:latin typeface="ElsevierSans"/>
+                <a:hlinkClick r:id="rId13"/>
+              </a:rPr>
+              <a:t>https://arxiv.org/abs/2210.08212</a:t>
+            </a:r>
+            <a:endParaRPr lang="en-US" sz="1400" dirty="0">
+              <a:solidFill>
+                <a:srgbClr val="1F1F1F"/>
+              </a:solidFill>
+              <a:latin typeface="ElsevierSans"/>
+            </a:endParaRPr>
+          </a:p>
+          <a:p>
+            <a:r>
+              <a:rPr lang="en-US" sz="1400" dirty="0">
+                <a:solidFill>
+                  <a:srgbClr val="1F1F1F"/>
+                </a:solidFill>
+                <a:latin typeface="ElsevierSans"/>
+                <a:hlinkClick r:id="rId14"/>
+              </a:rPr>
+              <a:t>https://github.com/dple/awesome-papers-and-source-code-for-anomaly-detection</a:t>
+            </a:r>
+            <a:endParaRPr lang="en-US" sz="1400" dirty="0">
+              <a:solidFill>
+                <a:srgbClr val="1F1F1F"/>
+              </a:solidFill>
+              <a:latin typeface="ElsevierSans"/>
+            </a:endParaRPr>
+          </a:p>
+          <a:p>
+            <a:r>
+              <a:rPr lang="en-US" sz="1400" dirty="0">
+                <a:hlinkClick r:id="rId15"/>
+              </a:rPr>
+              <a:t>https://www.iwrr.ir/article_87950.html</a:t>
+            </a:r>
+            <a:endParaRPr lang="en-US" sz="1400" dirty="0"/>
+          </a:p>
+          <a:p>
+            <a:r>
+              <a:rPr lang="en-US" sz="1400" dirty="0">
+                <a:hlinkClick r:id="rId16"/>
+              </a:rPr>
+              <a:t>https://www.sid.ir/paper/159026/fa</a:t>
+            </a:r>
+            <a:endParaRPr lang="en-US" sz="1400" dirty="0"/>
+          </a:p>
+          <a:p>
+            <a:r>
+              <a:rPr lang="en-US" sz="1400" dirty="0">
+                <a:hlinkClick r:id="rId17"/>
+              </a:rPr>
+              <a:t>https://smartinsight.ir/%D8%B1%D9%88%D8%B4-%D9%87%D8%A7%DB%8C-%D8%AF%D8%A7%D8%AF%D9%87-%DA%A9%D8%A7%D9%88%DB%8C/</a:t>
+            </a:r>
+            <a:endParaRPr lang="en-US" sz="1400" dirty="0"/>
+          </a:p>
+          <a:p>
+            <a:r>
+              <a:rPr lang="en-US" sz="1400" dirty="0">
+                <a:hlinkClick r:id="rId18"/>
+              </a:rPr>
+              <a:t>https://science.ut.ac.ir/documents/84413665/110319729/kord-asabi.pdf</a:t>
+            </a:r>
+            <a:endParaRPr lang="en-US" sz="1400" dirty="0"/>
+          </a:p>
+          <a:p>
+            <a:r>
+              <a:rPr lang="en-US" sz="1400" dirty="0">
+                <a:hlinkClick r:id="rId19"/>
+              </a:rPr>
+              <a:t>https://www.geeksforgeeks.org/clustering-in-data-mining</a:t>
+            </a:r>
+            <a:endParaRPr lang="en-US" sz="1400" dirty="0"/>
+          </a:p>
+          <a:p>
+            <a:r>
+              <a:rPr lang="en-US" sz="1400" dirty="0">
+                <a:hlinkClick r:id="rId20"/>
+              </a:rPr>
+              <a:t>https://www.geeksforgeeks.org/data-mining-cluster-analysis/</a:t>
+            </a:r>
+            <a:endParaRPr lang="en-US" sz="1400" dirty="0"/>
+          </a:p>
+          <a:p>
+            <a:r>
+              <a:rPr lang="en-US" sz="1400" dirty="0">
+                <a:solidFill>
+                  <a:srgbClr val="1F1F1F"/>
+                </a:solidFill>
+                <a:latin typeface="ElsevierSans"/>
+                <a:hlinkClick r:id="rId21"/>
+              </a:rPr>
+              <a:t>https://blogs.sap.com/2020/12/16/outlier-detection-by-clustering/</a:t>
+            </a:r>
+            <a:endParaRPr lang="en-US" sz="1400" dirty="0">
+              <a:solidFill>
+                <a:srgbClr val="1F1F1F"/>
+              </a:solidFill>
+              <a:latin typeface="ElsevierSans"/>
+            </a:endParaRPr>
+          </a:p>
+          <a:p>
+            <a:endParaRPr lang="en-US" sz="1400" dirty="0">
+              <a:solidFill>
+                <a:srgbClr val="1F1F1F"/>
+              </a:solidFill>
+              <a:latin typeface="ElsevierSans"/>
+            </a:endParaRPr>
+          </a:p>
+        </p:txBody>
+      </p:sp>
+    </p:spTree>
+    <p:extLst>
+      <p:ext uri="{BB962C8B-B14F-4D97-AF65-F5344CB8AC3E}">
+        <p14:creationId xmlns:p14="http://schemas.microsoft.com/office/powerpoint/2010/main" val="1371459742"/>
+      </p:ext>
+    </p:extLst>
+  </p:cSld>
+  <p:clrMapOvr>
+    <a:masterClrMapping/>
+  </p:clrMapOvr>
+</p:sld>
+</file>
+
+<file path=ppt/slides/slide25.xml><?xml version="1.0" encoding="utf-8"?>
+<p:sld xmlns:a="http://schemas.openxmlformats.org/drawingml/2006/main" xmlns:r="http://schemas.openxmlformats.org/officeDocument/2006/relationships" xmlns:p="http://schemas.openxmlformats.org/presentationml/2006/main">
+  <p:cSld>
+    <p:spTree>
+      <p:nvGrpSpPr>
+        <p:cNvPr id="1" name=""/>
+        <p:cNvGrpSpPr/>
+        <p:nvPr/>
+      </p:nvGrpSpPr>
+      <p:grpSpPr>
+        <a:xfrm>
+          <a:off x="0" y="0"/>
+          <a:ext cx="0" cy="0"/>
+          <a:chOff x="0" y="0"/>
+          <a:chExt cx="0" cy="0"/>
+        </a:xfrm>
+      </p:grpSpPr>
+      <p:sp>
+        <p:nvSpPr>
+          <p:cNvPr id="2" name="Title 1">
+            <a:extLst>
+              <a:ext uri="{FF2B5EF4-FFF2-40B4-BE49-F238E27FC236}">
+                <a16:creationId xmlns:a16="http://schemas.microsoft.com/office/drawing/2014/main" id="{AF1B050C-B724-3834-882B-56BEC9ABEF6C}"/>
+              </a:ext>
+            </a:extLst>
+          </p:cNvPr>
+          <p:cNvSpPr>
+            <a:spLocks noGrp="1"/>
+          </p:cNvSpPr>
+          <p:nvPr>
+            <p:ph type="title"/>
+          </p:nvPr>
+        </p:nvSpPr>
+        <p:spPr>
+          <a:xfrm>
+            <a:off x="1484310" y="0"/>
+            <a:ext cx="10018713" cy="606105"/>
+          </a:xfrm>
+        </p:spPr>
+        <p:txBody>
+          <a:bodyPr>
+            <a:normAutofit fontScale="90000"/>
+          </a:bodyPr>
+          <a:lstStyle/>
+          <a:p>
+            <a:r>
+              <a:rPr lang="en-US" dirty="0" err="1"/>
+              <a:t>Refrences</a:t>
+            </a:r>
+            <a:r>
+              <a:rPr lang="en-US" dirty="0"/>
+              <a:t>(cont...)</a:t>
+            </a:r>
+          </a:p>
+        </p:txBody>
+      </p:sp>
+      <p:sp>
+        <p:nvSpPr>
+          <p:cNvPr id="3" name="Content Placeholder 2">
+            <a:extLst>
+              <a:ext uri="{FF2B5EF4-FFF2-40B4-BE49-F238E27FC236}">
+                <a16:creationId xmlns:a16="http://schemas.microsoft.com/office/drawing/2014/main" id="{CEA1E241-DF1B-CCBD-3EFB-37A85D75FAE6}"/>
+              </a:ext>
+            </a:extLst>
+          </p:cNvPr>
+          <p:cNvSpPr>
+            <a:spLocks noGrp="1"/>
+          </p:cNvSpPr>
+          <p:nvPr>
+            <p:ph idx="1"/>
+          </p:nvPr>
+        </p:nvSpPr>
+        <p:spPr>
+          <a:xfrm>
+            <a:off x="1484310" y="606105"/>
+            <a:ext cx="10018713" cy="6251895"/>
+          </a:xfrm>
+        </p:spPr>
+        <p:txBody>
+          <a:bodyPr>
+            <a:normAutofit/>
+          </a:bodyPr>
+          <a:lstStyle/>
+          <a:p>
+            <a:r>
+              <a:rPr lang="en-US" sz="1400" dirty="0">
+                <a:hlinkClick r:id="rId2"/>
+              </a:rPr>
+              <a:t>https://dl.acm.org/doi/10.1145/1557019.1557041</a:t>
+            </a:r>
+            <a:endParaRPr lang="en-US" sz="1400" dirty="0"/>
+          </a:p>
+          <a:p>
+            <a:r>
+              <a:rPr lang="en-US" sz="1400" dirty="0">
+                <a:hlinkClick r:id="rId3"/>
+              </a:rPr>
+              <a:t>https://dl.acm.org/action/downloadSupplement?doi=10.1145%2F1557019.1557041&amp;file=p139-bifet_nemeds_01.mp4</a:t>
+            </a:r>
+            <a:endParaRPr lang="en-US" sz="1400" dirty="0"/>
+          </a:p>
+          <a:p>
+            <a:r>
+              <a:rPr lang="en-US" sz="1400" dirty="0">
+                <a:hlinkClick r:id="rId4"/>
+              </a:rPr>
+              <a:t>https://python.plainenglish.io/how-does-the-dbscan-algorithm-work-pros-and-cons-of-dbscan-bbdd589d837a</a:t>
+            </a:r>
+            <a:endParaRPr lang="en-US" sz="1400" dirty="0"/>
+          </a:p>
+          <a:p>
+            <a:r>
+              <a:rPr lang="en-US" sz="1400" dirty="0">
+                <a:hlinkClick r:id="rId5"/>
+              </a:rPr>
+              <a:t>https://dzone.com/articles/data-streaming-in-osgi-r7-applications-with-osgi-r</a:t>
+            </a:r>
+            <a:endParaRPr lang="en-US" sz="1400" dirty="0"/>
+          </a:p>
+          <a:p>
+            <a:r>
+              <a:rPr lang="en-US" sz="1400" dirty="0">
+                <a:hlinkClick r:id="rId6"/>
+              </a:rPr>
+              <a:t>https://cs.stackexchange.com/questions/79429/what-is-the-best-stream-data-clustering-algorithm-that-can-handle-non-static-un</a:t>
+            </a:r>
+            <a:endParaRPr lang="en-US" sz="1400" dirty="0"/>
+          </a:p>
+          <a:p>
+            <a:r>
+              <a:rPr lang="en-US" sz="1400" dirty="0">
+                <a:hlinkClick r:id="rId7"/>
+              </a:rPr>
+              <a:t>https://erproof.com/sap-prepares-for-a-database-push/</a:t>
+            </a:r>
+            <a:endParaRPr lang="en-US" sz="1400" dirty="0"/>
+          </a:p>
+          <a:p>
+            <a:r>
+              <a:rPr lang="en-US" sz="1400" dirty="0">
+                <a:hlinkClick r:id="rId8"/>
+              </a:rPr>
+              <a:t>https://towardsdatascience.com/easy-outlier-detection-in-data-streams-3089bfefe528</a:t>
+            </a:r>
+            <a:endParaRPr lang="en-US" sz="1400" dirty="0"/>
+          </a:p>
+          <a:p>
+            <a:endParaRPr lang="en-US" sz="1400" dirty="0"/>
+          </a:p>
+          <a:p>
+            <a:endParaRPr lang="en-US" sz="1400" dirty="0"/>
+          </a:p>
+          <a:p>
+            <a:endParaRPr lang="en-US" sz="1400" dirty="0"/>
+          </a:p>
+        </p:txBody>
+      </p:sp>
+    </p:spTree>
+    <p:extLst>
+      <p:ext uri="{BB962C8B-B14F-4D97-AF65-F5344CB8AC3E}">
+        <p14:creationId xmlns:p14="http://schemas.microsoft.com/office/powerpoint/2010/main" val="2472910517"/>
+      </p:ext>
+    </p:extLst>
+  </p:cSld>
+  <p:clrMapOvr>
+    <a:masterClrMapping/>
+  </p:clrMapOvr>
+</p:sld>
+</file>
+
+<file path=ppt/slides/slide3.xml><?xml version="1.0" encoding="utf-8"?>
+<p:sld xmlns:a="http://schemas.openxmlformats.org/drawingml/2006/main" xmlns:r="http://schemas.openxmlformats.org/officeDocument/2006/relationships" xmlns:p="http://schemas.openxmlformats.org/presentationml/2006/main">
+  <p:cSld>
+    <p:spTree>
+      <p:nvGrpSpPr>
+        <p:cNvPr id="1" name=""/>
+        <p:cNvGrpSpPr/>
+        <p:nvPr/>
+      </p:nvGrpSpPr>
+      <p:grpSpPr>
+        <a:xfrm>
+          <a:off x="0" y="0"/>
+          <a:ext cx="0" cy="0"/>
+          <a:chOff x="0" y="0"/>
+          <a:chExt cx="0" cy="0"/>
+        </a:xfrm>
+      </p:grpSpPr>
+      <p:sp>
+        <p:nvSpPr>
+          <p:cNvPr id="2" name="Title 1">
+            <a:extLst>
+              <a:ext uri="{FF2B5EF4-FFF2-40B4-BE49-F238E27FC236}">
                 <a16:creationId xmlns:a16="http://schemas.microsoft.com/office/drawing/2014/main" id="{91E137BF-AFF4-7EDD-D268-E45081D95D39}"/>
               </a:ext>
             </a:extLst>
@@ -5752,7 +7780,7 @@
 </p:sld>
 </file>
 
-<file path=ppt/slides/slide5.xml><?xml version="1.0" encoding="utf-8"?>
+<file path=ppt/slides/slide4.xml><?xml version="1.0" encoding="utf-8"?>
 <p:sld xmlns:a="http://schemas.openxmlformats.org/drawingml/2006/main" xmlns:r="http://schemas.openxmlformats.org/officeDocument/2006/relationships" xmlns:p="http://schemas.openxmlformats.org/presentationml/2006/main">
   <p:cSld>
     <p:spTree>
@@ -6014,7 +8042,7 @@
 </p:sld>
 </file>
 
-<file path=ppt/slides/slide6.xml><?xml version="1.0" encoding="utf-8"?>
+<file path=ppt/slides/slide5.xml><?xml version="1.0" encoding="utf-8"?>
 <p:sld xmlns:a="http://schemas.openxmlformats.org/drawingml/2006/main" xmlns:r="http://schemas.openxmlformats.org/officeDocument/2006/relationships" xmlns:p="http://schemas.openxmlformats.org/presentationml/2006/main">
   <p:cSld>
     <p:spTree>
@@ -6279,7 +8307,7 @@
 </p:sld>
 </file>
 
-<file path=ppt/slides/slide7.xml><?xml version="1.0" encoding="utf-8"?>
+<file path=ppt/slides/slide6.xml><?xml version="1.0" encoding="utf-8"?>
 <p:sld xmlns:a="http://schemas.openxmlformats.org/drawingml/2006/main" xmlns:r="http://schemas.openxmlformats.org/officeDocument/2006/relationships" xmlns:p="http://schemas.openxmlformats.org/presentationml/2006/main">
   <p:cSld>
     <p:spTree>
@@ -6392,6 +8420,203 @@
 </p:sld>
 </file>
 
+<file path=ppt/slides/slide7.xml><?xml version="1.0" encoding="utf-8"?>
+<p:sld xmlns:a="http://schemas.openxmlformats.org/drawingml/2006/main" xmlns:r="http://schemas.openxmlformats.org/officeDocument/2006/relationships" xmlns:p="http://schemas.openxmlformats.org/presentationml/2006/main">
+  <p:cSld>
+    <p:spTree>
+      <p:nvGrpSpPr>
+        <p:cNvPr id="1" name=""/>
+        <p:cNvGrpSpPr/>
+        <p:nvPr/>
+      </p:nvGrpSpPr>
+      <p:grpSpPr>
+        <a:xfrm>
+          <a:off x="0" y="0"/>
+          <a:ext cx="0" cy="0"/>
+          <a:chOff x="0" y="0"/>
+          <a:chExt cx="0" cy="0"/>
+        </a:xfrm>
+      </p:grpSpPr>
+      <p:sp>
+        <p:nvSpPr>
+          <p:cNvPr id="2" name="Title 1">
+            <a:extLst>
+              <a:ext uri="{FF2B5EF4-FFF2-40B4-BE49-F238E27FC236}">
+                <a16:creationId xmlns:a16="http://schemas.microsoft.com/office/drawing/2014/main" id="{0738A4AB-8A8C-4DB8-E6DD-8F07C6E5DD43}"/>
+              </a:ext>
+            </a:extLst>
+          </p:cNvPr>
+          <p:cNvSpPr>
+            <a:spLocks noGrp="1"/>
+          </p:cNvSpPr>
+          <p:nvPr>
+            <p:ph type="title"/>
+          </p:nvPr>
+        </p:nvSpPr>
+        <p:spPr/>
+        <p:txBody>
+          <a:bodyPr/>
+          <a:lstStyle/>
+          <a:p>
+            <a:r>
+              <a:rPr lang="en-US" dirty="0"/>
+              <a:t>Which method?</a:t>
+            </a:r>
+          </a:p>
+        </p:txBody>
+      </p:sp>
+      <p:sp>
+        <p:nvSpPr>
+          <p:cNvPr id="3" name="Content Placeholder 2">
+            <a:extLst>
+              <a:ext uri="{FF2B5EF4-FFF2-40B4-BE49-F238E27FC236}">
+                <a16:creationId xmlns:a16="http://schemas.microsoft.com/office/drawing/2014/main" id="{64CE3AB2-9812-2168-3818-18BDF4DCA20A}"/>
+              </a:ext>
+            </a:extLst>
+          </p:cNvPr>
+          <p:cNvSpPr>
+            <a:spLocks noGrp="1"/>
+          </p:cNvSpPr>
+          <p:nvPr>
+            <p:ph idx="1"/>
+          </p:nvPr>
+        </p:nvSpPr>
+        <p:spPr>
+          <a:xfrm>
+            <a:off x="838200" y="1690688"/>
+            <a:ext cx="10018713" cy="3943526"/>
+          </a:xfrm>
+        </p:spPr>
+        <p:txBody>
+          <a:bodyPr>
+            <a:normAutofit/>
+          </a:bodyPr>
+          <a:lstStyle/>
+          <a:p>
+            <a:pPr algn="l">
+              <a:buFont typeface="Arial" panose="020B0604020202020204" pitchFamily="34" charset="0"/>
+              <a:buChar char="•"/>
+            </a:pPr>
+            <a:r>
+              <a:rPr lang="en-US" b="1" i="0" dirty="0">
+                <a:solidFill>
+                  <a:srgbClr val="374151"/>
+                </a:solidFill>
+                <a:effectLst/>
+                <a:latin typeface="Söhne"/>
+              </a:rPr>
+              <a:t>Data Characteristics</a:t>
+            </a:r>
+            <a:r>
+              <a:rPr lang="en-US" b="0" i="0" dirty="0">
+                <a:solidFill>
+                  <a:srgbClr val="374151"/>
+                </a:solidFill>
+                <a:effectLst/>
+                <a:latin typeface="Söhne"/>
+              </a:rPr>
+              <a:t>: the data may be something that we cant use in our methods.</a:t>
+            </a:r>
+          </a:p>
+          <a:p>
+            <a:pPr algn="l">
+              <a:buFont typeface="Arial" panose="020B0604020202020204" pitchFamily="34" charset="0"/>
+              <a:buChar char="•"/>
+            </a:pPr>
+            <a:r>
+              <a:rPr lang="en-US" b="1" i="0" dirty="0">
+                <a:solidFill>
+                  <a:srgbClr val="374151"/>
+                </a:solidFill>
+                <a:effectLst/>
+                <a:latin typeface="Söhne"/>
+              </a:rPr>
+              <a:t>Cluster Shape</a:t>
+            </a:r>
+            <a:r>
+              <a:rPr lang="en-US" b="0" i="0" dirty="0">
+                <a:solidFill>
+                  <a:srgbClr val="374151"/>
+                </a:solidFill>
+                <a:effectLst/>
+                <a:latin typeface="Söhne"/>
+              </a:rPr>
+              <a:t>: For non-spherical clusters, density-based or hierarchical methods might be better.</a:t>
+            </a:r>
+          </a:p>
+          <a:p>
+            <a:pPr algn="l">
+              <a:buFont typeface="Arial" panose="020B0604020202020204" pitchFamily="34" charset="0"/>
+              <a:buChar char="•"/>
+            </a:pPr>
+            <a:r>
+              <a:rPr lang="en-US" b="1" i="0" dirty="0">
+                <a:solidFill>
+                  <a:srgbClr val="374151"/>
+                </a:solidFill>
+                <a:effectLst/>
+                <a:latin typeface="Söhne"/>
+              </a:rPr>
+              <a:t>Scalability</a:t>
+            </a:r>
+            <a:r>
+              <a:rPr lang="en-US" b="0" i="0" dirty="0">
+                <a:solidFill>
+                  <a:srgbClr val="374151"/>
+                </a:solidFill>
+                <a:effectLst/>
+                <a:latin typeface="Söhne"/>
+              </a:rPr>
+              <a:t>: Partitioning methods like K-Means are more scalable for larger datasets.</a:t>
+            </a:r>
+          </a:p>
+          <a:p>
+            <a:pPr algn="l">
+              <a:buFont typeface="Arial" panose="020B0604020202020204" pitchFamily="34" charset="0"/>
+              <a:buChar char="•"/>
+            </a:pPr>
+            <a:r>
+              <a:rPr lang="en-US" b="1" i="0" dirty="0">
+                <a:solidFill>
+                  <a:srgbClr val="374151"/>
+                </a:solidFill>
+                <a:effectLst/>
+                <a:latin typeface="Söhne"/>
+              </a:rPr>
+              <a:t>Interpretability</a:t>
+            </a:r>
+            <a:r>
+              <a:rPr lang="en-US" b="0" i="0" dirty="0">
+                <a:solidFill>
+                  <a:srgbClr val="374151"/>
+                </a:solidFill>
+                <a:effectLst/>
+                <a:latin typeface="Söhne"/>
+              </a:rPr>
+              <a:t>: Hierarchical clustering provides an insightful dendrogram.</a:t>
+            </a:r>
+          </a:p>
+          <a:p>
+            <a:pPr marL="0" indent="0">
+              <a:buNone/>
+            </a:pPr>
+            <a:endParaRPr lang="en-US" dirty="0"/>
+          </a:p>
+        </p:txBody>
+      </p:sp>
+    </p:spTree>
+    <p:extLst>
+      <p:ext uri="{BB962C8B-B14F-4D97-AF65-F5344CB8AC3E}">
+        <p14:creationId xmlns:p14="http://schemas.microsoft.com/office/powerpoint/2010/main" val="2435023945"/>
+      </p:ext>
+    </p:extLst>
+  </p:cSld>
+  <p:clrMapOvr>
+    <a:masterClrMapping/>
+  </p:clrMapOvr>
+</p:sld>
+</file>
+
 <file path=ppt/slides/slide8.xml><?xml version="1.0" encoding="utf-8"?>
 <p:sld xmlns:a="http://schemas.openxmlformats.org/drawingml/2006/main" xmlns:r="http://schemas.openxmlformats.org/officeDocument/2006/relationships" xmlns:p="http://schemas.openxmlformats.org/presentationml/2006/main">
   <p:cSld>
@@ -6414,7 +8639,7 @@
           <p:cNvPr id="2" name="Title 1">
             <a:extLst>
               <a:ext uri="{FF2B5EF4-FFF2-40B4-BE49-F238E27FC236}">
-                <a16:creationId xmlns:a16="http://schemas.microsoft.com/office/drawing/2014/main" id="{7D7AD27D-1532-1BF0-7035-092CE6DC8617}"/>
+                <a16:creationId xmlns:a16="http://schemas.microsoft.com/office/drawing/2014/main" id="{DC638950-1E76-CCC5-2487-108842815B23}"/>
               </a:ext>
             </a:extLst>
           </p:cNvPr>
@@ -6425,14 +8650,23 @@
             <p:ph type="title"/>
           </p:nvPr>
         </p:nvSpPr>
-        <p:spPr/>
+        <p:spPr>
+          <a:xfrm>
+            <a:off x="838200" y="239290"/>
+            <a:ext cx="10515600" cy="1325563"/>
+          </a:xfrm>
+        </p:spPr>
         <p:txBody>
           <a:bodyPr/>
           <a:lstStyle/>
           <a:p>
             <a:r>
+              <a:rPr lang="en-US" dirty="0" err="1"/>
+              <a:t>TraditionalData</a:t>
+            </a:r>
+            <a:r>
               <a:rPr lang="en-US" dirty="0"/>
-              <a:t>MATLAB Categories</a:t>
+              <a:t>(static)</a:t>
             </a:r>
           </a:p>
         </p:txBody>
@@ -6442,7 +8676,7 @@
           <p:cNvPr id="3" name="Content Placeholder 2">
             <a:extLst>
               <a:ext uri="{FF2B5EF4-FFF2-40B4-BE49-F238E27FC236}">
-                <a16:creationId xmlns:a16="http://schemas.microsoft.com/office/drawing/2014/main" id="{DFD5A61C-92F9-ACAD-D850-BE4E98DB10BE}"/>
+                <a16:creationId xmlns:a16="http://schemas.microsoft.com/office/drawing/2014/main" id="{BD2A2844-F174-4485-3BFA-0CFE23A1735F}"/>
               </a:ext>
             </a:extLst>
           </p:cNvPr>
@@ -6453,162 +8687,100 @@
             <p:ph idx="1"/>
           </p:nvPr>
         </p:nvSpPr>
-        <p:spPr/>
+        <p:spPr>
+          <a:xfrm>
+            <a:off x="838200" y="1690688"/>
+            <a:ext cx="10018713" cy="4458239"/>
+          </a:xfrm>
+        </p:spPr>
         <p:txBody>
           <a:bodyPr>
             <a:normAutofit/>
           </a:bodyPr>
           <a:lstStyle/>
           <a:p>
-            <a:pPr algn="l">
-              <a:buFont typeface="Arial" panose="020B0604020202020204" pitchFamily="34" charset="0"/>
-              <a:buChar char="•"/>
-            </a:pPr>
-            <a:r>
-              <a:rPr lang="en-US" b="0" i="0" u="sng" dirty="0">
+            <a:r>
+              <a:rPr lang="en-US" b="1" dirty="0"/>
+              <a:t>Static</a:t>
+            </a:r>
+            <a:r>
+              <a:rPr lang="en-US" dirty="0"/>
+              <a:t> and stable</a:t>
+            </a:r>
+          </a:p>
+          <a:p>
+            <a:r>
+              <a:rPr lang="en-US" dirty="0"/>
+              <a:t>Accessed at </a:t>
+            </a:r>
+            <a:r>
+              <a:rPr lang="en-US" b="1" dirty="0"/>
+              <a:t>any time</a:t>
+            </a:r>
+          </a:p>
+          <a:p>
+            <a:r>
+              <a:rPr lang="en-US" dirty="0"/>
+              <a:t>Processed </a:t>
+            </a:r>
+            <a:r>
+              <a:rPr lang="en-US" b="1" dirty="0"/>
+              <a:t>more than once</a:t>
+            </a:r>
+          </a:p>
+        </p:txBody>
+      </p:sp>
+      <p:pic>
+        <p:nvPicPr>
+          <p:cNvPr id="1028" name="Picture 4" descr="sap-database">
+            <a:extLst>
+              <a:ext uri="{FF2B5EF4-FFF2-40B4-BE49-F238E27FC236}">
+                <a16:creationId xmlns:a16="http://schemas.microsoft.com/office/drawing/2014/main" id="{6261535D-416D-D848-F207-C6700134F922}"/>
+              </a:ext>
+            </a:extLst>
+          </p:cNvPr>
+          <p:cNvPicPr>
+            <a:picLocks noChangeAspect="1" noChangeArrowheads="1"/>
+          </p:cNvPicPr>
+          <p:nvPr/>
+        </p:nvPicPr>
+        <p:blipFill>
+          <a:blip r:embed="rId2">
+            <a:extLst>
+              <a:ext uri="{28A0092B-C50C-407E-A947-70E740481C1C}">
+                <a14:useLocalDpi xmlns:a14="http://schemas.microsoft.com/office/drawing/2010/main" val="0"/>
+              </a:ext>
+            </a:extLst>
+          </a:blip>
+          <a:srcRect/>
+          <a:stretch>
+            <a:fillRect/>
+          </a:stretch>
+        </p:blipFill>
+        <p:spPr bwMode="auto">
+          <a:xfrm>
+            <a:off x="6205472" y="1321520"/>
+            <a:ext cx="4517217" cy="4517217"/>
+          </a:xfrm>
+          <a:prstGeom prst="rect">
+            <a:avLst/>
+          </a:prstGeom>
+          <a:noFill/>
+          <a:extLst>
+            <a:ext uri="{909E8E84-426E-40DD-AFC4-6F175D3DCCD1}">
+              <a14:hiddenFill xmlns:a14="http://schemas.microsoft.com/office/drawing/2010/main">
                 <a:solidFill>
-                  <a:srgbClr val="004B87"/>
+                  <a:srgbClr val="FFFFFF"/>
                 </a:solidFill>
-                <a:effectLst/>
-                <a:latin typeface="Roboto" panose="02000000000000000000" pitchFamily="2" charset="0"/>
-                <a:hlinkClick r:id="rId2"/>
-              </a:rPr>
-              <a:t>Hierarchical Clustering</a:t>
-            </a:r>
-            <a:endParaRPr lang="en-US" b="0" i="0" dirty="0">
-              <a:solidFill>
-                <a:srgbClr val="212121"/>
-              </a:solidFill>
-              <a:effectLst/>
-              <a:latin typeface="Roboto" panose="02000000000000000000" pitchFamily="2" charset="0"/>
-            </a:endParaRPr>
-          </a:p>
-          <a:p>
-            <a:pPr algn="l">
-              <a:buFont typeface="Arial" panose="020B0604020202020204" pitchFamily="34" charset="0"/>
-              <a:buChar char="•"/>
-            </a:pPr>
-            <a:r>
-              <a:rPr lang="en-US" b="0" i="0" u="none" strike="noStrike" dirty="0">
-                <a:solidFill>
-                  <a:srgbClr val="0076A8"/>
-                </a:solidFill>
-                <a:effectLst/>
-                <a:latin typeface="Roboto" panose="02000000000000000000" pitchFamily="2" charset="0"/>
-                <a:hlinkClick r:id="rId3"/>
-              </a:rPr>
-              <a:t>k-Means and k-Medoids Clustering</a:t>
-            </a:r>
-            <a:endParaRPr lang="en-US" b="0" i="0" dirty="0">
-              <a:solidFill>
-                <a:srgbClr val="212121"/>
-              </a:solidFill>
-              <a:effectLst/>
-              <a:latin typeface="Roboto" panose="02000000000000000000" pitchFamily="2" charset="0"/>
-            </a:endParaRPr>
-          </a:p>
-          <a:p>
-            <a:pPr algn="l">
-              <a:buFont typeface="Arial" panose="020B0604020202020204" pitchFamily="34" charset="0"/>
-              <a:buChar char="•"/>
-            </a:pPr>
-            <a:r>
-              <a:rPr lang="en-US" b="0" i="0" u="none" strike="noStrike" dirty="0">
-                <a:solidFill>
-                  <a:srgbClr val="0076A8"/>
-                </a:solidFill>
-                <a:effectLst/>
-                <a:latin typeface="Roboto" panose="02000000000000000000" pitchFamily="2" charset="0"/>
-                <a:hlinkClick r:id="rId4"/>
-              </a:rPr>
-              <a:t>Density-Based Spatial Clustering of Applications with Noise (DBSCAN)</a:t>
-            </a:r>
-            <a:endParaRPr lang="en-US" b="0" i="0" dirty="0">
-              <a:solidFill>
-                <a:srgbClr val="212121"/>
-              </a:solidFill>
-              <a:effectLst/>
-              <a:latin typeface="Roboto" panose="02000000000000000000" pitchFamily="2" charset="0"/>
-            </a:endParaRPr>
-          </a:p>
-          <a:p>
-            <a:pPr algn="l">
-              <a:buFont typeface="Arial" panose="020B0604020202020204" pitchFamily="34" charset="0"/>
-              <a:buChar char="•"/>
-            </a:pPr>
-            <a:r>
-              <a:rPr lang="en-US" b="0" i="0" u="none" strike="noStrike" dirty="0">
-                <a:solidFill>
-                  <a:srgbClr val="0076A8"/>
-                </a:solidFill>
-                <a:effectLst/>
-                <a:latin typeface="Roboto" panose="02000000000000000000" pitchFamily="2" charset="0"/>
-                <a:hlinkClick r:id="rId5"/>
-              </a:rPr>
-              <a:t>Gaussian Mixture Model</a:t>
-            </a:r>
-            <a:endParaRPr lang="en-US" b="0" i="0" dirty="0">
-              <a:solidFill>
-                <a:srgbClr val="212121"/>
-              </a:solidFill>
-              <a:effectLst/>
-              <a:latin typeface="Roboto" panose="02000000000000000000" pitchFamily="2" charset="0"/>
-            </a:endParaRPr>
-          </a:p>
-          <a:p>
-            <a:pPr algn="l">
-              <a:buFont typeface="Arial" panose="020B0604020202020204" pitchFamily="34" charset="0"/>
-              <a:buChar char="•"/>
-            </a:pPr>
-            <a:r>
-              <a:rPr lang="en-US" b="0" i="0" u="none" strike="noStrike" dirty="0">
-                <a:solidFill>
-                  <a:srgbClr val="0076A8"/>
-                </a:solidFill>
-                <a:effectLst/>
-                <a:latin typeface="Roboto" panose="02000000000000000000" pitchFamily="2" charset="0"/>
-                <a:hlinkClick r:id="rId6"/>
-              </a:rPr>
-              <a:t>k-Nearest Neighbor Search and Radius Search</a:t>
-            </a:r>
-            <a:endParaRPr lang="en-US" b="0" i="0" dirty="0">
-              <a:solidFill>
-                <a:srgbClr val="212121"/>
-              </a:solidFill>
-              <a:effectLst/>
-              <a:latin typeface="Roboto" panose="02000000000000000000" pitchFamily="2" charset="0"/>
-            </a:endParaRPr>
-          </a:p>
-          <a:p>
-            <a:pPr algn="l">
-              <a:buFont typeface="Arial" panose="020B0604020202020204" pitchFamily="34" charset="0"/>
-              <a:buChar char="•"/>
-            </a:pPr>
-            <a:r>
-              <a:rPr lang="en-US" b="0" i="0" u="none" strike="noStrike" dirty="0">
-                <a:solidFill>
-                  <a:srgbClr val="0076A8"/>
-                </a:solidFill>
-                <a:effectLst/>
-                <a:latin typeface="Roboto" panose="02000000000000000000" pitchFamily="2" charset="0"/>
-                <a:hlinkClick r:id="rId7"/>
-              </a:rPr>
-              <a:t>Spectral Clustering</a:t>
-            </a:r>
-            <a:endParaRPr lang="en-US" b="0" i="0" u="none" strike="noStrike" dirty="0">
-              <a:solidFill>
-                <a:srgbClr val="0076A8"/>
-              </a:solidFill>
-              <a:effectLst/>
-              <a:latin typeface="Roboto" panose="02000000000000000000" pitchFamily="2" charset="0"/>
-            </a:endParaRPr>
-          </a:p>
-        </p:txBody>
-      </p:sp>
+              </a14:hiddenFill>
+            </a:ext>
+          </a:extLst>
+        </p:spPr>
+      </p:pic>
     </p:spTree>
     <p:extLst>
       <p:ext uri="{BB962C8B-B14F-4D97-AF65-F5344CB8AC3E}">
-        <p14:creationId xmlns:p14="http://schemas.microsoft.com/office/powerpoint/2010/main" val="4097774816"/>
+        <p14:creationId xmlns:p14="http://schemas.microsoft.com/office/powerpoint/2010/main" val="1097367062"/>
       </p:ext>
     </p:extLst>
   </p:cSld>
@@ -6640,7 +8812,7 @@
           <p:cNvPr id="2" name="Title 1">
             <a:extLst>
               <a:ext uri="{FF2B5EF4-FFF2-40B4-BE49-F238E27FC236}">
-                <a16:creationId xmlns:a16="http://schemas.microsoft.com/office/drawing/2014/main" id="{0738A4AB-8A8C-4DB8-E6DD-8F07C6E5DD43}"/>
+                <a16:creationId xmlns:a16="http://schemas.microsoft.com/office/drawing/2014/main" id="{5D0B82D6-5BD0-AC67-05DE-70C69F721F6A}"/>
               </a:ext>
             </a:extLst>
           </p:cNvPr>
@@ -6658,7 +8830,7 @@
           <a:p>
             <a:r>
               <a:rPr lang="en-US" dirty="0"/>
-              <a:t>Which method?</a:t>
+              <a:t>Stream Data (dynamic)</a:t>
             </a:r>
           </a:p>
         </p:txBody>
@@ -6668,7 +8840,7 @@
           <p:cNvPr id="3" name="Content Placeholder 2">
             <a:extLst>
               <a:ext uri="{FF2B5EF4-FFF2-40B4-BE49-F238E27FC236}">
-                <a16:creationId xmlns:a16="http://schemas.microsoft.com/office/drawing/2014/main" id="{64CE3AB2-9812-2168-3818-18BDF4DCA20A}"/>
+                <a16:creationId xmlns:a16="http://schemas.microsoft.com/office/drawing/2014/main" id="{6C8BBD45-5488-EEF7-DB75-C3DA37946931}"/>
               </a:ext>
             </a:extLst>
           </p:cNvPr>
@@ -6681,8 +8853,8 @@
         </p:nvSpPr>
         <p:spPr>
           <a:xfrm>
-            <a:off x="838200" y="1690688"/>
-            <a:ext cx="10018713" cy="3943526"/>
+            <a:off x="838200" y="1825625"/>
+            <a:ext cx="10515600" cy="1831975"/>
           </a:xfrm>
         </p:spPr>
         <p:txBody>
@@ -6691,121 +8863,114 @@
           </a:bodyPr>
           <a:lstStyle/>
           <a:p>
-            <a:pPr algn="l">
-              <a:buFont typeface="Arial" panose="020B0604020202020204" pitchFamily="34" charset="0"/>
-              <a:buChar char="•"/>
-            </a:pPr>
-            <a:r>
-              <a:rPr lang="en-US" b="1" i="0" dirty="0">
-                <a:solidFill>
-                  <a:srgbClr val="374151"/>
-                </a:solidFill>
-                <a:effectLst/>
-                <a:latin typeface="Söhne"/>
-              </a:rPr>
-              <a:t>Data Characteristics</a:t>
-            </a:r>
-            <a:r>
-              <a:rPr lang="en-US" b="0" i="0" dirty="0">
-                <a:solidFill>
-                  <a:srgbClr val="374151"/>
-                </a:solidFill>
-                <a:effectLst/>
-                <a:latin typeface="Söhne"/>
-              </a:rPr>
-              <a:t>: Density-based methods like DBSCAN suit datasets with varying cluster densities.</a:t>
-            </a:r>
-          </a:p>
-          <a:p>
-            <a:pPr algn="l">
-              <a:buFont typeface="Arial" panose="020B0604020202020204" pitchFamily="34" charset="0"/>
-              <a:buChar char="•"/>
-            </a:pPr>
-            <a:r>
-              <a:rPr lang="en-US" b="1" i="0" dirty="0">
-                <a:solidFill>
-                  <a:srgbClr val="374151"/>
-                </a:solidFill>
-                <a:effectLst/>
-                <a:latin typeface="Söhne"/>
-              </a:rPr>
-              <a:t>Cluster Shape</a:t>
-            </a:r>
-            <a:r>
-              <a:rPr lang="en-US" b="0" i="0" dirty="0">
-                <a:solidFill>
-                  <a:srgbClr val="374151"/>
-                </a:solidFill>
-                <a:effectLst/>
-                <a:latin typeface="Söhne"/>
-              </a:rPr>
-              <a:t>: For non-spherical clusters, density-based or hierarchical methods might be better.</a:t>
-            </a:r>
-          </a:p>
-          <a:p>
-            <a:pPr algn="l">
-              <a:buFont typeface="Arial" panose="020B0604020202020204" pitchFamily="34" charset="0"/>
-              <a:buChar char="•"/>
-            </a:pPr>
-            <a:r>
-              <a:rPr lang="en-US" b="1" i="0" dirty="0">
-                <a:solidFill>
-                  <a:srgbClr val="374151"/>
-                </a:solidFill>
-                <a:effectLst/>
-                <a:latin typeface="Söhne"/>
-              </a:rPr>
-              <a:t>Scalability</a:t>
-            </a:r>
-            <a:r>
-              <a:rPr lang="en-US" b="0" i="0" dirty="0">
-                <a:solidFill>
-                  <a:srgbClr val="374151"/>
-                </a:solidFill>
-                <a:effectLst/>
-                <a:latin typeface="Söhne"/>
-              </a:rPr>
-              <a:t>: Partitioning methods like K-Means are more scalable for larger datasets.</a:t>
-            </a:r>
-          </a:p>
-          <a:p>
-            <a:pPr algn="l">
-              <a:buFont typeface="Arial" panose="020B0604020202020204" pitchFamily="34" charset="0"/>
-              <a:buChar char="•"/>
-            </a:pPr>
-            <a:r>
-              <a:rPr lang="en-US" b="1" i="0" dirty="0">
-                <a:solidFill>
-                  <a:srgbClr val="374151"/>
-                </a:solidFill>
-                <a:effectLst/>
-                <a:latin typeface="Söhne"/>
-              </a:rPr>
-              <a:t>Interpretability</a:t>
-            </a:r>
-            <a:r>
-              <a:rPr lang="en-US" b="0" i="0" dirty="0">
-                <a:solidFill>
-                  <a:srgbClr val="374151"/>
-                </a:solidFill>
-                <a:effectLst/>
-                <a:latin typeface="Söhne"/>
-              </a:rPr>
-              <a:t>: Hierarchical clustering provides an insightful dendrogram.</a:t>
-            </a:r>
-          </a:p>
-          <a:p>
             <a:pPr marL="0" indent="0">
               <a:buNone/>
             </a:pPr>
-            <a:endParaRPr lang="en-US" dirty="0"/>
-          </a:p>
-        </p:txBody>
-      </p:sp>
+            <a:r>
+              <a:rPr lang="en-US" sz="2400" dirty="0"/>
+              <a:t>Compared with traditional data forms, data stream has its own characteristics.</a:t>
+            </a:r>
+          </a:p>
+          <a:p>
+            <a:r>
+              <a:rPr lang="en-US" sz="2400" dirty="0"/>
+              <a:t>dynamic and it flows like a stream (</a:t>
+            </a:r>
+            <a:r>
+              <a:rPr lang="en-US" sz="2400" b="1" dirty="0"/>
+              <a:t>sequential</a:t>
+            </a:r>
+            <a:r>
+              <a:rPr lang="en-US" sz="2400" dirty="0"/>
+              <a:t> and </a:t>
+            </a:r>
+            <a:r>
+              <a:rPr lang="en-US" sz="2400" b="1" dirty="0"/>
+              <a:t>changes over time</a:t>
+            </a:r>
+            <a:r>
+              <a:rPr lang="en-US" sz="2400" dirty="0"/>
+              <a:t>) </a:t>
+            </a:r>
+          </a:p>
+          <a:p>
+            <a:r>
+              <a:rPr lang="en-US" sz="2400" dirty="0"/>
+              <a:t>Real-time , continuous , ordered (</a:t>
+            </a:r>
+            <a:r>
+              <a:rPr lang="en-US" sz="2400" b="1" dirty="0"/>
+              <a:t>large amount of data  </a:t>
+            </a:r>
+            <a:r>
+              <a:rPr lang="en-US" sz="2400" dirty="0"/>
+              <a:t>, potentially </a:t>
+            </a:r>
+            <a:r>
+              <a:rPr lang="en-US" sz="2400" b="1" dirty="0"/>
+              <a:t>unlimited</a:t>
+            </a:r>
+            <a:r>
+              <a:rPr lang="en-US" sz="2400" dirty="0"/>
+              <a:t> , arrival rate </a:t>
+            </a:r>
+            <a:r>
+              <a:rPr lang="en-US" sz="2400" b="1" dirty="0"/>
+              <a:t>uncertain</a:t>
+            </a:r>
+            <a:r>
+              <a:rPr lang="en-US" sz="2400" dirty="0"/>
+              <a:t>)</a:t>
+            </a:r>
+          </a:p>
+          <a:p>
+            <a:pPr marL="0" indent="0">
+              <a:buNone/>
+            </a:pPr>
+            <a:endParaRPr lang="en-US" sz="2400" dirty="0"/>
+          </a:p>
+        </p:txBody>
+      </p:sp>
+      <p:pic>
+        <p:nvPicPr>
+          <p:cNvPr id="6" name="Picture 5">
+            <a:extLst>
+              <a:ext uri="{FF2B5EF4-FFF2-40B4-BE49-F238E27FC236}">
+                <a16:creationId xmlns:a16="http://schemas.microsoft.com/office/drawing/2014/main" id="{8B5E8B4A-8306-335F-A72F-F433DF43A225}"/>
+              </a:ext>
+            </a:extLst>
+          </p:cNvPr>
+          <p:cNvPicPr>
+            <a:picLocks noChangeAspect="1"/>
+          </p:cNvPicPr>
+          <p:nvPr/>
+        </p:nvPicPr>
+        <p:blipFill>
+          <a:blip r:embed="rId2">
+            <a:extLst>
+              <a:ext uri="{28A0092B-C50C-407E-A947-70E740481C1C}">
+                <a14:useLocalDpi xmlns:a14="http://schemas.microsoft.com/office/drawing/2010/main" val="0"/>
+              </a:ext>
+            </a:extLst>
+          </a:blip>
+          <a:stretch>
+            <a:fillRect/>
+          </a:stretch>
+        </p:blipFill>
+        <p:spPr>
+          <a:xfrm>
+            <a:off x="1227567" y="3657600"/>
+            <a:ext cx="9253907" cy="2457974"/>
+          </a:xfrm>
+          <a:prstGeom prst="rect">
+            <a:avLst/>
+          </a:prstGeom>
+        </p:spPr>
+      </p:pic>
     </p:spTree>
     <p:extLst>
       <p:ext uri="{BB962C8B-B14F-4D97-AF65-F5344CB8AC3E}">
-        <p14:creationId xmlns:p14="http://schemas.microsoft.com/office/powerpoint/2010/main" val="2435023945"/>
+        <p14:creationId xmlns:p14="http://schemas.microsoft.com/office/powerpoint/2010/main" val="1769081268"/>
       </p:ext>
     </p:extLst>
   </p:cSld>
